--- a/第三部分 软件测试应用/7  单元测试.pptx
+++ b/第三部分 软件测试应用/7  单元测试.pptx
@@ -1,8 +1,8 @@
 
 <file path=ppt/presentation.xml><?xml version="1.0" encoding="utf-8"?>
-<p:presentation xmlns:a="http://schemas.openxmlformats.org/drawingml/2006/main" xmlns:r="http://schemas.openxmlformats.org/officeDocument/2006/relationships" xmlns:p="http://schemas.openxmlformats.org/presentationml/2006/main" saveSubsetFonts="1">
+<p:presentation xmlns:a="http://schemas.openxmlformats.org/drawingml/2006/main" xmlns:r="http://schemas.openxmlformats.org/officeDocument/2006/relationships" xmlns:p="http://schemas.openxmlformats.org/presentationml/2006/main">
   <p:sldMasterIdLst>
-    <p:sldMasterId id="2147483776" r:id="rId1"/>
+    <p:sldMasterId id="2147483648" r:id="rId1"/>
   </p:sldMasterIdLst>
   <p:notesMasterIdLst>
     <p:notesMasterId r:id="rId26"/>
@@ -21,8 +21,8 @@
     <p:sldId id="559" r:id="rId9"/>
     <p:sldId id="560" r:id="rId10"/>
     <p:sldId id="561" r:id="rId11"/>
-    <p:sldId id="562" r:id="rId12"/>
-    <p:sldId id="563" r:id="rId13"/>
+    <p:sldId id="563" r:id="rId12"/>
+    <p:sldId id="576" r:id="rId13"/>
     <p:sldId id="564" r:id="rId14"/>
     <p:sldId id="565" r:id="rId15"/>
     <p:sldId id="566" r:id="rId16"/>
@@ -53,8 +53,8 @@
         <a:solidFill>
           <a:schemeClr val="tx1"/>
         </a:solidFill>
-        <a:latin typeface="Verdana" pitchFamily="34" charset="0"/>
-        <a:ea typeface="宋体" charset="-122"/>
+        <a:latin typeface="Verdana" panose="020B0604030504040204" pitchFamily="34" charset="0"/>
+        <a:ea typeface="宋体" panose="02010600030101010101" pitchFamily="2" charset="-122"/>
         <a:cs typeface="+mn-cs"/>
       </a:defRPr>
     </a:lvl1pPr>
@@ -69,8 +69,8 @@
         <a:solidFill>
           <a:schemeClr val="tx1"/>
         </a:solidFill>
-        <a:latin typeface="Verdana" pitchFamily="34" charset="0"/>
-        <a:ea typeface="宋体" charset="-122"/>
+        <a:latin typeface="Verdana" panose="020B0604030504040204" pitchFamily="34" charset="0"/>
+        <a:ea typeface="宋体" panose="02010600030101010101" pitchFamily="2" charset="-122"/>
         <a:cs typeface="+mn-cs"/>
       </a:defRPr>
     </a:lvl2pPr>
@@ -85,8 +85,8 @@
         <a:solidFill>
           <a:schemeClr val="tx1"/>
         </a:solidFill>
-        <a:latin typeface="Verdana" pitchFamily="34" charset="0"/>
-        <a:ea typeface="宋体" charset="-122"/>
+        <a:latin typeface="Verdana" panose="020B0604030504040204" pitchFamily="34" charset="0"/>
+        <a:ea typeface="宋体" panose="02010600030101010101" pitchFamily="2" charset="-122"/>
         <a:cs typeface="+mn-cs"/>
       </a:defRPr>
     </a:lvl3pPr>
@@ -101,8 +101,8 @@
         <a:solidFill>
           <a:schemeClr val="tx1"/>
         </a:solidFill>
-        <a:latin typeface="Verdana" pitchFamily="34" charset="0"/>
-        <a:ea typeface="宋体" charset="-122"/>
+        <a:latin typeface="Verdana" panose="020B0604030504040204" pitchFamily="34" charset="0"/>
+        <a:ea typeface="宋体" panose="02010600030101010101" pitchFamily="2" charset="-122"/>
         <a:cs typeface="+mn-cs"/>
       </a:defRPr>
     </a:lvl4pPr>
@@ -117,8 +117,8 @@
         <a:solidFill>
           <a:schemeClr val="tx1"/>
         </a:solidFill>
-        <a:latin typeface="Verdana" pitchFamily="34" charset="0"/>
-        <a:ea typeface="宋体" charset="-122"/>
+        <a:latin typeface="Verdana" panose="020B0604030504040204" pitchFamily="34" charset="0"/>
+        <a:ea typeface="宋体" panose="02010600030101010101" pitchFamily="2" charset="-122"/>
         <a:cs typeface="+mn-cs"/>
       </a:defRPr>
     </a:lvl5pPr>
@@ -127,8 +127,8 @@
         <a:solidFill>
           <a:schemeClr val="tx1"/>
         </a:solidFill>
-        <a:latin typeface="Verdana" pitchFamily="34" charset="0"/>
-        <a:ea typeface="宋体" charset="-122"/>
+        <a:latin typeface="Verdana" panose="020B0604030504040204" pitchFamily="34" charset="0"/>
+        <a:ea typeface="宋体" panose="02010600030101010101" pitchFamily="2" charset="-122"/>
         <a:cs typeface="+mn-cs"/>
       </a:defRPr>
     </a:lvl6pPr>
@@ -137,8 +137,8 @@
         <a:solidFill>
           <a:schemeClr val="tx1"/>
         </a:solidFill>
-        <a:latin typeface="Verdana" pitchFamily="34" charset="0"/>
-        <a:ea typeface="宋体" charset="-122"/>
+        <a:latin typeface="Verdana" panose="020B0604030504040204" pitchFamily="34" charset="0"/>
+        <a:ea typeface="宋体" panose="02010600030101010101" pitchFamily="2" charset="-122"/>
         <a:cs typeface="+mn-cs"/>
       </a:defRPr>
     </a:lvl7pPr>
@@ -147,8 +147,8 @@
         <a:solidFill>
           <a:schemeClr val="tx1"/>
         </a:solidFill>
-        <a:latin typeface="Verdana" pitchFamily="34" charset="0"/>
-        <a:ea typeface="宋体" charset="-122"/>
+        <a:latin typeface="Verdana" panose="020B0604030504040204" pitchFamily="34" charset="0"/>
+        <a:ea typeface="宋体" panose="02010600030101010101" pitchFamily="2" charset="-122"/>
         <a:cs typeface="+mn-cs"/>
       </a:defRPr>
     </a:lvl8pPr>
@@ -157,42 +157,12 @@
         <a:solidFill>
           <a:schemeClr val="tx1"/>
         </a:solidFill>
-        <a:latin typeface="Verdana" pitchFamily="34" charset="0"/>
-        <a:ea typeface="宋体" charset="-122"/>
+        <a:latin typeface="Verdana" panose="020B0604030504040204" pitchFamily="34" charset="0"/>
+        <a:ea typeface="宋体" panose="02010600030101010101" pitchFamily="2" charset="-122"/>
         <a:cs typeface="+mn-cs"/>
       </a:defRPr>
     </a:lvl9pPr>
   </p:defaultTextStyle>
-  <p:extLst>
-    <p:ext uri="{EFAFB233-063F-42B5-8137-9DF3F51BA10A}">
-      <p15:sldGuideLst xmlns:p15="http://schemas.microsoft.com/office/powerpoint/2012/main">
-        <p15:guide id="1" orient="horz" pos="2160" userDrawn="1">
-          <p15:clr>
-            <a:srgbClr val="A4A3A4"/>
-          </p15:clr>
-        </p15:guide>
-        <p15:guide id="2" pos="3840" userDrawn="1">
-          <p15:clr>
-            <a:srgbClr val="A4A3A4"/>
-          </p15:clr>
-        </p15:guide>
-      </p15:sldGuideLst>
-    </p:ext>
-    <p:ext uri="{2D200454-40CA-4A62-9FC3-DE9A4176ACB9}">
-      <p15:notesGuideLst xmlns:p15="http://schemas.microsoft.com/office/powerpoint/2012/main">
-        <p15:guide id="1" orient="horz" pos="2880">
-          <p15:clr>
-            <a:srgbClr val="A4A3A4"/>
-          </p15:clr>
-        </p15:guide>
-        <p15:guide id="2" pos="2160">
-          <p15:clr>
-            <a:srgbClr val="A4A3A4"/>
-          </p15:clr>
-        </p15:guide>
-      </p15:notesGuideLst>
-    </p:ext>
-  </p:extLst>
 </p:presentation>
 </file>
 
@@ -243,22 +213,16 @@
           <a:ln w="9525">
             <a:noFill/>
             <a:miter lim="800000"/>
-            <a:headEnd/>
-            <a:tailEnd/>
           </a:ln>
           <a:effectLst/>
         </p:spPr>
         <p:txBody>
-          <a:bodyPr vert="horz" wrap="square" lIns="91440" tIns="45720" rIns="91440" bIns="45720" numCol="1" anchor="t" anchorCtr="0" compatLnSpc="1">
-            <a:prstTxWarp prst="textNoShape">
-              <a:avLst/>
-            </a:prstTxWarp>
-          </a:bodyPr>
+          <a:bodyPr vert="horz" wrap="square" lIns="91440" tIns="45720" rIns="91440" bIns="45720" numCol="1" anchor="t" anchorCtr="0" compatLnSpc="1"/>
           <a:lstStyle>
             <a:lvl1pPr>
               <a:defRPr sz="1200">
-                <a:latin typeface="Arial" charset="0"/>
-                <a:ea typeface="宋体" pitchFamily="2" charset="-122"/>
+                <a:latin typeface="Arial" panose="020B0604020202020204" pitchFamily="34" charset="0"/>
+                <a:ea typeface="宋体" panose="02010600030101010101" pitchFamily="2" charset="-122"/>
               </a:defRPr>
             </a:lvl1pPr>
           </a:lstStyle>
@@ -292,22 +256,16 @@
           <a:ln w="9525">
             <a:noFill/>
             <a:miter lim="800000"/>
-            <a:headEnd/>
-            <a:tailEnd/>
           </a:ln>
           <a:effectLst/>
         </p:spPr>
         <p:txBody>
-          <a:bodyPr vert="horz" wrap="square" lIns="91440" tIns="45720" rIns="91440" bIns="45720" numCol="1" anchor="t" anchorCtr="0" compatLnSpc="1">
-            <a:prstTxWarp prst="textNoShape">
-              <a:avLst/>
-            </a:prstTxWarp>
-          </a:bodyPr>
+          <a:bodyPr vert="horz" wrap="square" lIns="91440" tIns="45720" rIns="91440" bIns="45720" numCol="1" anchor="t" anchorCtr="0" compatLnSpc="1"/>
           <a:lstStyle>
             <a:lvl1pPr algn="r">
               <a:defRPr sz="1200">
-                <a:latin typeface="Arial" charset="0"/>
-                <a:ea typeface="宋体" pitchFamily="2" charset="-122"/>
+                <a:latin typeface="Arial" panose="020B0604020202020204" pitchFamily="34" charset="0"/>
+                <a:ea typeface="宋体" panose="02010600030101010101" pitchFamily="2" charset="-122"/>
               </a:defRPr>
             </a:lvl1pPr>
           </a:lstStyle>
@@ -341,22 +299,16 @@
           <a:ln w="9525">
             <a:noFill/>
             <a:miter lim="800000"/>
-            <a:headEnd/>
-            <a:tailEnd/>
           </a:ln>
           <a:effectLst/>
         </p:spPr>
         <p:txBody>
-          <a:bodyPr vert="horz" wrap="square" lIns="91440" tIns="45720" rIns="91440" bIns="45720" numCol="1" anchor="b" anchorCtr="0" compatLnSpc="1">
-            <a:prstTxWarp prst="textNoShape">
-              <a:avLst/>
-            </a:prstTxWarp>
-          </a:bodyPr>
+          <a:bodyPr vert="horz" wrap="square" lIns="91440" tIns="45720" rIns="91440" bIns="45720" numCol="1" anchor="b" anchorCtr="0" compatLnSpc="1"/>
           <a:lstStyle>
             <a:lvl1pPr>
               <a:defRPr sz="1200">
-                <a:latin typeface="Arial" charset="0"/>
-                <a:ea typeface="宋体" pitchFamily="2" charset="-122"/>
+                <a:latin typeface="Arial" panose="020B0604020202020204" pitchFamily="34" charset="0"/>
+                <a:ea typeface="宋体" panose="02010600030101010101" pitchFamily="2" charset="-122"/>
               </a:defRPr>
             </a:lvl1pPr>
           </a:lstStyle>
@@ -390,22 +342,16 @@
           <a:ln w="9525">
             <a:noFill/>
             <a:miter lim="800000"/>
-            <a:headEnd/>
-            <a:tailEnd/>
           </a:ln>
           <a:effectLst/>
         </p:spPr>
         <p:txBody>
-          <a:bodyPr vert="horz" wrap="square" lIns="91440" tIns="45720" rIns="91440" bIns="45720" numCol="1" anchor="b" anchorCtr="0" compatLnSpc="1">
-            <a:prstTxWarp prst="textNoShape">
-              <a:avLst/>
-            </a:prstTxWarp>
-          </a:bodyPr>
+          <a:bodyPr vert="horz" wrap="square" lIns="91440" tIns="45720" rIns="91440" bIns="45720" numCol="1" anchor="b" anchorCtr="0" compatLnSpc="1"/>
           <a:lstStyle>
             <a:lvl1pPr algn="r">
               <a:defRPr sz="1200">
-                <a:latin typeface="Arial" charset="0"/>
-                <a:ea typeface="宋体" pitchFamily="2" charset="-122"/>
+                <a:latin typeface="Arial" panose="020B0604020202020204" pitchFamily="34" charset="0"/>
+                <a:ea typeface="宋体" panose="02010600030101010101" pitchFamily="2" charset="-122"/>
               </a:defRPr>
             </a:lvl1pPr>
           </a:lstStyle>
@@ -415,9 +361,6 @@
             </a:pPr>
             <a:fld id="{7BE119F4-F7CC-4430-A1DB-88C455E8BC26}" type="slidenum">
               <a:rPr lang="en-US" altLang="zh-CN"/>
-              <a:pPr>
-                <a:defRPr/>
-              </a:pPr>
               <a:t>‹#›</a:t>
             </a:fld>
             <a:endParaRPr lang="en-US" altLang="zh-CN" dirty="0"/>
@@ -427,7 +370,7 @@
     </p:spTree>
     <p:extLst>
       <p:ext uri="{BB962C8B-B14F-4D97-AF65-F5344CB8AC3E}">
-        <p14:creationId xmlns:p14="http://schemas.microsoft.com/office/powerpoint/2010/main" val="276209965"/>
+        <p14:creationId xmlns:p14="http://schemas.microsoft.com/office/powerpoint/2010/main" val="633688954"/>
       </p:ext>
     </p:extLst>
   </p:cSld>
@@ -483,22 +426,16 @@
           <a:ln w="9525">
             <a:noFill/>
             <a:miter lim="800000"/>
-            <a:headEnd/>
-            <a:tailEnd/>
           </a:ln>
           <a:effectLst/>
         </p:spPr>
         <p:txBody>
-          <a:bodyPr vert="horz" wrap="square" lIns="91440" tIns="45720" rIns="91440" bIns="45720" numCol="1" anchor="t" anchorCtr="0" compatLnSpc="1">
-            <a:prstTxWarp prst="textNoShape">
-              <a:avLst/>
-            </a:prstTxWarp>
-          </a:bodyPr>
+          <a:bodyPr vert="horz" wrap="square" lIns="91440" tIns="45720" rIns="91440" bIns="45720" numCol="1" anchor="t" anchorCtr="0" compatLnSpc="1"/>
           <a:lstStyle>
             <a:lvl1pPr>
               <a:defRPr sz="1200">
-                <a:latin typeface="Arial" charset="0"/>
-                <a:ea typeface="宋体" pitchFamily="2" charset="-122"/>
+                <a:latin typeface="Arial" panose="020B0604020202020204" pitchFamily="34" charset="0"/>
+                <a:ea typeface="宋体" panose="02010600030101010101" pitchFamily="2" charset="-122"/>
               </a:defRPr>
             </a:lvl1pPr>
           </a:lstStyle>
@@ -532,22 +469,16 @@
           <a:ln w="9525">
             <a:noFill/>
             <a:miter lim="800000"/>
-            <a:headEnd/>
-            <a:tailEnd/>
           </a:ln>
           <a:effectLst/>
         </p:spPr>
         <p:txBody>
-          <a:bodyPr vert="horz" wrap="square" lIns="91440" tIns="45720" rIns="91440" bIns="45720" numCol="1" anchor="t" anchorCtr="0" compatLnSpc="1">
-            <a:prstTxWarp prst="textNoShape">
-              <a:avLst/>
-            </a:prstTxWarp>
-          </a:bodyPr>
+          <a:bodyPr vert="horz" wrap="square" lIns="91440" tIns="45720" rIns="91440" bIns="45720" numCol="1" anchor="t" anchorCtr="0" compatLnSpc="1"/>
           <a:lstStyle>
             <a:lvl1pPr algn="r">
               <a:defRPr sz="1200">
-                <a:latin typeface="Arial" charset="0"/>
-                <a:ea typeface="宋体" pitchFamily="2" charset="-122"/>
+                <a:latin typeface="Arial" panose="020B0604020202020204" pitchFamily="34" charset="0"/>
+                <a:ea typeface="宋体" panose="02010600030101010101" pitchFamily="2" charset="-122"/>
               </a:defRPr>
             </a:lvl1pPr>
           </a:lstStyle>
@@ -583,8 +514,6 @@
               <a:srgbClr val="000000"/>
             </a:solidFill>
             <a:miter lim="800000"/>
-            <a:headEnd/>
-            <a:tailEnd/>
           </a:ln>
           <a:extLst>
             <a:ext uri="{909E8E84-426E-40DD-AFC4-6F175D3DCCD1}">
@@ -619,17 +548,11 @@
           <a:ln w="9525">
             <a:noFill/>
             <a:miter lim="800000"/>
-            <a:headEnd/>
-            <a:tailEnd/>
           </a:ln>
           <a:effectLst/>
         </p:spPr>
         <p:txBody>
-          <a:bodyPr vert="horz" wrap="square" lIns="91440" tIns="45720" rIns="91440" bIns="45720" numCol="1" anchor="t" anchorCtr="0" compatLnSpc="1">
-            <a:prstTxWarp prst="textNoShape">
-              <a:avLst/>
-            </a:prstTxWarp>
-          </a:bodyPr>
+          <a:bodyPr vert="horz" wrap="square" lIns="91440" tIns="45720" rIns="91440" bIns="45720" numCol="1" anchor="t" anchorCtr="0" compatLnSpc="1"/>
           <a:lstStyle/>
           <a:p>
             <a:pPr lvl="0"/>
@@ -690,22 +613,16 @@
           <a:ln w="9525">
             <a:noFill/>
             <a:miter lim="800000"/>
-            <a:headEnd/>
-            <a:tailEnd/>
           </a:ln>
           <a:effectLst/>
         </p:spPr>
         <p:txBody>
-          <a:bodyPr vert="horz" wrap="square" lIns="91440" tIns="45720" rIns="91440" bIns="45720" numCol="1" anchor="b" anchorCtr="0" compatLnSpc="1">
-            <a:prstTxWarp prst="textNoShape">
-              <a:avLst/>
-            </a:prstTxWarp>
-          </a:bodyPr>
+          <a:bodyPr vert="horz" wrap="square" lIns="91440" tIns="45720" rIns="91440" bIns="45720" numCol="1" anchor="b" anchorCtr="0" compatLnSpc="1"/>
           <a:lstStyle>
             <a:lvl1pPr>
               <a:defRPr sz="1200">
-                <a:latin typeface="Arial" charset="0"/>
-                <a:ea typeface="宋体" pitchFamily="2" charset="-122"/>
+                <a:latin typeface="Arial" panose="020B0604020202020204" pitchFamily="34" charset="0"/>
+                <a:ea typeface="宋体" panose="02010600030101010101" pitchFamily="2" charset="-122"/>
               </a:defRPr>
             </a:lvl1pPr>
           </a:lstStyle>
@@ -739,22 +656,16 @@
           <a:ln w="9525">
             <a:noFill/>
             <a:miter lim="800000"/>
-            <a:headEnd/>
-            <a:tailEnd/>
           </a:ln>
           <a:effectLst/>
         </p:spPr>
         <p:txBody>
-          <a:bodyPr vert="horz" wrap="square" lIns="91440" tIns="45720" rIns="91440" bIns="45720" numCol="1" anchor="b" anchorCtr="0" compatLnSpc="1">
-            <a:prstTxWarp prst="textNoShape">
-              <a:avLst/>
-            </a:prstTxWarp>
-          </a:bodyPr>
+          <a:bodyPr vert="horz" wrap="square" lIns="91440" tIns="45720" rIns="91440" bIns="45720" numCol="1" anchor="b" anchorCtr="0" compatLnSpc="1"/>
           <a:lstStyle>
             <a:lvl1pPr algn="r">
               <a:defRPr sz="1200">
-                <a:latin typeface="Arial" charset="0"/>
-                <a:ea typeface="宋体" pitchFamily="2" charset="-122"/>
+                <a:latin typeface="Arial" panose="020B0604020202020204" pitchFamily="34" charset="0"/>
+                <a:ea typeface="宋体" panose="02010600030101010101" pitchFamily="2" charset="-122"/>
               </a:defRPr>
             </a:lvl1pPr>
           </a:lstStyle>
@@ -764,9 +675,6 @@
             </a:pPr>
             <a:fld id="{06DBFBB8-2C88-4EF5-ACA0-AB33D3C579D0}" type="slidenum">
               <a:rPr lang="en-US" altLang="zh-CN"/>
-              <a:pPr>
-                <a:defRPr/>
-              </a:pPr>
               <a:t>‹#›</a:t>
             </a:fld>
             <a:endParaRPr lang="en-US" altLang="zh-CN" dirty="0"/>
@@ -776,7 +684,7 @@
     </p:spTree>
     <p:extLst>
       <p:ext uri="{BB962C8B-B14F-4D97-AF65-F5344CB8AC3E}">
-        <p14:creationId xmlns:p14="http://schemas.microsoft.com/office/powerpoint/2010/main" val="2953713297"/>
+        <p14:creationId xmlns:p14="http://schemas.microsoft.com/office/powerpoint/2010/main" val="4008793300"/>
       </p:ext>
     </p:extLst>
   </p:cSld>
@@ -794,8 +702,8 @@
         <a:solidFill>
           <a:schemeClr val="tx1"/>
         </a:solidFill>
-        <a:latin typeface="Arial" charset="0"/>
-        <a:ea typeface="宋体" pitchFamily="2" charset="-122"/>
+        <a:latin typeface="Arial" panose="020B0604020202020204" pitchFamily="34" charset="0"/>
+        <a:ea typeface="宋体" panose="02010600030101010101" pitchFamily="2" charset="-122"/>
         <a:cs typeface="+mn-cs"/>
       </a:defRPr>
     </a:lvl1pPr>
@@ -810,8 +718,8 @@
         <a:solidFill>
           <a:schemeClr val="tx1"/>
         </a:solidFill>
-        <a:latin typeface="Arial" charset="0"/>
-        <a:ea typeface="宋体" pitchFamily="2" charset="-122"/>
+        <a:latin typeface="Arial" panose="020B0604020202020204" pitchFamily="34" charset="0"/>
+        <a:ea typeface="宋体" panose="02010600030101010101" pitchFamily="2" charset="-122"/>
         <a:cs typeface="+mn-cs"/>
       </a:defRPr>
     </a:lvl2pPr>
@@ -826,8 +734,8 @@
         <a:solidFill>
           <a:schemeClr val="tx1"/>
         </a:solidFill>
-        <a:latin typeface="Arial" charset="0"/>
-        <a:ea typeface="宋体" pitchFamily="2" charset="-122"/>
+        <a:latin typeface="Arial" panose="020B0604020202020204" pitchFamily="34" charset="0"/>
+        <a:ea typeface="宋体" panose="02010600030101010101" pitchFamily="2" charset="-122"/>
         <a:cs typeface="+mn-cs"/>
       </a:defRPr>
     </a:lvl3pPr>
@@ -842,8 +750,8 @@
         <a:solidFill>
           <a:schemeClr val="tx1"/>
         </a:solidFill>
-        <a:latin typeface="Arial" charset="0"/>
-        <a:ea typeface="宋体" pitchFamily="2" charset="-122"/>
+        <a:latin typeface="Arial" panose="020B0604020202020204" pitchFamily="34" charset="0"/>
+        <a:ea typeface="宋体" panose="02010600030101010101" pitchFamily="2" charset="-122"/>
         <a:cs typeface="+mn-cs"/>
       </a:defRPr>
     </a:lvl4pPr>
@@ -858,8 +766,8 @@
         <a:solidFill>
           <a:schemeClr val="tx1"/>
         </a:solidFill>
-        <a:latin typeface="Arial" charset="0"/>
-        <a:ea typeface="宋体" pitchFamily="2" charset="-122"/>
+        <a:latin typeface="Arial" panose="020B0604020202020204" pitchFamily="34" charset="0"/>
+        <a:ea typeface="宋体" panose="02010600030101010101" pitchFamily="2" charset="-122"/>
         <a:cs typeface="+mn-cs"/>
       </a:defRPr>
     </a:lvl5pPr>
@@ -975,9 +883,6 @@
             </a:pPr>
             <a:fld id="{C6E7EC9E-A07B-4D49-8E17-EEA97947E75D}" type="slidenum">
               <a:rPr lang="en-US" altLang="zh-CN" smtClean="0"/>
-              <a:pPr>
-                <a:defRPr/>
-              </a:pPr>
               <a:t>1</a:t>
             </a:fld>
             <a:endParaRPr lang="en-US" altLang="zh-CN"/>
@@ -985,11 +890,6 @@
         </p:txBody>
       </p:sp>
     </p:spTree>
-    <p:extLst>
-      <p:ext uri="{BB962C8B-B14F-4D97-AF65-F5344CB8AC3E}">
-        <p14:creationId xmlns:p14="http://schemas.microsoft.com/office/powerpoint/2010/main" val="2647213765"/>
-      </p:ext>
-    </p:extLst>
   </p:cSld>
   <p:clrMapOvr>
     <a:masterClrMapping/>
@@ -1069,10 +969,115 @@
             </a:pPr>
             <a:fld id="{C6E7EC9E-A07B-4D49-8E17-EEA97947E75D}" type="slidenum">
               <a:rPr lang="en-US" altLang="zh-CN" smtClean="0"/>
+              <a:t>6</a:t>
+            </a:fld>
+            <a:endParaRPr lang="en-US" altLang="zh-CN"/>
+          </a:p>
+        </p:txBody>
+      </p:sp>
+    </p:spTree>
+  </p:cSld>
+  <p:clrMapOvr>
+    <a:masterClrMapping/>
+  </p:clrMapOvr>
+</p:notes>
+</file>
+
+<file path=ppt/notesSlides/notesSlide3.xml><?xml version="1.0" encoding="utf-8"?>
+<p:notes xmlns:a="http://schemas.openxmlformats.org/drawingml/2006/main" xmlns:r="http://schemas.openxmlformats.org/officeDocument/2006/relationships" xmlns:p="http://schemas.openxmlformats.org/presentationml/2006/main">
+  <p:cSld>
+    <p:spTree>
+      <p:nvGrpSpPr>
+        <p:cNvPr id="1" name=""/>
+        <p:cNvGrpSpPr/>
+        <p:nvPr/>
+      </p:nvGrpSpPr>
+      <p:grpSpPr>
+        <a:xfrm>
+          <a:off x="0" y="0"/>
+          <a:ext cx="0" cy="0"/>
+          <a:chOff x="0" y="0"/>
+          <a:chExt cx="0" cy="0"/>
+        </a:xfrm>
+      </p:grpSpPr>
+      <p:sp>
+        <p:nvSpPr>
+          <p:cNvPr id="2" name="幻灯片图像占位符 1"/>
+          <p:cNvSpPr>
+            <a:spLocks noGrp="1" noRot="1" noChangeAspect="1"/>
+          </p:cNvSpPr>
+          <p:nvPr>
+            <p:ph type="sldImg"/>
+          </p:nvPr>
+        </p:nvSpPr>
+        <p:spPr/>
+      </p:sp>
+      <p:sp>
+        <p:nvSpPr>
+          <p:cNvPr id="3" name="备注占位符 2"/>
+          <p:cNvSpPr>
+            <a:spLocks noGrp="1"/>
+          </p:cNvSpPr>
+          <p:nvPr>
+            <p:ph type="body" idx="1"/>
+          </p:nvPr>
+        </p:nvSpPr>
+        <p:spPr/>
+        <p:txBody>
+          <a:bodyPr/>
+          <a:lstStyle/>
+          <a:p>
+            <a:pPr marL="0" marR="0" lvl="0" indent="0" algn="l" defTabSz="914400" rtl="0" eaLnBrk="0" fontAlgn="base" latinLnBrk="0" hangingPunct="0">
+              <a:lnSpc>
+                <a:spcPct val="100000"/>
+              </a:lnSpc>
+              <a:spcBef>
+                <a:spcPct val="30000"/>
+              </a:spcBef>
+              <a:spcAft>
+                <a:spcPct val="0"/>
+              </a:spcAft>
+              <a:buClrTx/>
+              <a:buSzTx/>
+              <a:buFontTx/>
+              <a:buNone/>
+              <a:tabLst/>
+              <a:defRPr/>
+            </a:pPr>
+            <a:r>
+              <a:rPr lang="zh-CN" altLang="en-US" dirty="0" smtClean="0"/>
+              <a:t>有时，需要使用子模块的接口，才能做少量数据操作，并验证和打印入口处的信息，然后返回。桩模块不包含原模块的所有细节</a:t>
+            </a:r>
+          </a:p>
+          <a:p>
+            <a:endParaRPr lang="zh-CN" altLang="en-US" dirty="0"/>
+          </a:p>
+        </p:txBody>
+      </p:sp>
+      <p:sp>
+        <p:nvSpPr>
+          <p:cNvPr id="4" name="灯片编号占位符 3"/>
+          <p:cNvSpPr>
+            <a:spLocks noGrp="1"/>
+          </p:cNvSpPr>
+          <p:nvPr>
+            <p:ph type="sldNum" sz="quarter" idx="10"/>
+          </p:nvPr>
+        </p:nvSpPr>
+        <p:spPr/>
+        <p:txBody>
+          <a:bodyPr/>
+          <a:lstStyle/>
+          <a:p>
+            <a:pPr>
+              <a:defRPr/>
+            </a:pPr>
+            <a:fld id="{C6E7EC9E-A07B-4D49-8E17-EEA97947E75D}" type="slidenum">
+              <a:rPr lang="en-US" altLang="zh-CN" smtClean="0"/>
               <a:pPr>
                 <a:defRPr/>
               </a:pPr>
-              <a:t>6</a:t>
+              <a:t>12</a:t>
             </a:fld>
             <a:endParaRPr lang="en-US" altLang="zh-CN"/>
           </a:p>
@@ -1081,7 +1086,7 @@
     </p:spTree>
     <p:extLst>
       <p:ext uri="{BB962C8B-B14F-4D97-AF65-F5344CB8AC3E}">
-        <p14:creationId xmlns:p14="http://schemas.microsoft.com/office/powerpoint/2010/main" val="982217445"/>
+        <p14:creationId xmlns:p14="http://schemas.microsoft.com/office/powerpoint/2010/main" val="3443503549"/>
       </p:ext>
     </p:extLst>
   </p:cSld>
@@ -1159,7 +1164,7 @@
           <a:bodyPr/>
           <a:lstStyle>
             <a:lvl1pPr marL="0" indent="0">
-              <a:buFont typeface="Wingdings" pitchFamily="2" charset="2"/>
+              <a:buFont typeface="Wingdings" panose="05000000000000000000" pitchFamily="2" charset="2"/>
               <a:buNone/>
               <a:defRPr sz="2800"/>
             </a:lvl1pPr>
@@ -1208,11 +1213,6 @@
         </p:spPr>
       </p:pic>
     </p:spTree>
-    <p:extLst>
-      <p:ext uri="{BB962C8B-B14F-4D97-AF65-F5344CB8AC3E}">
-        <p14:creationId xmlns:p14="http://schemas.microsoft.com/office/powerpoint/2010/main" val="2717098660"/>
-      </p:ext>
-    </p:extLst>
   </p:cSld>
   <p:clrMapOvr>
     <a:masterClrMapping/>
@@ -1290,14 +1290,14 @@
                 <a:ea typeface="楷体" panose="02010609060101010101" pitchFamily="49" charset="-122"/>
               </a:defRPr>
             </a:lvl1pPr>
-            <a:lvl2pPr marL="908050" indent="-436563">
+            <a:lvl2pPr marL="908050" indent="-436880">
               <a:buFont typeface="Wingdings" panose="05000000000000000000" pitchFamily="2" charset="2"/>
               <a:buChar char="l"/>
               <a:defRPr baseline="0">
                 <a:ea typeface="楷体" panose="02010609060101010101" pitchFamily="49" charset="-122"/>
               </a:defRPr>
             </a:lvl2pPr>
-            <a:lvl3pPr marL="1304925" indent="-395288">
+            <a:lvl3pPr marL="1304925" indent="-395605">
               <a:buFont typeface="Arial" panose="020B0604020202020204" pitchFamily="34" charset="0"/>
               <a:buChar char="•"/>
               <a:defRPr baseline="0">
@@ -1363,7 +1363,6 @@
           <a:prstGeom prst="rect">
             <a:avLst/>
           </a:prstGeom>
-          <a:ln/>
         </p:spPr>
         <p:txBody>
           <a:bodyPr/>
@@ -1398,7 +1397,6 @@
           <a:prstGeom prst="rect">
             <a:avLst/>
           </a:prstGeom>
-          <a:ln/>
         </p:spPr>
         <p:txBody>
           <a:bodyPr/>
@@ -1416,11 +1414,6 @@
         </p:txBody>
       </p:sp>
     </p:spTree>
-    <p:extLst>
-      <p:ext uri="{BB962C8B-B14F-4D97-AF65-F5344CB8AC3E}">
-        <p14:creationId xmlns:p14="http://schemas.microsoft.com/office/powerpoint/2010/main" val="3364467347"/>
-      </p:ext>
-    </p:extLst>
   </p:cSld>
   <p:clrMapOvr>
     <a:masterClrMapping/>
@@ -1517,7 +1510,7 @@
                 <a:ea typeface="华文新魏" panose="02010800040101010101" pitchFamily="2" charset="-122"/>
               </a:defRPr>
             </a:lvl2pPr>
-            <a:lvl3pPr marL="1304925" indent="-395288">
+            <a:lvl3pPr marL="1304925" indent="-395605">
               <a:defRPr lang="zh-CN" altLang="en-US" sz="2400" b="1" baseline="0" dirty="0" smtClean="0">
                 <a:solidFill>
                   <a:srgbClr val="0000FF"/>
@@ -1560,7 +1553,7 @@
             </a:r>
           </a:p>
           <a:p>
-            <a:pPr marL="1304925" lvl="2" indent="-395288" algn="l" rtl="0" eaLnBrk="0" fontAlgn="base" hangingPunct="0">
+            <a:pPr marL="1304925" lvl="2" indent="-395605" algn="l" rtl="0" eaLnBrk="0" fontAlgn="base" hangingPunct="0">
               <a:lnSpc>
                 <a:spcPct val="150000"/>
               </a:lnSpc>
@@ -1608,7 +1601,6 @@
           <a:prstGeom prst="rect">
             <a:avLst/>
           </a:prstGeom>
-          <a:ln/>
         </p:spPr>
         <p:txBody>
           <a:bodyPr/>
@@ -1643,7 +1635,6 @@
           <a:prstGeom prst="rect">
             <a:avLst/>
           </a:prstGeom>
-          <a:ln/>
         </p:spPr>
         <p:txBody>
           <a:bodyPr/>
@@ -1661,11 +1652,6 @@
         </p:txBody>
       </p:sp>
     </p:spTree>
-    <p:extLst>
-      <p:ext uri="{BB962C8B-B14F-4D97-AF65-F5344CB8AC3E}">
-        <p14:creationId xmlns:p14="http://schemas.microsoft.com/office/powerpoint/2010/main" val="3846945651"/>
-      </p:ext>
-    </p:extLst>
   </p:cSld>
   <p:clrMapOvr>
     <a:masterClrMapping/>
@@ -1815,7 +1801,6 @@
           <a:prstGeom prst="rect">
             <a:avLst/>
           </a:prstGeom>
-          <a:ln/>
         </p:spPr>
         <p:txBody>
           <a:bodyPr/>
@@ -1850,7 +1835,6 @@
           <a:prstGeom prst="rect">
             <a:avLst/>
           </a:prstGeom>
-          <a:ln/>
         </p:spPr>
         <p:txBody>
           <a:bodyPr/>
@@ -1885,7 +1869,6 @@
           <a:prstGeom prst="rect">
             <a:avLst/>
           </a:prstGeom>
-          <a:ln/>
         </p:spPr>
         <p:txBody>
           <a:bodyPr/>
@@ -1900,9 +1883,6 @@
             </a:pPr>
             <a:fld id="{B62FBA93-7C77-4D32-BA8C-F7EFDB1910E6}" type="slidenum">
               <a:rPr lang="en-US" altLang="zh-CN"/>
-              <a:pPr>
-                <a:defRPr/>
-              </a:pPr>
               <a:t>‹#›</a:t>
             </a:fld>
             <a:endParaRPr lang="en-US" altLang="zh-CN" dirty="0"/>
@@ -1910,11 +1890,6 @@
         </p:txBody>
       </p:sp>
     </p:spTree>
-    <p:extLst>
-      <p:ext uri="{BB962C8B-B14F-4D97-AF65-F5344CB8AC3E}">
-        <p14:creationId xmlns:p14="http://schemas.microsoft.com/office/powerpoint/2010/main" val="1355284535"/>
-      </p:ext>
-    </p:extLst>
   </p:cSld>
   <p:clrMapOvr>
     <a:masterClrMapping/>
@@ -1990,7 +1965,7 @@
             <a:lvl2pPr>
               <a:defRPr sz="2400"/>
             </a:lvl2pPr>
-            <a:lvl3pPr marL="1304925" indent="-395288">
+            <a:lvl3pPr marL="1304925" indent="-395605">
               <a:defRPr lang="zh-CN" altLang="en-US" sz="2400" b="1" baseline="0" dirty="0" smtClean="0">
                 <a:solidFill>
                   <a:schemeClr val="tx1"/>
@@ -2033,7 +2008,7 @@
             </a:r>
           </a:p>
           <a:p>
-            <a:pPr marL="1304925" lvl="2" indent="-395288" algn="l" rtl="0" eaLnBrk="0" fontAlgn="base" hangingPunct="0">
+            <a:pPr marL="1304925" lvl="2" indent="-395605" algn="l" rtl="0" eaLnBrk="0" fontAlgn="base" hangingPunct="0">
               <a:lnSpc>
                 <a:spcPct val="150000"/>
               </a:lnSpc>
@@ -2088,7 +2063,7 @@
             <a:lvl2pPr>
               <a:defRPr sz="2400"/>
             </a:lvl2pPr>
-            <a:lvl3pPr marL="1304925" indent="-395288">
+            <a:lvl3pPr marL="1304925" indent="-395605">
               <a:defRPr lang="zh-CN" altLang="en-US" sz="2400" b="1" baseline="0" dirty="0" smtClean="0">
                 <a:solidFill>
                   <a:schemeClr val="tx1"/>
@@ -2131,7 +2106,7 @@
             </a:r>
           </a:p>
           <a:p>
-            <a:pPr marL="1304925" lvl="2" indent="-395288" algn="l" rtl="0" eaLnBrk="0" fontAlgn="base" hangingPunct="0">
+            <a:pPr marL="1304925" lvl="2" indent="-395605" algn="l" rtl="0" eaLnBrk="0" fontAlgn="base" hangingPunct="0">
               <a:lnSpc>
                 <a:spcPct val="150000"/>
               </a:lnSpc>
@@ -2179,7 +2154,6 @@
           <a:prstGeom prst="rect">
             <a:avLst/>
           </a:prstGeom>
-          <a:ln/>
         </p:spPr>
         <p:txBody>
           <a:bodyPr/>
@@ -2214,7 +2188,6 @@
           <a:prstGeom prst="rect">
             <a:avLst/>
           </a:prstGeom>
-          <a:ln/>
         </p:spPr>
         <p:txBody>
           <a:bodyPr/>
@@ -2249,7 +2222,6 @@
           <a:prstGeom prst="rect">
             <a:avLst/>
           </a:prstGeom>
-          <a:ln/>
         </p:spPr>
         <p:txBody>
           <a:bodyPr/>
@@ -2264,9 +2236,6 @@
             </a:pPr>
             <a:fld id="{85100CE9-0662-4089-B8E8-68467DB42791}" type="slidenum">
               <a:rPr lang="en-US" altLang="zh-CN"/>
-              <a:pPr>
-                <a:defRPr/>
-              </a:pPr>
               <a:t>‹#›</a:t>
             </a:fld>
             <a:endParaRPr lang="en-US" altLang="zh-CN" dirty="0"/>
@@ -2274,11 +2243,6 @@
         </p:txBody>
       </p:sp>
     </p:spTree>
-    <p:extLst>
-      <p:ext uri="{BB962C8B-B14F-4D97-AF65-F5344CB8AC3E}">
-        <p14:creationId xmlns:p14="http://schemas.microsoft.com/office/powerpoint/2010/main" val="2246299959"/>
-      </p:ext>
-    </p:extLst>
   </p:cSld>
   <p:clrMapOvr>
     <a:masterClrMapping/>
@@ -2347,7 +2311,6 @@
           <a:prstGeom prst="rect">
             <a:avLst/>
           </a:prstGeom>
-          <a:ln/>
         </p:spPr>
         <p:txBody>
           <a:bodyPr/>
@@ -2382,7 +2345,6 @@
           <a:prstGeom prst="rect">
             <a:avLst/>
           </a:prstGeom>
-          <a:ln/>
         </p:spPr>
         <p:txBody>
           <a:bodyPr/>
@@ -2417,7 +2379,6 @@
           <a:prstGeom prst="rect">
             <a:avLst/>
           </a:prstGeom>
-          <a:ln/>
         </p:spPr>
         <p:txBody>
           <a:bodyPr/>
@@ -2432,9 +2393,6 @@
             </a:pPr>
             <a:fld id="{15209603-DA32-4E08-B993-D56C85C4BB77}" type="slidenum">
               <a:rPr lang="en-US" altLang="zh-CN"/>
-              <a:pPr>
-                <a:defRPr/>
-              </a:pPr>
               <a:t>‹#›</a:t>
             </a:fld>
             <a:endParaRPr lang="en-US" altLang="zh-CN" dirty="0"/>
@@ -2442,11 +2400,6 @@
         </p:txBody>
       </p:sp>
     </p:spTree>
-    <p:extLst>
-      <p:ext uri="{BB962C8B-B14F-4D97-AF65-F5344CB8AC3E}">
-        <p14:creationId xmlns:p14="http://schemas.microsoft.com/office/powerpoint/2010/main" val="2443479709"/>
-      </p:ext>
-    </p:extLst>
   </p:cSld>
   <p:clrMapOvr>
     <a:masterClrMapping/>
@@ -2602,9 +2555,6 @@
             </a:pPr>
             <a:fld id="{D69D5A50-F480-4E46-95E7-D0B4288BA79C}" type="slidenum">
               <a:rPr lang="en-US" altLang="zh-CN"/>
-              <a:pPr>
-                <a:defRPr/>
-              </a:pPr>
               <a:t>‹#›</a:t>
             </a:fld>
             <a:endParaRPr lang="en-US" altLang="zh-CN" dirty="0"/>
@@ -2612,11 +2562,6 @@
         </p:txBody>
       </p:sp>
     </p:spTree>
-    <p:extLst>
-      <p:ext uri="{BB962C8B-B14F-4D97-AF65-F5344CB8AC3E}">
-        <p14:creationId xmlns:p14="http://schemas.microsoft.com/office/powerpoint/2010/main" val="3284914725"/>
-      </p:ext>
-    </p:extLst>
   </p:cSld>
   <p:clrMapOvr>
     <a:masterClrMapping/>
@@ -2692,8 +2637,8 @@
                 <a:solidFill>
                   <a:schemeClr val="tx1"/>
                 </a:solidFill>
-                <a:latin typeface="Times New Roman" pitchFamily="18" charset="0"/>
-                <a:ea typeface="宋体" pitchFamily="2" charset="-122"/>
+                <a:latin typeface="Times New Roman" panose="02020603050405020304" pitchFamily="18" charset="0"/>
+                <a:ea typeface="宋体" panose="02010600030101010101" pitchFamily="2" charset="-122"/>
               </a:defRPr>
             </a:lvl1pPr>
             <a:lvl2pPr marL="742950" indent="-285750">
@@ -2701,8 +2646,8 @@
                 <a:solidFill>
                   <a:schemeClr val="tx1"/>
                 </a:solidFill>
-                <a:latin typeface="Times New Roman" pitchFamily="18" charset="0"/>
-                <a:ea typeface="宋体" pitchFamily="2" charset="-122"/>
+                <a:latin typeface="Times New Roman" panose="02020603050405020304" pitchFamily="18" charset="0"/>
+                <a:ea typeface="宋体" panose="02010600030101010101" pitchFamily="2" charset="-122"/>
               </a:defRPr>
             </a:lvl2pPr>
             <a:lvl3pPr marL="1143000" indent="-228600">
@@ -2710,8 +2655,8 @@
                 <a:solidFill>
                   <a:schemeClr val="tx1"/>
                 </a:solidFill>
-                <a:latin typeface="Times New Roman" pitchFamily="18" charset="0"/>
-                <a:ea typeface="宋体" pitchFamily="2" charset="-122"/>
+                <a:latin typeface="Times New Roman" panose="02020603050405020304" pitchFamily="18" charset="0"/>
+                <a:ea typeface="宋体" panose="02010600030101010101" pitchFamily="2" charset="-122"/>
               </a:defRPr>
             </a:lvl3pPr>
             <a:lvl4pPr marL="1600200" indent="-228600">
@@ -2719,8 +2664,8 @@
                 <a:solidFill>
                   <a:schemeClr val="tx1"/>
                 </a:solidFill>
-                <a:latin typeface="Times New Roman" pitchFamily="18" charset="0"/>
-                <a:ea typeface="宋体" pitchFamily="2" charset="-122"/>
+                <a:latin typeface="Times New Roman" panose="02020603050405020304" pitchFamily="18" charset="0"/>
+                <a:ea typeface="宋体" panose="02010600030101010101" pitchFamily="2" charset="-122"/>
               </a:defRPr>
             </a:lvl4pPr>
             <a:lvl5pPr marL="2057400" indent="-228600">
@@ -2728,8 +2673,8 @@
                 <a:solidFill>
                   <a:schemeClr val="tx1"/>
                 </a:solidFill>
-                <a:latin typeface="Times New Roman" pitchFamily="18" charset="0"/>
-                <a:ea typeface="宋体" pitchFamily="2" charset="-122"/>
+                <a:latin typeface="Times New Roman" panose="02020603050405020304" pitchFamily="18" charset="0"/>
+                <a:ea typeface="宋体" panose="02010600030101010101" pitchFamily="2" charset="-122"/>
               </a:defRPr>
             </a:lvl5pPr>
             <a:lvl6pPr marL="2514600" indent="-228600" fontAlgn="base">
@@ -2743,8 +2688,8 @@
                 <a:solidFill>
                   <a:schemeClr val="tx1"/>
                 </a:solidFill>
-                <a:latin typeface="Times New Roman" pitchFamily="18" charset="0"/>
-                <a:ea typeface="宋体" pitchFamily="2" charset="-122"/>
+                <a:latin typeface="Times New Roman" panose="02020603050405020304" pitchFamily="18" charset="0"/>
+                <a:ea typeface="宋体" panose="02010600030101010101" pitchFamily="2" charset="-122"/>
               </a:defRPr>
             </a:lvl6pPr>
             <a:lvl7pPr marL="2971800" indent="-228600" fontAlgn="base">
@@ -2758,8 +2703,8 @@
                 <a:solidFill>
                   <a:schemeClr val="tx1"/>
                 </a:solidFill>
-                <a:latin typeface="Times New Roman" pitchFamily="18" charset="0"/>
-                <a:ea typeface="宋体" pitchFamily="2" charset="-122"/>
+                <a:latin typeface="Times New Roman" panose="02020603050405020304" pitchFamily="18" charset="0"/>
+                <a:ea typeface="宋体" panose="02010600030101010101" pitchFamily="2" charset="-122"/>
               </a:defRPr>
             </a:lvl7pPr>
             <a:lvl8pPr marL="3429000" indent="-228600" fontAlgn="base">
@@ -2773,8 +2718,8 @@
                 <a:solidFill>
                   <a:schemeClr val="tx1"/>
                 </a:solidFill>
-                <a:latin typeface="Times New Roman" pitchFamily="18" charset="0"/>
-                <a:ea typeface="宋体" pitchFamily="2" charset="-122"/>
+                <a:latin typeface="Times New Roman" panose="02020603050405020304" pitchFamily="18" charset="0"/>
+                <a:ea typeface="宋体" panose="02010600030101010101" pitchFamily="2" charset="-122"/>
               </a:defRPr>
             </a:lvl8pPr>
             <a:lvl9pPr marL="3886200" indent="-228600" fontAlgn="base">
@@ -2788,8 +2733,8 @@
                 <a:solidFill>
                   <a:schemeClr val="tx1"/>
                 </a:solidFill>
-                <a:latin typeface="Times New Roman" pitchFamily="18" charset="0"/>
-                <a:ea typeface="宋体" pitchFamily="2" charset="-122"/>
+                <a:latin typeface="Times New Roman" panose="02020603050405020304" pitchFamily="18" charset="0"/>
+                <a:ea typeface="宋体" panose="02010600030101010101" pitchFamily="2" charset="-122"/>
               </a:defRPr>
             </a:lvl9pPr>
           </a:lstStyle>
@@ -2798,8 +2743,8 @@
               <a:defRPr/>
             </a:pPr>
             <a:endParaRPr lang="en-US" altLang="zh-CN" sz="2800" smtClean="0">
-              <a:latin typeface="Arial" pitchFamily="34" charset="0"/>
-              <a:ea typeface="黑体" pitchFamily="49" charset="-122"/>
+              <a:latin typeface="Arial" panose="020B0604020202020204" pitchFamily="34" charset="0"/>
+              <a:ea typeface="黑体" panose="02010609060101010101" pitchFamily="49" charset="-122"/>
             </a:endParaRPr>
           </a:p>
         </p:txBody>
@@ -2807,9 +2752,7 @@
       <p:sp>
         <p:nvSpPr>
           <p:cNvPr id="5" name="标题 1"/>
-          <p:cNvSpPr txBox="1">
-            <a:spLocks/>
-          </p:cNvSpPr>
+          <p:cNvSpPr txBox="1"/>
           <p:nvPr/>
         </p:nvSpPr>
         <p:spPr bwMode="auto">
@@ -2852,8 +2795,8 @@
                 <a:solidFill>
                   <a:schemeClr val="tx1"/>
                 </a:solidFill>
-                <a:latin typeface="Times New Roman" pitchFamily="18" charset="0"/>
-                <a:ea typeface="宋体" pitchFamily="2" charset="-122"/>
+                <a:latin typeface="Times New Roman" panose="02020603050405020304" pitchFamily="18" charset="0"/>
+                <a:ea typeface="宋体" panose="02010600030101010101" pitchFamily="2" charset="-122"/>
               </a:defRPr>
             </a:lvl1pPr>
             <a:lvl2pPr marL="742950" indent="-285750">
@@ -2861,8 +2804,8 @@
                 <a:solidFill>
                   <a:schemeClr val="tx1"/>
                 </a:solidFill>
-                <a:latin typeface="Times New Roman" pitchFamily="18" charset="0"/>
-                <a:ea typeface="宋体" pitchFamily="2" charset="-122"/>
+                <a:latin typeface="Times New Roman" panose="02020603050405020304" pitchFamily="18" charset="0"/>
+                <a:ea typeface="宋体" panose="02010600030101010101" pitchFamily="2" charset="-122"/>
               </a:defRPr>
             </a:lvl2pPr>
             <a:lvl3pPr marL="1143000" indent="-228600">
@@ -2870,8 +2813,8 @@
                 <a:solidFill>
                   <a:schemeClr val="tx1"/>
                 </a:solidFill>
-                <a:latin typeface="Times New Roman" pitchFamily="18" charset="0"/>
-                <a:ea typeface="宋体" pitchFamily="2" charset="-122"/>
+                <a:latin typeface="Times New Roman" panose="02020603050405020304" pitchFamily="18" charset="0"/>
+                <a:ea typeface="宋体" panose="02010600030101010101" pitchFamily="2" charset="-122"/>
               </a:defRPr>
             </a:lvl3pPr>
             <a:lvl4pPr marL="1600200" indent="-228600">
@@ -2879,8 +2822,8 @@
                 <a:solidFill>
                   <a:schemeClr val="tx1"/>
                 </a:solidFill>
-                <a:latin typeface="Times New Roman" pitchFamily="18" charset="0"/>
-                <a:ea typeface="宋体" pitchFamily="2" charset="-122"/>
+                <a:latin typeface="Times New Roman" panose="02020603050405020304" pitchFamily="18" charset="0"/>
+                <a:ea typeface="宋体" panose="02010600030101010101" pitchFamily="2" charset="-122"/>
               </a:defRPr>
             </a:lvl4pPr>
             <a:lvl5pPr marL="2057400" indent="-228600">
@@ -2888,8 +2831,8 @@
                 <a:solidFill>
                   <a:schemeClr val="tx1"/>
                 </a:solidFill>
-                <a:latin typeface="Times New Roman" pitchFamily="18" charset="0"/>
-                <a:ea typeface="宋体" pitchFamily="2" charset="-122"/>
+                <a:latin typeface="Times New Roman" panose="02020603050405020304" pitchFamily="18" charset="0"/>
+                <a:ea typeface="宋体" panose="02010600030101010101" pitchFamily="2" charset="-122"/>
               </a:defRPr>
             </a:lvl5pPr>
             <a:lvl6pPr marL="2514600" indent="-228600" fontAlgn="base">
@@ -2903,8 +2846,8 @@
                 <a:solidFill>
                   <a:schemeClr val="tx1"/>
                 </a:solidFill>
-                <a:latin typeface="Times New Roman" pitchFamily="18" charset="0"/>
-                <a:ea typeface="宋体" pitchFamily="2" charset="-122"/>
+                <a:latin typeface="Times New Roman" panose="02020603050405020304" pitchFamily="18" charset="0"/>
+                <a:ea typeface="宋体" panose="02010600030101010101" pitchFamily="2" charset="-122"/>
               </a:defRPr>
             </a:lvl6pPr>
             <a:lvl7pPr marL="2971800" indent="-228600" fontAlgn="base">
@@ -2918,8 +2861,8 @@
                 <a:solidFill>
                   <a:schemeClr val="tx1"/>
                 </a:solidFill>
-                <a:latin typeface="Times New Roman" pitchFamily="18" charset="0"/>
-                <a:ea typeface="宋体" pitchFamily="2" charset="-122"/>
+                <a:latin typeface="Times New Roman" panose="02020603050405020304" pitchFamily="18" charset="0"/>
+                <a:ea typeface="宋体" panose="02010600030101010101" pitchFamily="2" charset="-122"/>
               </a:defRPr>
             </a:lvl7pPr>
             <a:lvl8pPr marL="3429000" indent="-228600" fontAlgn="base">
@@ -2933,8 +2876,8 @@
                 <a:solidFill>
                   <a:schemeClr val="tx1"/>
                 </a:solidFill>
-                <a:latin typeface="Times New Roman" pitchFamily="18" charset="0"/>
-                <a:ea typeface="宋体" pitchFamily="2" charset="-122"/>
+                <a:latin typeface="Times New Roman" panose="02020603050405020304" pitchFamily="18" charset="0"/>
+                <a:ea typeface="宋体" panose="02010600030101010101" pitchFamily="2" charset="-122"/>
               </a:defRPr>
             </a:lvl8pPr>
             <a:lvl9pPr marL="3886200" indent="-228600" fontAlgn="base">
@@ -2948,8 +2891,8 @@
                 <a:solidFill>
                   <a:schemeClr val="tx1"/>
                 </a:solidFill>
-                <a:latin typeface="Times New Roman" pitchFamily="18" charset="0"/>
-                <a:ea typeface="宋体" pitchFamily="2" charset="-122"/>
+                <a:latin typeface="Times New Roman" panose="02020603050405020304" pitchFamily="18" charset="0"/>
+                <a:ea typeface="宋体" panose="02010600030101010101" pitchFamily="2" charset="-122"/>
               </a:defRPr>
             </a:lvl9pPr>
           </a:lstStyle>
@@ -2958,8 +2901,8 @@
               <a:defRPr/>
             </a:pPr>
             <a:endParaRPr lang="zh-CN" altLang="en-US" sz="2400" smtClean="0">
-              <a:latin typeface="Arial" pitchFamily="34" charset="0"/>
-              <a:ea typeface="黑体" pitchFamily="49" charset="-122"/>
+              <a:latin typeface="Arial" panose="020B0604020202020204" pitchFamily="34" charset="0"/>
+              <a:ea typeface="黑体" panose="02010609060101010101" pitchFamily="49" charset="-122"/>
             </a:endParaRPr>
           </a:p>
         </p:txBody>
@@ -2996,9 +2939,6 @@
             </a:pPr>
             <a:fld id="{D993C422-5C1A-4741-A841-95E2C597F899}" type="slidenum">
               <a:rPr lang="zh-CN" altLang="zh-CN" smtClean="0"/>
-              <a:pPr>
-                <a:defRPr/>
-              </a:pPr>
               <a:t>‹#›</a:t>
             </a:fld>
             <a:endParaRPr lang="zh-CN" altLang="zh-CN" sz="3200" b="0"/>
@@ -3053,8 +2993,8 @@
                 <a:solidFill>
                   <a:schemeClr val="tx1"/>
                 </a:solidFill>
-                <a:latin typeface="Times New Roman" pitchFamily="18" charset="0"/>
-                <a:ea typeface="宋体" pitchFamily="2" charset="-122"/>
+                <a:latin typeface="Times New Roman" panose="02020603050405020304" pitchFamily="18" charset="0"/>
+                <a:ea typeface="宋体" panose="02010600030101010101" pitchFamily="2" charset="-122"/>
               </a:defRPr>
             </a:lvl1pPr>
             <a:lvl2pPr marL="742950" indent="-285750">
@@ -3062,8 +3002,8 @@
                 <a:solidFill>
                   <a:schemeClr val="tx1"/>
                 </a:solidFill>
-                <a:latin typeface="Times New Roman" pitchFamily="18" charset="0"/>
-                <a:ea typeface="宋体" pitchFamily="2" charset="-122"/>
+                <a:latin typeface="Times New Roman" panose="02020603050405020304" pitchFamily="18" charset="0"/>
+                <a:ea typeface="宋体" panose="02010600030101010101" pitchFamily="2" charset="-122"/>
               </a:defRPr>
             </a:lvl2pPr>
             <a:lvl3pPr marL="1143000" indent="-228600">
@@ -3071,8 +3011,8 @@
                 <a:solidFill>
                   <a:schemeClr val="tx1"/>
                 </a:solidFill>
-                <a:latin typeface="Times New Roman" pitchFamily="18" charset="0"/>
-                <a:ea typeface="宋体" pitchFamily="2" charset="-122"/>
+                <a:latin typeface="Times New Roman" panose="02020603050405020304" pitchFamily="18" charset="0"/>
+                <a:ea typeface="宋体" panose="02010600030101010101" pitchFamily="2" charset="-122"/>
               </a:defRPr>
             </a:lvl3pPr>
             <a:lvl4pPr marL="1600200" indent="-228600">
@@ -3080,8 +3020,8 @@
                 <a:solidFill>
                   <a:schemeClr val="tx1"/>
                 </a:solidFill>
-                <a:latin typeface="Times New Roman" pitchFamily="18" charset="0"/>
-                <a:ea typeface="宋体" pitchFamily="2" charset="-122"/>
+                <a:latin typeface="Times New Roman" panose="02020603050405020304" pitchFamily="18" charset="0"/>
+                <a:ea typeface="宋体" panose="02010600030101010101" pitchFamily="2" charset="-122"/>
               </a:defRPr>
             </a:lvl4pPr>
             <a:lvl5pPr marL="2057400" indent="-228600">
@@ -3089,8 +3029,8 @@
                 <a:solidFill>
                   <a:schemeClr val="tx1"/>
                 </a:solidFill>
-                <a:latin typeface="Times New Roman" pitchFamily="18" charset="0"/>
-                <a:ea typeface="宋体" pitchFamily="2" charset="-122"/>
+                <a:latin typeface="Times New Roman" panose="02020603050405020304" pitchFamily="18" charset="0"/>
+                <a:ea typeface="宋体" panose="02010600030101010101" pitchFamily="2" charset="-122"/>
               </a:defRPr>
             </a:lvl5pPr>
             <a:lvl6pPr marL="2514600" indent="-228600" fontAlgn="base">
@@ -3104,8 +3044,8 @@
                 <a:solidFill>
                   <a:schemeClr val="tx1"/>
                 </a:solidFill>
-                <a:latin typeface="Times New Roman" pitchFamily="18" charset="0"/>
-                <a:ea typeface="宋体" pitchFamily="2" charset="-122"/>
+                <a:latin typeface="Times New Roman" panose="02020603050405020304" pitchFamily="18" charset="0"/>
+                <a:ea typeface="宋体" panose="02010600030101010101" pitchFamily="2" charset="-122"/>
               </a:defRPr>
             </a:lvl6pPr>
             <a:lvl7pPr marL="2971800" indent="-228600" fontAlgn="base">
@@ -3119,8 +3059,8 @@
                 <a:solidFill>
                   <a:schemeClr val="tx1"/>
                 </a:solidFill>
-                <a:latin typeface="Times New Roman" pitchFamily="18" charset="0"/>
-                <a:ea typeface="宋体" pitchFamily="2" charset="-122"/>
+                <a:latin typeface="Times New Roman" panose="02020603050405020304" pitchFamily="18" charset="0"/>
+                <a:ea typeface="宋体" panose="02010600030101010101" pitchFamily="2" charset="-122"/>
               </a:defRPr>
             </a:lvl7pPr>
             <a:lvl8pPr marL="3429000" indent="-228600" fontAlgn="base">
@@ -3134,8 +3074,8 @@
                 <a:solidFill>
                   <a:schemeClr val="tx1"/>
                 </a:solidFill>
-                <a:latin typeface="Times New Roman" pitchFamily="18" charset="0"/>
-                <a:ea typeface="宋体" pitchFamily="2" charset="-122"/>
+                <a:latin typeface="Times New Roman" panose="02020603050405020304" pitchFamily="18" charset="0"/>
+                <a:ea typeface="宋体" panose="02010600030101010101" pitchFamily="2" charset="-122"/>
               </a:defRPr>
             </a:lvl8pPr>
             <a:lvl9pPr marL="3886200" indent="-228600" fontAlgn="base">
@@ -3149,8 +3089,8 @@
                 <a:solidFill>
                   <a:schemeClr val="tx1"/>
                 </a:solidFill>
-                <a:latin typeface="Times New Roman" pitchFamily="18" charset="0"/>
-                <a:ea typeface="宋体" pitchFamily="2" charset="-122"/>
+                <a:latin typeface="Times New Roman" panose="02020603050405020304" pitchFamily="18" charset="0"/>
+                <a:ea typeface="宋体" panose="02010600030101010101" pitchFamily="2" charset="-122"/>
               </a:defRPr>
             </a:lvl9pPr>
           </a:lstStyle>
@@ -3159,8 +3099,8 @@
               <a:defRPr/>
             </a:pPr>
             <a:endParaRPr lang="en-US" altLang="zh-CN" sz="2800" smtClean="0">
-              <a:latin typeface="Arial" pitchFamily="34" charset="0"/>
-              <a:ea typeface="黑体" pitchFamily="49" charset="-122"/>
+              <a:latin typeface="Arial" panose="020B0604020202020204" pitchFamily="34" charset="0"/>
+              <a:ea typeface="黑体" panose="02010609060101010101" pitchFamily="49" charset="-122"/>
             </a:endParaRPr>
           </a:p>
         </p:txBody>
@@ -3168,9 +3108,7 @@
       <p:sp>
         <p:nvSpPr>
           <p:cNvPr id="8" name="标题 1"/>
-          <p:cNvSpPr txBox="1">
-            <a:spLocks/>
-          </p:cNvSpPr>
+          <p:cNvSpPr txBox="1"/>
           <p:nvPr/>
         </p:nvSpPr>
         <p:spPr bwMode="auto">
@@ -3213,8 +3151,8 @@
                 <a:solidFill>
                   <a:schemeClr val="tx1"/>
                 </a:solidFill>
-                <a:latin typeface="Times New Roman" pitchFamily="18" charset="0"/>
-                <a:ea typeface="宋体" pitchFamily="2" charset="-122"/>
+                <a:latin typeface="Times New Roman" panose="02020603050405020304" pitchFamily="18" charset="0"/>
+                <a:ea typeface="宋体" panose="02010600030101010101" pitchFamily="2" charset="-122"/>
               </a:defRPr>
             </a:lvl1pPr>
             <a:lvl2pPr marL="742950" indent="-285750">
@@ -3222,8 +3160,8 @@
                 <a:solidFill>
                   <a:schemeClr val="tx1"/>
                 </a:solidFill>
-                <a:latin typeface="Times New Roman" pitchFamily="18" charset="0"/>
-                <a:ea typeface="宋体" pitchFamily="2" charset="-122"/>
+                <a:latin typeface="Times New Roman" panose="02020603050405020304" pitchFamily="18" charset="0"/>
+                <a:ea typeface="宋体" panose="02010600030101010101" pitchFamily="2" charset="-122"/>
               </a:defRPr>
             </a:lvl2pPr>
             <a:lvl3pPr marL="1143000" indent="-228600">
@@ -3231,8 +3169,8 @@
                 <a:solidFill>
                   <a:schemeClr val="tx1"/>
                 </a:solidFill>
-                <a:latin typeface="Times New Roman" pitchFamily="18" charset="0"/>
-                <a:ea typeface="宋体" pitchFamily="2" charset="-122"/>
+                <a:latin typeface="Times New Roman" panose="02020603050405020304" pitchFamily="18" charset="0"/>
+                <a:ea typeface="宋体" panose="02010600030101010101" pitchFamily="2" charset="-122"/>
               </a:defRPr>
             </a:lvl3pPr>
             <a:lvl4pPr marL="1600200" indent="-228600">
@@ -3240,8 +3178,8 @@
                 <a:solidFill>
                   <a:schemeClr val="tx1"/>
                 </a:solidFill>
-                <a:latin typeface="Times New Roman" pitchFamily="18" charset="0"/>
-                <a:ea typeface="宋体" pitchFamily="2" charset="-122"/>
+                <a:latin typeface="Times New Roman" panose="02020603050405020304" pitchFamily="18" charset="0"/>
+                <a:ea typeface="宋体" panose="02010600030101010101" pitchFamily="2" charset="-122"/>
               </a:defRPr>
             </a:lvl4pPr>
             <a:lvl5pPr marL="2057400" indent="-228600">
@@ -3249,8 +3187,8 @@
                 <a:solidFill>
                   <a:schemeClr val="tx1"/>
                 </a:solidFill>
-                <a:latin typeface="Times New Roman" pitchFamily="18" charset="0"/>
-                <a:ea typeface="宋体" pitchFamily="2" charset="-122"/>
+                <a:latin typeface="Times New Roman" panose="02020603050405020304" pitchFamily="18" charset="0"/>
+                <a:ea typeface="宋体" panose="02010600030101010101" pitchFamily="2" charset="-122"/>
               </a:defRPr>
             </a:lvl5pPr>
             <a:lvl6pPr marL="2514600" indent="-228600" fontAlgn="base">
@@ -3264,8 +3202,8 @@
                 <a:solidFill>
                   <a:schemeClr val="tx1"/>
                 </a:solidFill>
-                <a:latin typeface="Times New Roman" pitchFamily="18" charset="0"/>
-                <a:ea typeface="宋体" pitchFamily="2" charset="-122"/>
+                <a:latin typeface="Times New Roman" panose="02020603050405020304" pitchFamily="18" charset="0"/>
+                <a:ea typeface="宋体" panose="02010600030101010101" pitchFamily="2" charset="-122"/>
               </a:defRPr>
             </a:lvl6pPr>
             <a:lvl7pPr marL="2971800" indent="-228600" fontAlgn="base">
@@ -3279,8 +3217,8 @@
                 <a:solidFill>
                   <a:schemeClr val="tx1"/>
                 </a:solidFill>
-                <a:latin typeface="Times New Roman" pitchFamily="18" charset="0"/>
-                <a:ea typeface="宋体" pitchFamily="2" charset="-122"/>
+                <a:latin typeface="Times New Roman" panose="02020603050405020304" pitchFamily="18" charset="0"/>
+                <a:ea typeface="宋体" panose="02010600030101010101" pitchFamily="2" charset="-122"/>
               </a:defRPr>
             </a:lvl7pPr>
             <a:lvl8pPr marL="3429000" indent="-228600" fontAlgn="base">
@@ -3294,8 +3232,8 @@
                 <a:solidFill>
                   <a:schemeClr val="tx1"/>
                 </a:solidFill>
-                <a:latin typeface="Times New Roman" pitchFamily="18" charset="0"/>
-                <a:ea typeface="宋体" pitchFamily="2" charset="-122"/>
+                <a:latin typeface="Times New Roman" panose="02020603050405020304" pitchFamily="18" charset="0"/>
+                <a:ea typeface="宋体" panose="02010600030101010101" pitchFamily="2" charset="-122"/>
               </a:defRPr>
             </a:lvl8pPr>
             <a:lvl9pPr marL="3886200" indent="-228600" fontAlgn="base">
@@ -3309,8 +3247,8 @@
                 <a:solidFill>
                   <a:schemeClr val="tx1"/>
                 </a:solidFill>
-                <a:latin typeface="Times New Roman" pitchFamily="18" charset="0"/>
-                <a:ea typeface="宋体" pitchFamily="2" charset="-122"/>
+                <a:latin typeface="Times New Roman" panose="02020603050405020304" pitchFamily="18" charset="0"/>
+                <a:ea typeface="宋体" panose="02010600030101010101" pitchFamily="2" charset="-122"/>
               </a:defRPr>
             </a:lvl9pPr>
           </a:lstStyle>
@@ -3319,8 +3257,8 @@
               <a:defRPr/>
             </a:pPr>
             <a:endParaRPr lang="zh-CN" altLang="en-US" sz="2400" smtClean="0">
-              <a:latin typeface="Arial" pitchFamily="34" charset="0"/>
-              <a:ea typeface="黑体" pitchFamily="49" charset="-122"/>
+              <a:latin typeface="Arial" panose="020B0604020202020204" pitchFamily="34" charset="0"/>
+              <a:ea typeface="黑体" panose="02010609060101010101" pitchFamily="49" charset="-122"/>
             </a:endParaRPr>
           </a:p>
         </p:txBody>
@@ -3368,11 +3306,7 @@
           </a:extLst>
         </p:spPr>
         <p:txBody>
-          <a:bodyPr vert="horz" wrap="square" lIns="0" tIns="0" rIns="0" bIns="0" numCol="1" anchor="t" anchorCtr="0" compatLnSpc="1">
-            <a:prstTxWarp prst="textNoShape">
-              <a:avLst/>
-            </a:prstTxWarp>
-          </a:bodyPr>
+          <a:bodyPr vert="horz" wrap="square" lIns="0" tIns="0" rIns="0" bIns="0" numCol="1" anchor="t" anchorCtr="0" compatLnSpc="1"/>
           <a:lstStyle>
             <a:lvl1pPr>
               <a:defRPr baseline="0">
@@ -3468,11 +3402,7 @@
           </a:extLst>
         </p:spPr>
         <p:txBody>
-          <a:bodyPr vert="horz" wrap="square" lIns="0" tIns="0" rIns="0" bIns="0" numCol="1" anchor="t" anchorCtr="0" compatLnSpc="1">
-            <a:prstTxWarp prst="textNoShape">
-              <a:avLst/>
-            </a:prstTxWarp>
-          </a:bodyPr>
+          <a:bodyPr vert="horz" wrap="square" lIns="0" tIns="0" rIns="0" bIns="0" numCol="1" anchor="t" anchorCtr="0" compatLnSpc="1"/>
           <a:lstStyle/>
           <a:p>
             <a:pPr lvl="0"/>
@@ -3485,15 +3415,13 @@
         </p:txBody>
       </p:sp>
     </p:spTree>
-    <p:extLst>
-      <p:ext uri="{BB962C8B-B14F-4D97-AF65-F5344CB8AC3E}">
-        <p14:creationId xmlns:p14="http://schemas.microsoft.com/office/powerpoint/2010/main" val="3151704248"/>
-      </p:ext>
-    </p:extLst>
   </p:cSld>
   <p:clrMapOvr>
     <a:masterClrMapping/>
   </p:clrMapOvr>
+  <p:transition>
+    <p:blinds dir="vert"/>
+  </p:transition>
   <p:timing>
     <p:tnLst>
       <p:par>
@@ -3572,11 +3500,7 @@
           </a:extLst>
         </p:spPr>
         <p:txBody>
-          <a:bodyPr vert="horz" wrap="square" lIns="91440" tIns="45720" rIns="91440" bIns="45720" numCol="1" anchor="b" anchorCtr="0" compatLnSpc="1">
-            <a:prstTxWarp prst="textNoShape">
-              <a:avLst/>
-            </a:prstTxWarp>
-          </a:bodyPr>
+          <a:bodyPr vert="horz" wrap="square" lIns="91440" tIns="45720" rIns="91440" bIns="45720" numCol="1" anchor="b" anchorCtr="0" compatLnSpc="1"/>
           <a:lstStyle/>
           <a:p>
             <a:pPr lvl="0"/>
@@ -3630,11 +3554,7 @@
           </a:extLst>
         </p:spPr>
         <p:txBody>
-          <a:bodyPr vert="horz" wrap="square" lIns="91440" tIns="45720" rIns="91440" bIns="45720" numCol="1" anchor="t" anchorCtr="0" compatLnSpc="1">
-            <a:prstTxWarp prst="textNoShape">
-              <a:avLst/>
-            </a:prstTxWarp>
-          </a:bodyPr>
+          <a:bodyPr vert="horz" wrap="square" lIns="91440" tIns="45720" rIns="91440" bIns="45720" numCol="1" anchor="t" anchorCtr="0" compatLnSpc="1"/>
           <a:lstStyle/>
           <a:p>
             <a:pPr lvl="0"/>
@@ -3651,7 +3571,7 @@
             </a:r>
           </a:p>
           <a:p>
-            <a:pPr marL="1304925" lvl="2" indent="-395288" algn="l" rtl="0" eaLnBrk="0" fontAlgn="base" hangingPunct="0">
+            <a:pPr marL="1304925" lvl="2" indent="-395605" algn="l" rtl="0" eaLnBrk="0" fontAlgn="base" hangingPunct="0">
               <a:lnSpc>
                 <a:spcPct val="150000"/>
               </a:lnSpc>
@@ -3775,8 +3695,6 @@
               <a:schemeClr val="accent2"/>
             </a:solidFill>
             <a:round/>
-            <a:headEnd/>
-            <a:tailEnd/>
           </a:ln>
         </p:spPr>
         <p:txBody>
@@ -3809,8 +3727,6 @@
               <a:schemeClr val="accent2"/>
             </a:solidFill>
             <a:round/>
-            <a:headEnd/>
-            <a:tailEnd/>
           </a:ln>
           <a:extLst>
             <a:ext uri="{909E8E84-426E-40DD-AFC4-6F175D3DCCD1}">
@@ -3832,14 +3748,14 @@
   </p:cSld>
   <p:clrMap bg1="lt1" tx1="dk1" bg2="lt2" tx2="dk2" accent1="accent1" accent2="accent2" accent3="accent3" accent4="accent4" accent5="accent5" accent6="accent6" hlink="hlink" folHlink="folHlink"/>
   <p:sldLayoutIdLst>
-    <p:sldLayoutId id="2147483892" r:id="rId1"/>
-    <p:sldLayoutId id="2147483881" r:id="rId2"/>
-    <p:sldLayoutId id="2147483922" r:id="rId3"/>
-    <p:sldLayoutId id="2147483882" r:id="rId4"/>
-    <p:sldLayoutId id="2147483883" r:id="rId5"/>
-    <p:sldLayoutId id="2147483885" r:id="rId6"/>
-    <p:sldLayoutId id="2147483923" r:id="rId7"/>
-    <p:sldLayoutId id="2147483924" r:id="rId8"/>
+    <p:sldLayoutId id="2147483649" r:id="rId1"/>
+    <p:sldLayoutId id="2147483650" r:id="rId2"/>
+    <p:sldLayoutId id="2147483651" r:id="rId3"/>
+    <p:sldLayoutId id="2147483652" r:id="rId4"/>
+    <p:sldLayoutId id="2147483653" r:id="rId5"/>
+    <p:sldLayoutId id="2147483654" r:id="rId6"/>
+    <p:sldLayoutId id="2147483655" r:id="rId7"/>
+    <p:sldLayoutId id="2147483656" r:id="rId8"/>
   </p:sldLayoutIdLst>
   <p:transition>
     <p:blinds dir="vert"/>
@@ -3881,8 +3797,8 @@
           <a:solidFill>
             <a:schemeClr val="tx2"/>
           </a:solidFill>
-          <a:latin typeface="Verdana" pitchFamily="34" charset="0"/>
-          <a:ea typeface="宋体" pitchFamily="2" charset="-122"/>
+          <a:latin typeface="Verdana" panose="020B0604030504040204" pitchFamily="34" charset="0"/>
+          <a:ea typeface="宋体" panose="02010600030101010101" pitchFamily="2" charset="-122"/>
         </a:defRPr>
       </a:lvl2pPr>
       <a:lvl3pPr algn="l" rtl="0" eaLnBrk="0" fontAlgn="base" hangingPunct="0">
@@ -3896,8 +3812,8 @@
           <a:solidFill>
             <a:schemeClr val="tx2"/>
           </a:solidFill>
-          <a:latin typeface="Verdana" pitchFamily="34" charset="0"/>
-          <a:ea typeface="宋体" pitchFamily="2" charset="-122"/>
+          <a:latin typeface="Verdana" panose="020B0604030504040204" pitchFamily="34" charset="0"/>
+          <a:ea typeface="宋体" panose="02010600030101010101" pitchFamily="2" charset="-122"/>
         </a:defRPr>
       </a:lvl3pPr>
       <a:lvl4pPr algn="l" rtl="0" eaLnBrk="0" fontAlgn="base" hangingPunct="0">
@@ -3911,8 +3827,8 @@
           <a:solidFill>
             <a:schemeClr val="tx2"/>
           </a:solidFill>
-          <a:latin typeface="Verdana" pitchFamily="34" charset="0"/>
-          <a:ea typeface="宋体" pitchFamily="2" charset="-122"/>
+          <a:latin typeface="Verdana" panose="020B0604030504040204" pitchFamily="34" charset="0"/>
+          <a:ea typeface="宋体" panose="02010600030101010101" pitchFamily="2" charset="-122"/>
         </a:defRPr>
       </a:lvl4pPr>
       <a:lvl5pPr algn="l" rtl="0" eaLnBrk="0" fontAlgn="base" hangingPunct="0">
@@ -3926,8 +3842,8 @@
           <a:solidFill>
             <a:schemeClr val="tx2"/>
           </a:solidFill>
-          <a:latin typeface="Verdana" pitchFamily="34" charset="0"/>
-          <a:ea typeface="宋体" pitchFamily="2" charset="-122"/>
+          <a:latin typeface="Verdana" panose="020B0604030504040204" pitchFamily="34" charset="0"/>
+          <a:ea typeface="宋体" panose="02010600030101010101" pitchFamily="2" charset="-122"/>
         </a:defRPr>
       </a:lvl5pPr>
       <a:lvl6pPr marL="457200" algn="l" rtl="0" fontAlgn="base">
@@ -3941,8 +3857,8 @@
           <a:solidFill>
             <a:schemeClr val="tx2"/>
           </a:solidFill>
-          <a:latin typeface="Verdana" pitchFamily="34" charset="0"/>
-          <a:ea typeface="宋体" pitchFamily="2" charset="-122"/>
+          <a:latin typeface="Verdana" panose="020B0604030504040204" pitchFamily="34" charset="0"/>
+          <a:ea typeface="宋体" panose="02010600030101010101" pitchFamily="2" charset="-122"/>
         </a:defRPr>
       </a:lvl6pPr>
       <a:lvl7pPr marL="914400" algn="l" rtl="0" fontAlgn="base">
@@ -3956,8 +3872,8 @@
           <a:solidFill>
             <a:schemeClr val="tx2"/>
           </a:solidFill>
-          <a:latin typeface="Verdana" pitchFamily="34" charset="0"/>
-          <a:ea typeface="宋体" pitchFamily="2" charset="-122"/>
+          <a:latin typeface="Verdana" panose="020B0604030504040204" pitchFamily="34" charset="0"/>
+          <a:ea typeface="宋体" panose="02010600030101010101" pitchFamily="2" charset="-122"/>
         </a:defRPr>
       </a:lvl7pPr>
       <a:lvl8pPr marL="1371600" algn="l" rtl="0" fontAlgn="base">
@@ -3971,8 +3887,8 @@
           <a:solidFill>
             <a:schemeClr val="tx2"/>
           </a:solidFill>
-          <a:latin typeface="Verdana" pitchFamily="34" charset="0"/>
-          <a:ea typeface="宋体" pitchFamily="2" charset="-122"/>
+          <a:latin typeface="Verdana" panose="020B0604030504040204" pitchFamily="34" charset="0"/>
+          <a:ea typeface="宋体" panose="02010600030101010101" pitchFamily="2" charset="-122"/>
         </a:defRPr>
       </a:lvl8pPr>
       <a:lvl9pPr marL="1828800" algn="l" rtl="0" fontAlgn="base">
@@ -3986,8 +3902,8 @@
           <a:solidFill>
             <a:schemeClr val="tx2"/>
           </a:solidFill>
-          <a:latin typeface="Verdana" pitchFamily="34" charset="0"/>
-          <a:ea typeface="宋体" pitchFamily="2" charset="-122"/>
+          <a:latin typeface="Verdana" panose="020B0604030504040204" pitchFamily="34" charset="0"/>
+          <a:ea typeface="宋体" panose="02010600030101010101" pitchFamily="2" charset="-122"/>
         </a:defRPr>
       </a:lvl9pPr>
     </p:titleStyle>
@@ -4005,7 +3921,7 @@
         <a:buClr>
           <a:schemeClr val="accent2"/>
         </a:buClr>
-        <a:buFont typeface="Wingdings" pitchFamily="2" charset="2"/>
+        <a:buFont typeface="Wingdings" panose="05000000000000000000" pitchFamily="2" charset="2"/>
         <a:buChar char="Ø"/>
         <a:defRPr sz="2800" b="1" baseline="0">
           <a:solidFill>
@@ -4016,7 +3932,7 @@
           <a:cs typeface="+mn-cs"/>
         </a:defRPr>
       </a:lvl1pPr>
-      <a:lvl2pPr marL="908050" indent="-436563" algn="l" rtl="0" eaLnBrk="0" fontAlgn="base" hangingPunct="0">
+      <a:lvl2pPr marL="908050" indent="-436880" algn="l" rtl="0" eaLnBrk="0" fontAlgn="base" hangingPunct="0">
         <a:lnSpc>
           <a:spcPct val="150000"/>
         </a:lnSpc>
@@ -4029,7 +3945,7 @@
         <a:buClr>
           <a:schemeClr val="accent2"/>
         </a:buClr>
-        <a:buFont typeface="Wingdings" pitchFamily="2" charset="2"/>
+        <a:buFont typeface="Wingdings" panose="05000000000000000000" pitchFamily="2" charset="2"/>
         <a:buChar char="l"/>
         <a:defRPr sz="2600" b="1" baseline="0">
           <a:solidFill>
@@ -4039,7 +3955,7 @@
           <a:ea typeface="华文楷体" panose="02010600040101010101" pitchFamily="2" charset="-122"/>
         </a:defRPr>
       </a:lvl2pPr>
-      <a:lvl3pPr marL="1304925" indent="-395288" algn="l" rtl="0" eaLnBrk="0" fontAlgn="base" hangingPunct="0">
+      <a:lvl3pPr marL="1304925" indent="-395605" algn="l" rtl="0" eaLnBrk="0" fontAlgn="base" hangingPunct="0">
         <a:lnSpc>
           <a:spcPct val="150000"/>
         </a:lnSpc>
@@ -4052,7 +3968,7 @@
         <a:buClr>
           <a:schemeClr val="accent2"/>
         </a:buClr>
-        <a:buFont typeface="Wingdings" pitchFamily="2" charset="2"/>
+        <a:buFont typeface="Wingdings" panose="05000000000000000000" pitchFamily="2" charset="2"/>
         <a:buChar char="o"/>
         <a:defRPr lang="zh-CN" altLang="en-US" sz="2400" b="1" baseline="0" dirty="0" smtClean="0">
           <a:solidFill>
@@ -4062,7 +3978,7 @@
           <a:ea typeface="楷体" panose="02010609060101010101" pitchFamily="49" charset="-122"/>
         </a:defRPr>
       </a:lvl3pPr>
-      <a:lvl4pPr marL="1693863" indent="-387350" algn="l" rtl="0" eaLnBrk="0" fontAlgn="base" hangingPunct="0">
+      <a:lvl4pPr marL="1694180" indent="-387350" algn="l" rtl="0" eaLnBrk="0" fontAlgn="base" hangingPunct="0">
         <a:lnSpc>
           <a:spcPct val="150000"/>
         </a:lnSpc>
@@ -4085,7 +4001,7 @@
           <a:ea typeface="华文楷体" panose="02010600040101010101" pitchFamily="2" charset="-122"/>
         </a:defRPr>
       </a:lvl4pPr>
-      <a:lvl5pPr marL="2093913" indent="-398463" algn="l" rtl="0" eaLnBrk="0" fontAlgn="base" hangingPunct="0">
+      <a:lvl5pPr marL="2094230" indent="-398780" algn="l" rtl="0" eaLnBrk="0" fontAlgn="base" hangingPunct="0">
         <a:lnSpc>
           <a:spcPct val="150000"/>
         </a:lnSpc>
@@ -4098,7 +4014,7 @@
         <a:buClr>
           <a:schemeClr val="accent2"/>
         </a:buClr>
-        <a:buFont typeface="Wingdings" pitchFamily="2" charset="2"/>
+        <a:buFont typeface="Wingdings" panose="05000000000000000000" pitchFamily="2" charset="2"/>
         <a:buChar char="§"/>
         <a:defRPr sz="2000" b="1" baseline="0">
           <a:solidFill>
@@ -4108,7 +4024,7 @@
           <a:ea typeface="华文楷体" panose="02010600040101010101" pitchFamily="2" charset="-122"/>
         </a:defRPr>
       </a:lvl5pPr>
-      <a:lvl6pPr marL="2551113" indent="-398463" algn="l" rtl="0" fontAlgn="base">
+      <a:lvl6pPr marL="2551430" indent="-398780" algn="l" rtl="0" fontAlgn="base">
         <a:spcBef>
           <a:spcPct val="25000"/>
         </a:spcBef>
@@ -4118,7 +4034,7 @@
         <a:buClr>
           <a:schemeClr val="accent2"/>
         </a:buClr>
-        <a:buFont typeface="Wingdings" pitchFamily="2" charset="2"/>
+        <a:buFont typeface="Wingdings" panose="05000000000000000000" pitchFamily="2" charset="2"/>
         <a:buChar char="§"/>
         <a:defRPr sz="2000">
           <a:solidFill>
@@ -4128,7 +4044,7 @@
           <a:ea typeface="+mn-ea"/>
         </a:defRPr>
       </a:lvl6pPr>
-      <a:lvl7pPr marL="3008313" indent="-398463" algn="l" rtl="0" fontAlgn="base">
+      <a:lvl7pPr marL="3008630" indent="-398780" algn="l" rtl="0" fontAlgn="base">
         <a:spcBef>
           <a:spcPct val="25000"/>
         </a:spcBef>
@@ -4138,7 +4054,7 @@
         <a:buClr>
           <a:schemeClr val="accent2"/>
         </a:buClr>
-        <a:buFont typeface="Wingdings" pitchFamily="2" charset="2"/>
+        <a:buFont typeface="Wingdings" panose="05000000000000000000" pitchFamily="2" charset="2"/>
         <a:buChar char="§"/>
         <a:defRPr sz="2000">
           <a:solidFill>
@@ -4148,7 +4064,7 @@
           <a:ea typeface="+mn-ea"/>
         </a:defRPr>
       </a:lvl7pPr>
-      <a:lvl8pPr marL="3465513" indent="-398463" algn="l" rtl="0" fontAlgn="base">
+      <a:lvl8pPr marL="3465830" indent="-398780" algn="l" rtl="0" fontAlgn="base">
         <a:spcBef>
           <a:spcPct val="25000"/>
         </a:spcBef>
@@ -4158,7 +4074,7 @@
         <a:buClr>
           <a:schemeClr val="accent2"/>
         </a:buClr>
-        <a:buFont typeface="Wingdings" pitchFamily="2" charset="2"/>
+        <a:buFont typeface="Wingdings" panose="05000000000000000000" pitchFamily="2" charset="2"/>
         <a:buChar char="§"/>
         <a:defRPr sz="2000">
           <a:solidFill>
@@ -4168,7 +4084,7 @@
           <a:ea typeface="+mn-ea"/>
         </a:defRPr>
       </a:lvl8pPr>
-      <a:lvl9pPr marL="3922713" indent="-398463" algn="l" rtl="0" fontAlgn="base">
+      <a:lvl9pPr marL="3923030" indent="-398780" algn="l" rtl="0" fontAlgn="base">
         <a:spcBef>
           <a:spcPct val="25000"/>
         </a:spcBef>
@@ -4178,7 +4094,7 @@
         <a:buClr>
           <a:schemeClr val="accent2"/>
         </a:buClr>
-        <a:buFont typeface="Wingdings" pitchFamily="2" charset="2"/>
+        <a:buFont typeface="Wingdings" panose="05000000000000000000" pitchFamily="2" charset="2"/>
         <a:buChar char="§"/>
         <a:defRPr sz="2000">
           <a:solidFill>
@@ -4315,38 +4231,43 @@
             <p:ph type="ctrTitle"/>
           </p:nvPr>
         </p:nvSpPr>
-        <p:spPr/>
+        <p:spPr>
+          <a:xfrm>
+            <a:off x="983432" y="1988840"/>
+            <a:ext cx="10363200" cy="1128192"/>
+          </a:xfrm>
+        </p:spPr>
         <p:txBody>
           <a:bodyPr/>
           <a:lstStyle/>
           <a:p>
             <a:pPr algn="ctr" eaLnBrk="1" hangingPunct="1"/>
             <a:r>
-              <a:rPr lang="zh-CN" altLang="en-US" sz="6000" b="1">
-                <a:ea typeface="华文隶书" pitchFamily="2" charset="-122"/>
+              <a:rPr lang="zh-CN" altLang="en-US" sz="6000" b="1" dirty="0">
+                <a:ea typeface="华文隶书" panose="02010800040101010101" pitchFamily="2" charset="-122"/>
               </a:rPr>
               <a:t>软件测试实用教程</a:t>
             </a:r>
             <a:r>
-              <a:rPr lang="en-US" altLang="zh-CN" sz="6000" b="1">
-                <a:ea typeface="华文隶书" pitchFamily="2" charset="-122"/>
+              <a:rPr lang="en-US" altLang="zh-CN" sz="6000" b="1" dirty="0">
+                <a:ea typeface="华文隶书" panose="02010800040101010101" pitchFamily="2" charset="-122"/>
               </a:rPr>
               <a:t/>
             </a:r>
             <a:br>
-              <a:rPr lang="en-US" altLang="zh-CN" sz="6000" b="1">
-                <a:ea typeface="华文隶书" pitchFamily="2" charset="-122"/>
+              <a:rPr lang="en-US" altLang="zh-CN" sz="6000" b="1" dirty="0">
+                <a:ea typeface="华文隶书" panose="02010800040101010101" pitchFamily="2" charset="-122"/>
               </a:rPr>
             </a:br>
             <a:r>
-              <a:rPr lang="en-US" altLang="zh-CN" sz="6000" b="1">
-                <a:ea typeface="华文隶书" pitchFamily="2" charset="-122"/>
+              <a:rPr lang="en-US" altLang="zh-CN" sz="6000" b="1" dirty="0">
+                <a:ea typeface="华文隶书" panose="02010800040101010101" pitchFamily="2" charset="-122"/>
               </a:rPr>
               <a:t>——</a:t>
             </a:r>
             <a:r>
-              <a:rPr lang="zh-CN" altLang="en-US" sz="6000" b="1">
-                <a:ea typeface="华文隶书" pitchFamily="2" charset="-122"/>
+              <a:rPr lang="zh-CN" altLang="en-US" sz="6000" b="1" dirty="0">
+                <a:ea typeface="华文隶书" panose="02010800040101010101" pitchFamily="2" charset="-122"/>
               </a:rPr>
               <a:t>方法与实践</a:t>
             </a:r>
@@ -4370,46 +4291,48 @@
           <a:p>
             <a:pPr algn="ctr" eaLnBrk="1" hangingPunct="1"/>
             <a:r>
-              <a:rPr lang="en-US" altLang="zh-CN" sz="4400" b="1" smtClean="0">
-                <a:latin typeface="华文隶书" pitchFamily="2" charset="-122"/>
-                <a:ea typeface="华文隶书" pitchFamily="2" charset="-122"/>
+              <a:rPr lang="en-US" altLang="zh-CN" sz="4400" b="1" dirty="0" err="1" smtClean="0">
+                <a:latin typeface="华文隶书" panose="02010800040101010101" pitchFamily="2" charset="-122"/>
+                <a:ea typeface="华文隶书" panose="02010800040101010101" pitchFamily="2" charset="-122"/>
               </a:rPr>
-              <a:t>PartIII  </a:t>
-            </a:r>
-            <a:r>
-              <a:rPr lang="zh-CN" altLang="en-US" sz="4400" b="1" smtClean="0">
-                <a:latin typeface="华文隶书" pitchFamily="2" charset="-122"/>
-                <a:ea typeface="华文隶书" pitchFamily="2" charset="-122"/>
+              <a:t>PartIII</a:t>
+            </a:r>
+            <a:r>
+              <a:rPr lang="en-US" altLang="zh-CN" sz="4400" b="1" dirty="0" smtClean="0">
+                <a:latin typeface="华文隶书" panose="02010800040101010101" pitchFamily="2" charset="-122"/>
+                <a:ea typeface="华文隶书" panose="02010800040101010101" pitchFamily="2" charset="-122"/>
+              </a:rPr>
+              <a:t>  </a:t>
+            </a:r>
+            <a:r>
+              <a:rPr lang="zh-CN" altLang="en-US" sz="4400" b="1" dirty="0" smtClean="0">
+                <a:latin typeface="华文隶书" panose="02010800040101010101" pitchFamily="2" charset="-122"/>
+                <a:ea typeface="华文隶书" panose="02010800040101010101" pitchFamily="2" charset="-122"/>
               </a:rPr>
               <a:t>软件测试应用</a:t>
             </a:r>
             <a:r>
-              <a:rPr lang="en-US" altLang="zh-CN" sz="4400" b="1" smtClean="0">
-                <a:latin typeface="华文隶书" pitchFamily="2" charset="-122"/>
-                <a:ea typeface="华文隶书" pitchFamily="2" charset="-122"/>
+              <a:rPr lang="en-US" altLang="zh-CN" sz="4400" b="1" dirty="0" smtClean="0">
+                <a:latin typeface="华文隶书" panose="02010800040101010101" pitchFamily="2" charset="-122"/>
+                <a:ea typeface="华文隶书" panose="02010800040101010101" pitchFamily="2" charset="-122"/>
               </a:rPr>
               <a:t>---</a:t>
             </a:r>
             <a:r>
-              <a:rPr lang="zh-CN" altLang="en-US" sz="4400" b="1" smtClean="0">
-                <a:latin typeface="华文隶书" pitchFamily="2" charset="-122"/>
-                <a:ea typeface="华文隶书" pitchFamily="2" charset="-122"/>
+              <a:rPr lang="zh-CN" altLang="en-US" sz="4400" b="1" dirty="0" smtClean="0">
+                <a:latin typeface="华文隶书" panose="02010800040101010101" pitchFamily="2" charset="-122"/>
+                <a:ea typeface="华文隶书" panose="02010800040101010101" pitchFamily="2" charset="-122"/>
               </a:rPr>
               <a:t>单元测试</a:t>
             </a:r>
             <a:endParaRPr lang="zh-CN" altLang="en-US" sz="4400" b="1" dirty="0">
-              <a:latin typeface="华文隶书" pitchFamily="2" charset="-122"/>
-              <a:ea typeface="华文隶书" pitchFamily="2" charset="-122"/>
+              <a:latin typeface="华文隶书" panose="02010800040101010101" pitchFamily="2" charset="-122"/>
+              <a:ea typeface="华文隶书" panose="02010800040101010101" pitchFamily="2" charset="-122"/>
             </a:endParaRPr>
           </a:p>
         </p:txBody>
       </p:sp>
     </p:spTree>
-    <p:extLst>
-      <p:ext uri="{BB962C8B-B14F-4D97-AF65-F5344CB8AC3E}">
-        <p14:creationId xmlns:p14="http://schemas.microsoft.com/office/powerpoint/2010/main" val="970506953"/>
-      </p:ext>
-    </p:extLst>
   </p:cSld>
   <p:clrMapOvr>
     <a:masterClrMapping/>
@@ -4527,31 +4450,9 @@
             <a:endParaRPr lang="en-US" altLang="zh-CN" dirty="0" smtClean="0"/>
           </a:p>
           <a:p>
-            <a:pPr lvl="1"/>
-            <a:r>
-              <a:rPr lang="zh-CN" altLang="en-US" dirty="0"/>
-              <a:t>模块</a:t>
-            </a:r>
-            <a:r>
-              <a:rPr lang="zh-CN" altLang="en-US" dirty="0">
-                <a:solidFill>
-                  <a:srgbClr val="FF0000"/>
-                </a:solidFill>
-              </a:rPr>
-              <a:t>边界条件</a:t>
-            </a:r>
-            <a:r>
-              <a:rPr lang="zh-CN" altLang="en-US" dirty="0"/>
-              <a:t>测试：在被测模块的输入</a:t>
-            </a:r>
-            <a:r>
-              <a:rPr lang="en-US" altLang="zh-CN" dirty="0"/>
-              <a:t>/</a:t>
-            </a:r>
-            <a:r>
-              <a:rPr lang="zh-CN" altLang="en-US" dirty="0"/>
-              <a:t>输出域边界或其附近设计测试用例</a:t>
-            </a:r>
+            <a:pPr marL="471170" lvl="1" indent="0">
+              <a:buNone/>
+            </a:pPr>
             <a:endParaRPr lang="en-US" altLang="zh-CN" dirty="0"/>
           </a:p>
           <a:p>
@@ -4561,11 +4462,6 @@
         </p:txBody>
       </p:sp>
     </p:spTree>
-    <p:extLst>
-      <p:ext uri="{BB962C8B-B14F-4D97-AF65-F5344CB8AC3E}">
-        <p14:creationId xmlns:p14="http://schemas.microsoft.com/office/powerpoint/2010/main" val="894255859"/>
-      </p:ext>
-    </p:extLst>
   </p:cSld>
   <p:clrMapOvr>
     <a:masterClrMapping/>
@@ -4890,6 +4786,458 @@
                       </p:childTnLst>
                     </p:cTn>
                   </p:par>
+                </p:childTnLst>
+              </p:cTn>
+              <p:prevCondLst>
+                <p:cond evt="onPrev" delay="0">
+                  <p:tgtEl>
+                    <p:sldTgt/>
+                  </p:tgtEl>
+                </p:cond>
+              </p:prevCondLst>
+              <p:nextCondLst>
+                <p:cond evt="onNext" delay="0">
+                  <p:tgtEl>
+                    <p:sldTgt/>
+                  </p:tgtEl>
+                </p:cond>
+              </p:nextCondLst>
+            </p:seq>
+          </p:childTnLst>
+        </p:cTn>
+      </p:par>
+    </p:tnLst>
+  </p:timing>
+</p:sld>
+</file>
+
+<file path=ppt/slides/slide11.xml><?xml version="1.0" encoding="utf-8"?>
+<p:sld xmlns:a="http://schemas.openxmlformats.org/drawingml/2006/main" xmlns:r="http://schemas.openxmlformats.org/officeDocument/2006/relationships" xmlns:p="http://schemas.openxmlformats.org/presentationml/2006/main">
+  <p:cSld>
+    <p:spTree>
+      <p:nvGrpSpPr>
+        <p:cNvPr id="1" name=""/>
+        <p:cNvGrpSpPr/>
+        <p:nvPr/>
+      </p:nvGrpSpPr>
+      <p:grpSpPr>
+        <a:xfrm>
+          <a:off x="0" y="0"/>
+          <a:ext cx="0" cy="0"/>
+          <a:chOff x="0" y="0"/>
+          <a:chExt cx="0" cy="0"/>
+        </a:xfrm>
+      </p:grpSpPr>
+      <p:sp>
+        <p:nvSpPr>
+          <p:cNvPr id="3" name="标题 2"/>
+          <p:cNvSpPr>
+            <a:spLocks noGrp="1"/>
+          </p:cNvSpPr>
+          <p:nvPr>
+            <p:ph type="title"/>
+          </p:nvPr>
+        </p:nvSpPr>
+        <p:spPr/>
+        <p:txBody>
+          <a:bodyPr/>
+          <a:lstStyle/>
+          <a:p>
+            <a:r>
+              <a:rPr lang="zh-CN" altLang="en-US" smtClean="0"/>
+              <a:t>单元测试的内容</a:t>
+            </a:r>
+            <a:endParaRPr lang="zh-CN" altLang="en-US" dirty="0"/>
+          </a:p>
+        </p:txBody>
+      </p:sp>
+      <p:sp>
+        <p:nvSpPr>
+          <p:cNvPr id="2" name="内容占位符 1"/>
+          <p:cNvSpPr>
+            <a:spLocks noGrp="1"/>
+          </p:cNvSpPr>
+          <p:nvPr>
+            <p:ph idx="1"/>
+          </p:nvPr>
+        </p:nvSpPr>
+        <p:spPr/>
+        <p:txBody>
+          <a:bodyPr/>
+          <a:lstStyle/>
+          <a:p>
+            <a:r>
+              <a:rPr lang="zh-CN" altLang="en-US" dirty="0" smtClean="0"/>
+              <a:t>模块的所有错误处理路径测试</a:t>
+            </a:r>
+            <a:endParaRPr lang="en-US" altLang="zh-CN" dirty="0" smtClean="0"/>
+          </a:p>
+          <a:p>
+            <a:pPr lvl="1"/>
+            <a:r>
+              <a:rPr lang="zh-CN" altLang="zh-CN" dirty="0" smtClean="0"/>
+              <a:t>输出的错误提示是否难以理解</a:t>
+            </a:r>
+          </a:p>
+          <a:p>
+            <a:pPr lvl="1"/>
+            <a:r>
+              <a:rPr lang="zh-CN" altLang="zh-CN" dirty="0" smtClean="0"/>
+              <a:t>错误提示是否信息不足，导致无法定位发现的缺陷</a:t>
+            </a:r>
+          </a:p>
+          <a:p>
+            <a:pPr lvl="1"/>
+            <a:r>
+              <a:rPr lang="zh-CN" altLang="zh-CN" dirty="0" smtClean="0"/>
+              <a:t>显示的错误是否与实际遇到的缺陷不符合</a:t>
+            </a:r>
+          </a:p>
+          <a:p>
+            <a:pPr lvl="1"/>
+            <a:r>
+              <a:rPr lang="zh-CN" altLang="zh-CN" dirty="0" smtClean="0"/>
+              <a:t>是否存在不当的异常处理</a:t>
+            </a:r>
+          </a:p>
+          <a:p>
+            <a:pPr lvl="1"/>
+            <a:r>
+              <a:rPr lang="zh-CN" altLang="zh-CN" dirty="0" smtClean="0"/>
+              <a:t>是否存在无法按预先自定义的出错处理方式来处理的情况</a:t>
+            </a:r>
+            <a:endParaRPr lang="en-US" altLang="zh-CN" dirty="0" smtClean="0"/>
+          </a:p>
+          <a:p>
+            <a:endParaRPr lang="zh-CN" altLang="en-US" dirty="0"/>
+          </a:p>
+        </p:txBody>
+      </p:sp>
+    </p:spTree>
+  </p:cSld>
+  <p:clrMapOvr>
+    <a:masterClrMapping/>
+  </p:clrMapOvr>
+  <p:transition>
+    <p:blinds dir="vert"/>
+  </p:transition>
+  <p:timing>
+    <p:tnLst>
+      <p:par>
+        <p:cTn id="1" dur="indefinite" restart="never" nodeType="tmRoot">
+          <p:childTnLst>
+            <p:seq concurrent="1" nextAc="seek">
+              <p:cTn id="2" dur="indefinite" nodeType="mainSeq">
+                <p:childTnLst>
+                  <p:par>
+                    <p:cTn id="3" fill="hold">
+                      <p:stCondLst>
+                        <p:cond delay="indefinite"/>
+                      </p:stCondLst>
+                      <p:childTnLst>
+                        <p:par>
+                          <p:cTn id="4" fill="hold">
+                            <p:stCondLst>
+                              <p:cond delay="0"/>
+                            </p:stCondLst>
+                            <p:childTnLst>
+                              <p:par>
+                                <p:cTn id="5" presetID="2" presetClass="entr" presetSubtype="4" fill="hold" nodeType="clickEffect">
+                                  <p:stCondLst>
+                                    <p:cond delay="0"/>
+                                  </p:stCondLst>
+                                  <p:childTnLst>
+                                    <p:set>
+                                      <p:cBhvr>
+                                        <p:cTn id="6" dur="1" fill="hold">
+                                          <p:stCondLst>
+                                            <p:cond delay="0"/>
+                                          </p:stCondLst>
+                                        </p:cTn>
+                                        <p:tgtEl>
+                                          <p:spTgt spid="2">
+                                            <p:txEl>
+                                              <p:pRg st="0" end="0"/>
+                                            </p:txEl>
+                                          </p:spTgt>
+                                        </p:tgtEl>
+                                        <p:attrNameLst>
+                                          <p:attrName>style.visibility</p:attrName>
+                                        </p:attrNameLst>
+                                      </p:cBhvr>
+                                      <p:to>
+                                        <p:strVal val="visible"/>
+                                      </p:to>
+                                    </p:set>
+                                    <p:anim calcmode="lin" valueType="num">
+                                      <p:cBhvr additive="base">
+                                        <p:cTn id="7" dur="500" fill="hold"/>
+                                        <p:tgtEl>
+                                          <p:spTgt spid="2">
+                                            <p:txEl>
+                                              <p:pRg st="0" end="0"/>
+                                            </p:txEl>
+                                          </p:spTgt>
+                                        </p:tgtEl>
+                                        <p:attrNameLst>
+                                          <p:attrName>ppt_x</p:attrName>
+                                        </p:attrNameLst>
+                                      </p:cBhvr>
+                                      <p:tavLst>
+                                        <p:tav tm="0">
+                                          <p:val>
+                                            <p:strVal val="#ppt_x"/>
+                                          </p:val>
+                                        </p:tav>
+                                        <p:tav tm="100000">
+                                          <p:val>
+                                            <p:strVal val="#ppt_x"/>
+                                          </p:val>
+                                        </p:tav>
+                                      </p:tavLst>
+                                    </p:anim>
+                                    <p:anim calcmode="lin" valueType="num">
+                                      <p:cBhvr additive="base">
+                                        <p:cTn id="8" dur="500" fill="hold"/>
+                                        <p:tgtEl>
+                                          <p:spTgt spid="2">
+                                            <p:txEl>
+                                              <p:pRg st="0" end="0"/>
+                                            </p:txEl>
+                                          </p:spTgt>
+                                        </p:tgtEl>
+                                        <p:attrNameLst>
+                                          <p:attrName>ppt_y</p:attrName>
+                                        </p:attrNameLst>
+                                      </p:cBhvr>
+                                      <p:tavLst>
+                                        <p:tav tm="0">
+                                          <p:val>
+                                            <p:strVal val="1+#ppt_h/2"/>
+                                          </p:val>
+                                        </p:tav>
+                                        <p:tav tm="100000">
+                                          <p:val>
+                                            <p:strVal val="#ppt_y"/>
+                                          </p:val>
+                                        </p:tav>
+                                      </p:tavLst>
+                                    </p:anim>
+                                  </p:childTnLst>
+                                </p:cTn>
+                              </p:par>
+                            </p:childTnLst>
+                          </p:cTn>
+                        </p:par>
+                      </p:childTnLst>
+                    </p:cTn>
+                  </p:par>
+                  <p:par>
+                    <p:cTn id="9" fill="hold">
+                      <p:stCondLst>
+                        <p:cond delay="indefinite"/>
+                      </p:stCondLst>
+                      <p:childTnLst>
+                        <p:par>
+                          <p:cTn id="10" fill="hold">
+                            <p:stCondLst>
+                              <p:cond delay="0"/>
+                            </p:stCondLst>
+                            <p:childTnLst>
+                              <p:par>
+                                <p:cTn id="11" presetID="2" presetClass="entr" presetSubtype="4" fill="hold" nodeType="clickEffect">
+                                  <p:stCondLst>
+                                    <p:cond delay="0"/>
+                                  </p:stCondLst>
+                                  <p:childTnLst>
+                                    <p:set>
+                                      <p:cBhvr>
+                                        <p:cTn id="12" dur="1" fill="hold">
+                                          <p:stCondLst>
+                                            <p:cond delay="0"/>
+                                          </p:stCondLst>
+                                        </p:cTn>
+                                        <p:tgtEl>
+                                          <p:spTgt spid="2">
+                                            <p:txEl>
+                                              <p:pRg st="1" end="1"/>
+                                            </p:txEl>
+                                          </p:spTgt>
+                                        </p:tgtEl>
+                                        <p:attrNameLst>
+                                          <p:attrName>style.visibility</p:attrName>
+                                        </p:attrNameLst>
+                                      </p:cBhvr>
+                                      <p:to>
+                                        <p:strVal val="visible"/>
+                                      </p:to>
+                                    </p:set>
+                                    <p:anim calcmode="lin" valueType="num">
+                                      <p:cBhvr additive="base">
+                                        <p:cTn id="13" dur="500" fill="hold"/>
+                                        <p:tgtEl>
+                                          <p:spTgt spid="2">
+                                            <p:txEl>
+                                              <p:pRg st="1" end="1"/>
+                                            </p:txEl>
+                                          </p:spTgt>
+                                        </p:tgtEl>
+                                        <p:attrNameLst>
+                                          <p:attrName>ppt_x</p:attrName>
+                                        </p:attrNameLst>
+                                      </p:cBhvr>
+                                      <p:tavLst>
+                                        <p:tav tm="0">
+                                          <p:val>
+                                            <p:strVal val="#ppt_x"/>
+                                          </p:val>
+                                        </p:tav>
+                                        <p:tav tm="100000">
+                                          <p:val>
+                                            <p:strVal val="#ppt_x"/>
+                                          </p:val>
+                                        </p:tav>
+                                      </p:tavLst>
+                                    </p:anim>
+                                    <p:anim calcmode="lin" valueType="num">
+                                      <p:cBhvr additive="base">
+                                        <p:cTn id="14" dur="500" fill="hold"/>
+                                        <p:tgtEl>
+                                          <p:spTgt spid="2">
+                                            <p:txEl>
+                                              <p:pRg st="1" end="1"/>
+                                            </p:txEl>
+                                          </p:spTgt>
+                                        </p:tgtEl>
+                                        <p:attrNameLst>
+                                          <p:attrName>ppt_y</p:attrName>
+                                        </p:attrNameLst>
+                                      </p:cBhvr>
+                                      <p:tavLst>
+                                        <p:tav tm="0">
+                                          <p:val>
+                                            <p:strVal val="1+#ppt_h/2"/>
+                                          </p:val>
+                                        </p:tav>
+                                        <p:tav tm="100000">
+                                          <p:val>
+                                            <p:strVal val="#ppt_y"/>
+                                          </p:val>
+                                        </p:tav>
+                                      </p:tavLst>
+                                    </p:anim>
+                                  </p:childTnLst>
+                                </p:cTn>
+                              </p:par>
+                            </p:childTnLst>
+                          </p:cTn>
+                        </p:par>
+                      </p:childTnLst>
+                    </p:cTn>
+                  </p:par>
+                  <p:par>
+                    <p:cTn id="15" fill="hold">
+                      <p:stCondLst>
+                        <p:cond delay="indefinite"/>
+                      </p:stCondLst>
+                      <p:childTnLst>
+                        <p:par>
+                          <p:cTn id="16" fill="hold">
+                            <p:stCondLst>
+                              <p:cond delay="0"/>
+                            </p:stCondLst>
+                            <p:childTnLst>
+                              <p:par>
+                                <p:cTn id="17" presetID="2" presetClass="entr" presetSubtype="4" fill="hold" nodeType="clickEffect">
+                                  <p:stCondLst>
+                                    <p:cond delay="0"/>
+                                  </p:stCondLst>
+                                  <p:childTnLst>
+                                    <p:set>
+                                      <p:cBhvr>
+                                        <p:cTn id="18" dur="1" fill="hold">
+                                          <p:stCondLst>
+                                            <p:cond delay="0"/>
+                                          </p:stCondLst>
+                                        </p:cTn>
+                                        <p:tgtEl>
+                                          <p:spTgt spid="2">
+                                            <p:txEl>
+                                              <p:pRg st="2" end="2"/>
+                                            </p:txEl>
+                                          </p:spTgt>
+                                        </p:tgtEl>
+                                        <p:attrNameLst>
+                                          <p:attrName>style.visibility</p:attrName>
+                                        </p:attrNameLst>
+                                      </p:cBhvr>
+                                      <p:to>
+                                        <p:strVal val="visible"/>
+                                      </p:to>
+                                    </p:set>
+                                    <p:anim calcmode="lin" valueType="num">
+                                      <p:cBhvr additive="base">
+                                        <p:cTn id="19" dur="500" fill="hold"/>
+                                        <p:tgtEl>
+                                          <p:spTgt spid="2">
+                                            <p:txEl>
+                                              <p:pRg st="2" end="2"/>
+                                            </p:txEl>
+                                          </p:spTgt>
+                                        </p:tgtEl>
+                                        <p:attrNameLst>
+                                          <p:attrName>ppt_x</p:attrName>
+                                        </p:attrNameLst>
+                                      </p:cBhvr>
+                                      <p:tavLst>
+                                        <p:tav tm="0">
+                                          <p:val>
+                                            <p:strVal val="#ppt_x"/>
+                                          </p:val>
+                                        </p:tav>
+                                        <p:tav tm="100000">
+                                          <p:val>
+                                            <p:strVal val="#ppt_x"/>
+                                          </p:val>
+                                        </p:tav>
+                                      </p:tavLst>
+                                    </p:anim>
+                                    <p:anim calcmode="lin" valueType="num">
+                                      <p:cBhvr additive="base">
+                                        <p:cTn id="20" dur="500" fill="hold"/>
+                                        <p:tgtEl>
+                                          <p:spTgt spid="2">
+                                            <p:txEl>
+                                              <p:pRg st="2" end="2"/>
+                                            </p:txEl>
+                                          </p:spTgt>
+                                        </p:tgtEl>
+                                        <p:attrNameLst>
+                                          <p:attrName>ppt_y</p:attrName>
+                                        </p:attrNameLst>
+                                      </p:cBhvr>
+                                      <p:tavLst>
+                                        <p:tav tm="0">
+                                          <p:val>
+                                            <p:strVal val="1+#ppt_h/2"/>
+                                          </p:val>
+                                        </p:tav>
+                                        <p:tav tm="100000">
+                                          <p:val>
+                                            <p:strVal val="#ppt_y"/>
+                                          </p:val>
+                                        </p:tav>
+                                      </p:tavLst>
+                                    </p:anim>
+                                  </p:childTnLst>
+                                </p:cTn>
+                              </p:par>
+                            </p:childTnLst>
+                          </p:cTn>
+                        </p:par>
+                      </p:childTnLst>
+                    </p:cTn>
+                  </p:par>
                   <p:par>
                     <p:cTn id="21" fill="hold">
                       <p:stCondLst>
@@ -4916,7 +5264,7 @@
                                           </p:stCondLst>
                                         </p:cTn>
                                         <p:tgtEl>
-                                          <p:spTgt spid="3">
+                                          <p:spTgt spid="2">
                                             <p:txEl>
                                               <p:pRg st="3" end="3"/>
                                             </p:txEl>
@@ -4934,7 +5282,7 @@
                                       <p:cBhvr additive="base">
                                         <p:cTn id="25" dur="500" fill="hold"/>
                                         <p:tgtEl>
-                                          <p:spTgt spid="3">
+                                          <p:spTgt spid="2">
                                             <p:txEl>
                                               <p:pRg st="3" end="3"/>
                                             </p:txEl>
@@ -4961,9 +5309,215 @@
                                       <p:cBhvr additive="base">
                                         <p:cTn id="26" dur="500" fill="hold"/>
                                         <p:tgtEl>
-                                          <p:spTgt spid="3">
+                                          <p:spTgt spid="2">
                                             <p:txEl>
                                               <p:pRg st="3" end="3"/>
+                                            </p:txEl>
+                                          </p:spTgt>
+                                        </p:tgtEl>
+                                        <p:attrNameLst>
+                                          <p:attrName>ppt_y</p:attrName>
+                                        </p:attrNameLst>
+                                      </p:cBhvr>
+                                      <p:tavLst>
+                                        <p:tav tm="0">
+                                          <p:val>
+                                            <p:strVal val="1+#ppt_h/2"/>
+                                          </p:val>
+                                        </p:tav>
+                                        <p:tav tm="100000">
+                                          <p:val>
+                                            <p:strVal val="#ppt_y"/>
+                                          </p:val>
+                                        </p:tav>
+                                      </p:tavLst>
+                                    </p:anim>
+                                  </p:childTnLst>
+                                </p:cTn>
+                              </p:par>
+                            </p:childTnLst>
+                          </p:cTn>
+                        </p:par>
+                      </p:childTnLst>
+                    </p:cTn>
+                  </p:par>
+                  <p:par>
+                    <p:cTn id="27" fill="hold">
+                      <p:stCondLst>
+                        <p:cond delay="indefinite"/>
+                      </p:stCondLst>
+                      <p:childTnLst>
+                        <p:par>
+                          <p:cTn id="28" fill="hold">
+                            <p:stCondLst>
+                              <p:cond delay="0"/>
+                            </p:stCondLst>
+                            <p:childTnLst>
+                              <p:par>
+                                <p:cTn id="29" presetID="2" presetClass="entr" presetSubtype="4" fill="hold" nodeType="clickEffect">
+                                  <p:stCondLst>
+                                    <p:cond delay="0"/>
+                                  </p:stCondLst>
+                                  <p:childTnLst>
+                                    <p:set>
+                                      <p:cBhvr>
+                                        <p:cTn id="30" dur="1" fill="hold">
+                                          <p:stCondLst>
+                                            <p:cond delay="0"/>
+                                          </p:stCondLst>
+                                        </p:cTn>
+                                        <p:tgtEl>
+                                          <p:spTgt spid="2">
+                                            <p:txEl>
+                                              <p:pRg st="4" end="4"/>
+                                            </p:txEl>
+                                          </p:spTgt>
+                                        </p:tgtEl>
+                                        <p:attrNameLst>
+                                          <p:attrName>style.visibility</p:attrName>
+                                        </p:attrNameLst>
+                                      </p:cBhvr>
+                                      <p:to>
+                                        <p:strVal val="visible"/>
+                                      </p:to>
+                                    </p:set>
+                                    <p:anim calcmode="lin" valueType="num">
+                                      <p:cBhvr additive="base">
+                                        <p:cTn id="31" dur="500" fill="hold"/>
+                                        <p:tgtEl>
+                                          <p:spTgt spid="2">
+                                            <p:txEl>
+                                              <p:pRg st="4" end="4"/>
+                                            </p:txEl>
+                                          </p:spTgt>
+                                        </p:tgtEl>
+                                        <p:attrNameLst>
+                                          <p:attrName>ppt_x</p:attrName>
+                                        </p:attrNameLst>
+                                      </p:cBhvr>
+                                      <p:tavLst>
+                                        <p:tav tm="0">
+                                          <p:val>
+                                            <p:strVal val="#ppt_x"/>
+                                          </p:val>
+                                        </p:tav>
+                                        <p:tav tm="100000">
+                                          <p:val>
+                                            <p:strVal val="#ppt_x"/>
+                                          </p:val>
+                                        </p:tav>
+                                      </p:tavLst>
+                                    </p:anim>
+                                    <p:anim calcmode="lin" valueType="num">
+                                      <p:cBhvr additive="base">
+                                        <p:cTn id="32" dur="500" fill="hold"/>
+                                        <p:tgtEl>
+                                          <p:spTgt spid="2">
+                                            <p:txEl>
+                                              <p:pRg st="4" end="4"/>
+                                            </p:txEl>
+                                          </p:spTgt>
+                                        </p:tgtEl>
+                                        <p:attrNameLst>
+                                          <p:attrName>ppt_y</p:attrName>
+                                        </p:attrNameLst>
+                                      </p:cBhvr>
+                                      <p:tavLst>
+                                        <p:tav tm="0">
+                                          <p:val>
+                                            <p:strVal val="1+#ppt_h/2"/>
+                                          </p:val>
+                                        </p:tav>
+                                        <p:tav tm="100000">
+                                          <p:val>
+                                            <p:strVal val="#ppt_y"/>
+                                          </p:val>
+                                        </p:tav>
+                                      </p:tavLst>
+                                    </p:anim>
+                                  </p:childTnLst>
+                                </p:cTn>
+                              </p:par>
+                            </p:childTnLst>
+                          </p:cTn>
+                        </p:par>
+                      </p:childTnLst>
+                    </p:cTn>
+                  </p:par>
+                  <p:par>
+                    <p:cTn id="33" fill="hold">
+                      <p:stCondLst>
+                        <p:cond delay="indefinite"/>
+                      </p:stCondLst>
+                      <p:childTnLst>
+                        <p:par>
+                          <p:cTn id="34" fill="hold">
+                            <p:stCondLst>
+                              <p:cond delay="0"/>
+                            </p:stCondLst>
+                            <p:childTnLst>
+                              <p:par>
+                                <p:cTn id="35" presetID="2" presetClass="entr" presetSubtype="4" fill="hold" nodeType="clickEffect">
+                                  <p:stCondLst>
+                                    <p:cond delay="0"/>
+                                  </p:stCondLst>
+                                  <p:childTnLst>
+                                    <p:set>
+                                      <p:cBhvr>
+                                        <p:cTn id="36" dur="1" fill="hold">
+                                          <p:stCondLst>
+                                            <p:cond delay="0"/>
+                                          </p:stCondLst>
+                                        </p:cTn>
+                                        <p:tgtEl>
+                                          <p:spTgt spid="2">
+                                            <p:txEl>
+                                              <p:pRg st="5" end="5"/>
+                                            </p:txEl>
+                                          </p:spTgt>
+                                        </p:tgtEl>
+                                        <p:attrNameLst>
+                                          <p:attrName>style.visibility</p:attrName>
+                                        </p:attrNameLst>
+                                      </p:cBhvr>
+                                      <p:to>
+                                        <p:strVal val="visible"/>
+                                      </p:to>
+                                    </p:set>
+                                    <p:anim calcmode="lin" valueType="num">
+                                      <p:cBhvr additive="base">
+                                        <p:cTn id="37" dur="500" fill="hold"/>
+                                        <p:tgtEl>
+                                          <p:spTgt spid="2">
+                                            <p:txEl>
+                                              <p:pRg st="5" end="5"/>
+                                            </p:txEl>
+                                          </p:spTgt>
+                                        </p:tgtEl>
+                                        <p:attrNameLst>
+                                          <p:attrName>ppt_x</p:attrName>
+                                        </p:attrNameLst>
+                                      </p:cBhvr>
+                                      <p:tavLst>
+                                        <p:tav tm="0">
+                                          <p:val>
+                                            <p:strVal val="#ppt_x"/>
+                                          </p:val>
+                                        </p:tav>
+                                        <p:tav tm="100000">
+                                          <p:val>
+                                            <p:strVal val="#ppt_x"/>
+                                          </p:val>
+                                        </p:tav>
+                                      </p:tavLst>
+                                    </p:anim>
+                                    <p:anim calcmode="lin" valueType="num">
+                                      <p:cBhvr additive="base">
+                                        <p:cTn id="38" dur="500" fill="hold"/>
+                                        <p:tgtEl>
+                                          <p:spTgt spid="2">
+                                            <p:txEl>
+                                              <p:pRg st="5" end="5"/>
                                             </p:txEl>
                                           </p:spTgt>
                                         </p:tgtEl>
@@ -5012,188 +5566,6 @@
             </p:seq>
           </p:childTnLst>
         </p:cTn>
-      </p:par>
-    </p:tnLst>
-  </p:timing>
-</p:sld>
-</file>
-
-<file path=ppt/slides/slide11.xml><?xml version="1.0" encoding="utf-8"?>
-<p:sld xmlns:a="http://schemas.openxmlformats.org/drawingml/2006/main" xmlns:r="http://schemas.openxmlformats.org/officeDocument/2006/relationships" xmlns:p="http://schemas.openxmlformats.org/presentationml/2006/main" show="0">
-  <p:cSld>
-    <p:spTree>
-      <p:nvGrpSpPr>
-        <p:cNvPr id="1" name=""/>
-        <p:cNvGrpSpPr/>
-        <p:nvPr/>
-      </p:nvGrpSpPr>
-      <p:grpSpPr>
-        <a:xfrm>
-          <a:off x="0" y="0"/>
-          <a:ext cx="0" cy="0"/>
-          <a:chOff x="0" y="0"/>
-          <a:chExt cx="0" cy="0"/>
-        </a:xfrm>
-      </p:grpSpPr>
-      <p:sp>
-        <p:nvSpPr>
-          <p:cNvPr id="11267" name="Rectangle 2"/>
-          <p:cNvSpPr>
-            <a:spLocks noGrp="1" noChangeArrowheads="1"/>
-          </p:cNvSpPr>
-          <p:nvPr>
-            <p:ph type="title"/>
-          </p:nvPr>
-        </p:nvSpPr>
-        <p:spPr/>
-        <p:txBody>
-          <a:bodyPr/>
-          <a:lstStyle/>
-          <a:p>
-            <a:r>
-              <a:rPr lang="en-US" altLang="zh-CN" smtClean="0"/>
-              <a:t>7.2 </a:t>
-            </a:r>
-            <a:r>
-              <a:rPr lang="zh-CN" altLang="en-US" smtClean="0"/>
-              <a:t>单元测试的内容</a:t>
-            </a:r>
-          </a:p>
-        </p:txBody>
-      </p:sp>
-      <p:sp>
-        <p:nvSpPr>
-          <p:cNvPr id="11268" name="Rectangle 3"/>
-          <p:cNvSpPr>
-            <a:spLocks noGrp="1" noChangeArrowheads="1"/>
-          </p:cNvSpPr>
-          <p:nvPr>
-            <p:ph idx="1"/>
-          </p:nvPr>
-        </p:nvSpPr>
-        <p:spPr>
-          <a:xfrm>
-            <a:off x="623392" y="980728"/>
-            <a:ext cx="11089232" cy="4843264"/>
-          </a:xfrm>
-        </p:spPr>
-        <p:txBody>
-          <a:bodyPr/>
-          <a:lstStyle/>
-          <a:p>
-            <a:r>
-              <a:rPr lang="zh-CN" altLang="en-US" dirty="0" smtClean="0"/>
-              <a:t>模块边界条件测试：在被测模块的输入</a:t>
-            </a:r>
-            <a:r>
-              <a:rPr lang="en-US" altLang="zh-CN" dirty="0" smtClean="0"/>
-              <a:t>/</a:t>
-            </a:r>
-            <a:r>
-              <a:rPr lang="zh-CN" altLang="en-US" dirty="0" smtClean="0"/>
-              <a:t>输出域边界或其附近设计测试用例</a:t>
-            </a:r>
-            <a:endParaRPr lang="en-US" altLang="zh-CN" dirty="0" smtClean="0"/>
-          </a:p>
-          <a:p>
-            <a:pPr lvl="1"/>
-            <a:r>
-              <a:rPr lang="zh-CN" altLang="en-US" dirty="0" smtClean="0"/>
-              <a:t>可能与边界有关的数据类型如数值、字符、位置、数量、尺寸等</a:t>
-            </a:r>
-          </a:p>
-          <a:p>
-            <a:pPr lvl="1"/>
-            <a:r>
-              <a:rPr lang="zh-CN" altLang="en-US" dirty="0" smtClean="0"/>
-              <a:t>边界的首个、最后一个、最大值、最小值、最长、最短、最高、最低等特征。如：运算或判断中取最大值、最小值时是否有错误</a:t>
-            </a:r>
-          </a:p>
-          <a:p>
-            <a:pPr lvl="1"/>
-            <a:r>
-              <a:rPr lang="zh-CN" altLang="en-US" dirty="0" smtClean="0"/>
-              <a:t>在</a:t>
-            </a:r>
-            <a:r>
-              <a:rPr lang="en-US" altLang="zh-CN" dirty="0" smtClean="0"/>
-              <a:t>n</a:t>
-            </a:r>
-            <a:r>
-              <a:rPr lang="zh-CN" altLang="en-US" dirty="0" smtClean="0"/>
-              <a:t>次循环的第</a:t>
-            </a:r>
-            <a:r>
-              <a:rPr lang="en-US" altLang="zh-CN" dirty="0" smtClean="0"/>
-              <a:t>0</a:t>
-            </a:r>
-            <a:r>
-              <a:rPr lang="zh-CN" altLang="en-US" dirty="0" smtClean="0"/>
-              <a:t>次、</a:t>
-            </a:r>
-            <a:r>
-              <a:rPr lang="en-US" altLang="zh-CN" dirty="0" smtClean="0"/>
-              <a:t>1</a:t>
-            </a:r>
-            <a:r>
-              <a:rPr lang="zh-CN" altLang="en-US" dirty="0" smtClean="0"/>
-              <a:t>次、</a:t>
-            </a:r>
-            <a:r>
-              <a:rPr lang="en-US" altLang="zh-CN" dirty="0" smtClean="0"/>
-              <a:t>n</a:t>
-            </a:r>
-            <a:r>
-              <a:rPr lang="zh-CN" altLang="en-US" dirty="0" smtClean="0"/>
-              <a:t>次是否有错误</a:t>
-            </a:r>
-          </a:p>
-          <a:p>
-            <a:pPr lvl="1"/>
-            <a:r>
-              <a:rPr lang="zh-CN" altLang="en-US" dirty="0" smtClean="0"/>
-              <a:t>数据流、控制流中刚好等于、大于、小于确定的比较值是否出现错误</a:t>
-            </a:r>
-          </a:p>
-          <a:p>
-            <a:pPr lvl="1"/>
-            <a:r>
-              <a:rPr lang="zh-CN" altLang="en-US" dirty="0" smtClean="0"/>
-              <a:t>注</a:t>
-            </a:r>
-            <a:r>
-              <a:rPr lang="en-US" altLang="zh-CN" dirty="0" smtClean="0"/>
-              <a:t>:</a:t>
-            </a:r>
-            <a:r>
-              <a:rPr lang="zh-CN" altLang="en-US" dirty="0" smtClean="0">
-                <a:solidFill>
-                  <a:srgbClr val="FF0000"/>
-                </a:solidFill>
-              </a:rPr>
-              <a:t>主要针对于单元测试中的边界问题</a:t>
-            </a:r>
-          </a:p>
-          <a:p>
-            <a:endParaRPr lang="en-US" altLang="zh-CN" dirty="0"/>
-          </a:p>
-        </p:txBody>
-      </p:sp>
-    </p:spTree>
-    <p:extLst>
-      <p:ext uri="{BB962C8B-B14F-4D97-AF65-F5344CB8AC3E}">
-        <p14:creationId xmlns:p14="http://schemas.microsoft.com/office/powerpoint/2010/main" val="3349497933"/>
-      </p:ext>
-    </p:extLst>
-  </p:cSld>
-  <p:clrMapOvr>
-    <a:masterClrMapping/>
-  </p:clrMapOvr>
-  <p:transition/>
-  <p:timing>
-    <p:tnLst>
-      <p:par>
-        <p:cTn id="1" dur="indefinite" restart="never" nodeType="tmRoot"/>
       </p:par>
     </p:tnLst>
   </p:timing>
@@ -5233,8 +5605,8 @@
           <a:lstStyle/>
           <a:p>
             <a:r>
-              <a:rPr lang="zh-CN" altLang="en-US" smtClean="0"/>
-              <a:t>单元测试的内容</a:t>
+              <a:rPr lang="zh-CN" altLang="en-US" dirty="0" smtClean="0"/>
+              <a:t>相关概念</a:t>
             </a:r>
             <a:endParaRPr lang="zh-CN" altLang="en-US" dirty="0"/>
           </a:p>
@@ -5250,62 +5622,149 @@
             <p:ph idx="1"/>
           </p:nvPr>
         </p:nvSpPr>
-        <p:spPr/>
+        <p:spPr>
+          <a:xfrm>
+            <a:off x="407368" y="908720"/>
+            <a:ext cx="11089232" cy="4843264"/>
+          </a:xfrm>
+        </p:spPr>
         <p:txBody>
           <a:bodyPr/>
           <a:lstStyle/>
           <a:p>
+            <a:pPr lvl="1"/>
+            <a:r>
+              <a:rPr lang="zh-CN" altLang="en-US" dirty="0" smtClean="0">
+                <a:solidFill>
+                  <a:srgbClr val="FF0000"/>
+                </a:solidFill>
+              </a:rPr>
+              <a:t>驱动模块</a:t>
+            </a:r>
+            <a:r>
+              <a:rPr lang="en-US" altLang="en-US" dirty="0" smtClean="0"/>
+              <a:t>(Driver)</a:t>
+            </a:r>
             <a:r>
               <a:rPr lang="zh-CN" altLang="en-US" dirty="0" smtClean="0"/>
-              <a:t>模块的所有错误处理路径测试</a:t>
+              <a:t>：是模拟被测单元的</a:t>
+            </a:r>
+            <a:r>
+              <a:rPr lang="zh-CN" altLang="en-US" dirty="0" smtClean="0">
+                <a:solidFill>
+                  <a:srgbClr val="FF0000"/>
+                </a:solidFill>
+              </a:rPr>
+              <a:t>上级</a:t>
+            </a:r>
+            <a:r>
+              <a:rPr lang="zh-CN" altLang="en-US" dirty="0" smtClean="0"/>
+              <a:t>模块，用于接收测试数据、启动被测模块和输出结果</a:t>
             </a:r>
             <a:endParaRPr lang="en-US" altLang="zh-CN" dirty="0" smtClean="0"/>
           </a:p>
           <a:p>
             <a:pPr lvl="1"/>
             <a:r>
-              <a:rPr lang="zh-CN" altLang="zh-CN" dirty="0" smtClean="0"/>
-              <a:t>输出的错误提示是否难以理解</a:t>
-            </a:r>
-          </a:p>
-          <a:p>
-            <a:pPr lvl="1"/>
-            <a:r>
-              <a:rPr lang="zh-CN" altLang="zh-CN" dirty="0" smtClean="0"/>
-              <a:t>错误提示是否信息不足，导致无法定位发现的缺陷</a:t>
-            </a:r>
-          </a:p>
-          <a:p>
-            <a:pPr lvl="1"/>
-            <a:r>
-              <a:rPr lang="zh-CN" altLang="zh-CN" dirty="0" smtClean="0"/>
-              <a:t>显示的错误是否与实际遇到的缺陷不符合</a:t>
-            </a:r>
-          </a:p>
-          <a:p>
-            <a:pPr lvl="1"/>
-            <a:r>
-              <a:rPr lang="zh-CN" altLang="zh-CN" dirty="0" smtClean="0"/>
-              <a:t>是否存在不当的异常处理</a:t>
-            </a:r>
-          </a:p>
-          <a:p>
-            <a:pPr lvl="1"/>
-            <a:r>
-              <a:rPr lang="zh-CN" altLang="zh-CN" dirty="0" smtClean="0"/>
-              <a:t>是否存在无法按预先自定义的出错处理方式来处理的情况</a:t>
-            </a:r>
-            <a:endParaRPr lang="en-US" altLang="zh-CN" dirty="0" smtClean="0"/>
-          </a:p>
-          <a:p>
+              <a:rPr lang="zh-CN" altLang="en-US" dirty="0" smtClean="0">
+                <a:solidFill>
+                  <a:srgbClr val="FF0000"/>
+                </a:solidFill>
+              </a:rPr>
+              <a:t>桩模块</a:t>
+            </a:r>
+            <a:r>
+              <a:rPr lang="en-US" altLang="en-US" dirty="0" smtClean="0"/>
+              <a:t>(Stub)</a:t>
+            </a:r>
+            <a:r>
+              <a:rPr lang="zh-CN" altLang="en-US" dirty="0" smtClean="0"/>
+              <a:t>：是模拟被测单元</a:t>
+            </a:r>
+            <a:r>
+              <a:rPr lang="zh-CN" altLang="en-US" dirty="0" smtClean="0">
+                <a:solidFill>
+                  <a:srgbClr val="FF0000"/>
+                </a:solidFill>
+              </a:rPr>
+              <a:t>所调用</a:t>
+            </a:r>
+            <a:r>
+              <a:rPr lang="zh-CN" altLang="en-US" dirty="0" smtClean="0"/>
+              <a:t>的模块</a:t>
+            </a:r>
             <a:endParaRPr lang="zh-CN" altLang="en-US" dirty="0"/>
           </a:p>
         </p:txBody>
       </p:sp>
+      <p:pic>
+        <p:nvPicPr>
+          <p:cNvPr id="4" name="Picture 2"/>
+          <p:cNvPicPr>
+            <a:picLocks noChangeAspect="1" noChangeArrowheads="1"/>
+          </p:cNvPicPr>
+          <p:nvPr/>
+        </p:nvPicPr>
+        <p:blipFill>
+          <a:blip r:embed="rId3">
+            <a:clrChange>
+              <a:clrFrom>
+                <a:srgbClr val="FFFFFF"/>
+              </a:clrFrom>
+              <a:clrTo>
+                <a:srgbClr val="FFFFFF">
+                  <a:alpha val="0"/>
+                </a:srgbClr>
+              </a:clrTo>
+            </a:clrChange>
+            <a:extLst>
+              <a:ext uri="{28A0092B-C50C-407E-A947-70E740481C1C}">
+                <a14:useLocalDpi xmlns:a14="http://schemas.microsoft.com/office/drawing/2010/main" val="0"/>
+              </a:ext>
+            </a:extLst>
+          </a:blip>
+          <a:srcRect/>
+          <a:stretch>
+            <a:fillRect/>
+          </a:stretch>
+        </p:blipFill>
+        <p:spPr bwMode="auto">
+          <a:xfrm>
+            <a:off x="1343472" y="2780928"/>
+            <a:ext cx="8856984" cy="3275979"/>
+          </a:xfrm>
+          <a:prstGeom prst="rect">
+            <a:avLst/>
+          </a:prstGeom>
+          <a:noFill/>
+          <a:ln>
+            <a:noFill/>
+          </a:ln>
+          <a:extLst>
+            <a:ext uri="{909E8E84-426E-40DD-AFC4-6F175D3DCCD1}">
+              <a14:hiddenFill xmlns:a14="http://schemas.microsoft.com/office/drawing/2010/main">
+                <a:solidFill>
+                  <a:srgbClr val="FFFFFF"/>
+                </a:solidFill>
+              </a14:hiddenFill>
+            </a:ext>
+            <a:ext uri="{91240B29-F687-4F45-9708-019B960494DF}">
+              <a14:hiddenLine xmlns:a14="http://schemas.microsoft.com/office/drawing/2010/main" w="9525">
+                <a:solidFill>
+                  <a:srgbClr val="000000"/>
+                </a:solidFill>
+                <a:miter lim="800000"/>
+                <a:headEnd/>
+                <a:tailEnd/>
+              </a14:hiddenLine>
+            </a:ext>
+          </a:extLst>
+        </p:spPr>
+      </p:pic>
     </p:spTree>
     <p:extLst>
       <p:ext uri="{BB962C8B-B14F-4D97-AF65-F5344CB8AC3E}">
-        <p14:creationId xmlns:p14="http://schemas.microsoft.com/office/powerpoint/2010/main" val="3560300058"/>
+        <p14:creationId xmlns:p14="http://schemas.microsoft.com/office/powerpoint/2010/main" val="3720010991"/>
       </p:ext>
     </p:extLst>
   </p:cSld>
@@ -5555,11 +6014,7 @@
                                           </p:stCondLst>
                                         </p:cTn>
                                         <p:tgtEl>
-                                          <p:spTgt spid="2">
-                                            <p:txEl>
-                                              <p:pRg st="2" end="2"/>
-                                            </p:txEl>
-                                          </p:spTgt>
+                                          <p:spTgt spid="4"/>
                                         </p:tgtEl>
                                         <p:attrNameLst>
                                           <p:attrName>style.visibility</p:attrName>
@@ -5573,11 +6028,7 @@
                                       <p:cBhvr additive="base">
                                         <p:cTn id="19" dur="500" fill="hold"/>
                                         <p:tgtEl>
-                                          <p:spTgt spid="2">
-                                            <p:txEl>
-                                              <p:pRg st="2" end="2"/>
-                                            </p:txEl>
-                                          </p:spTgt>
+                                          <p:spTgt spid="4"/>
                                         </p:tgtEl>
                                         <p:attrNameLst>
                                           <p:attrName>ppt_x</p:attrName>
@@ -5600,320 +6051,7 @@
                                       <p:cBhvr additive="base">
                                         <p:cTn id="20" dur="500" fill="hold"/>
                                         <p:tgtEl>
-                                          <p:spTgt spid="2">
-                                            <p:txEl>
-                                              <p:pRg st="2" end="2"/>
-                                            </p:txEl>
-                                          </p:spTgt>
-                                        </p:tgtEl>
-                                        <p:attrNameLst>
-                                          <p:attrName>ppt_y</p:attrName>
-                                        </p:attrNameLst>
-                                      </p:cBhvr>
-                                      <p:tavLst>
-                                        <p:tav tm="0">
-                                          <p:val>
-                                            <p:strVal val="1+#ppt_h/2"/>
-                                          </p:val>
-                                        </p:tav>
-                                        <p:tav tm="100000">
-                                          <p:val>
-                                            <p:strVal val="#ppt_y"/>
-                                          </p:val>
-                                        </p:tav>
-                                      </p:tavLst>
-                                    </p:anim>
-                                  </p:childTnLst>
-                                </p:cTn>
-                              </p:par>
-                            </p:childTnLst>
-                          </p:cTn>
-                        </p:par>
-                      </p:childTnLst>
-                    </p:cTn>
-                  </p:par>
-                  <p:par>
-                    <p:cTn id="21" fill="hold">
-                      <p:stCondLst>
-                        <p:cond delay="indefinite"/>
-                      </p:stCondLst>
-                      <p:childTnLst>
-                        <p:par>
-                          <p:cTn id="22" fill="hold">
-                            <p:stCondLst>
-                              <p:cond delay="0"/>
-                            </p:stCondLst>
-                            <p:childTnLst>
-                              <p:par>
-                                <p:cTn id="23" presetID="2" presetClass="entr" presetSubtype="4" fill="hold" nodeType="clickEffect">
-                                  <p:stCondLst>
-                                    <p:cond delay="0"/>
-                                  </p:stCondLst>
-                                  <p:childTnLst>
-                                    <p:set>
-                                      <p:cBhvr>
-                                        <p:cTn id="24" dur="1" fill="hold">
-                                          <p:stCondLst>
-                                            <p:cond delay="0"/>
-                                          </p:stCondLst>
-                                        </p:cTn>
-                                        <p:tgtEl>
-                                          <p:spTgt spid="2">
-                                            <p:txEl>
-                                              <p:pRg st="3" end="3"/>
-                                            </p:txEl>
-                                          </p:spTgt>
-                                        </p:tgtEl>
-                                        <p:attrNameLst>
-                                          <p:attrName>style.visibility</p:attrName>
-                                        </p:attrNameLst>
-                                      </p:cBhvr>
-                                      <p:to>
-                                        <p:strVal val="visible"/>
-                                      </p:to>
-                                    </p:set>
-                                    <p:anim calcmode="lin" valueType="num">
-                                      <p:cBhvr additive="base">
-                                        <p:cTn id="25" dur="500" fill="hold"/>
-                                        <p:tgtEl>
-                                          <p:spTgt spid="2">
-                                            <p:txEl>
-                                              <p:pRg st="3" end="3"/>
-                                            </p:txEl>
-                                          </p:spTgt>
-                                        </p:tgtEl>
-                                        <p:attrNameLst>
-                                          <p:attrName>ppt_x</p:attrName>
-                                        </p:attrNameLst>
-                                      </p:cBhvr>
-                                      <p:tavLst>
-                                        <p:tav tm="0">
-                                          <p:val>
-                                            <p:strVal val="#ppt_x"/>
-                                          </p:val>
-                                        </p:tav>
-                                        <p:tav tm="100000">
-                                          <p:val>
-                                            <p:strVal val="#ppt_x"/>
-                                          </p:val>
-                                        </p:tav>
-                                      </p:tavLst>
-                                    </p:anim>
-                                    <p:anim calcmode="lin" valueType="num">
-                                      <p:cBhvr additive="base">
-                                        <p:cTn id="26" dur="500" fill="hold"/>
-                                        <p:tgtEl>
-                                          <p:spTgt spid="2">
-                                            <p:txEl>
-                                              <p:pRg st="3" end="3"/>
-                                            </p:txEl>
-                                          </p:spTgt>
-                                        </p:tgtEl>
-                                        <p:attrNameLst>
-                                          <p:attrName>ppt_y</p:attrName>
-                                        </p:attrNameLst>
-                                      </p:cBhvr>
-                                      <p:tavLst>
-                                        <p:tav tm="0">
-                                          <p:val>
-                                            <p:strVal val="1+#ppt_h/2"/>
-                                          </p:val>
-                                        </p:tav>
-                                        <p:tav tm="100000">
-                                          <p:val>
-                                            <p:strVal val="#ppt_y"/>
-                                          </p:val>
-                                        </p:tav>
-                                      </p:tavLst>
-                                    </p:anim>
-                                  </p:childTnLst>
-                                </p:cTn>
-                              </p:par>
-                            </p:childTnLst>
-                          </p:cTn>
-                        </p:par>
-                      </p:childTnLst>
-                    </p:cTn>
-                  </p:par>
-                  <p:par>
-                    <p:cTn id="27" fill="hold">
-                      <p:stCondLst>
-                        <p:cond delay="indefinite"/>
-                      </p:stCondLst>
-                      <p:childTnLst>
-                        <p:par>
-                          <p:cTn id="28" fill="hold">
-                            <p:stCondLst>
-                              <p:cond delay="0"/>
-                            </p:stCondLst>
-                            <p:childTnLst>
-                              <p:par>
-                                <p:cTn id="29" presetID="2" presetClass="entr" presetSubtype="4" fill="hold" nodeType="clickEffect">
-                                  <p:stCondLst>
-                                    <p:cond delay="0"/>
-                                  </p:stCondLst>
-                                  <p:childTnLst>
-                                    <p:set>
-                                      <p:cBhvr>
-                                        <p:cTn id="30" dur="1" fill="hold">
-                                          <p:stCondLst>
-                                            <p:cond delay="0"/>
-                                          </p:stCondLst>
-                                        </p:cTn>
-                                        <p:tgtEl>
-                                          <p:spTgt spid="2">
-                                            <p:txEl>
-                                              <p:pRg st="4" end="4"/>
-                                            </p:txEl>
-                                          </p:spTgt>
-                                        </p:tgtEl>
-                                        <p:attrNameLst>
-                                          <p:attrName>style.visibility</p:attrName>
-                                        </p:attrNameLst>
-                                      </p:cBhvr>
-                                      <p:to>
-                                        <p:strVal val="visible"/>
-                                      </p:to>
-                                    </p:set>
-                                    <p:anim calcmode="lin" valueType="num">
-                                      <p:cBhvr additive="base">
-                                        <p:cTn id="31" dur="500" fill="hold"/>
-                                        <p:tgtEl>
-                                          <p:spTgt spid="2">
-                                            <p:txEl>
-                                              <p:pRg st="4" end="4"/>
-                                            </p:txEl>
-                                          </p:spTgt>
-                                        </p:tgtEl>
-                                        <p:attrNameLst>
-                                          <p:attrName>ppt_x</p:attrName>
-                                        </p:attrNameLst>
-                                      </p:cBhvr>
-                                      <p:tavLst>
-                                        <p:tav tm="0">
-                                          <p:val>
-                                            <p:strVal val="#ppt_x"/>
-                                          </p:val>
-                                        </p:tav>
-                                        <p:tav tm="100000">
-                                          <p:val>
-                                            <p:strVal val="#ppt_x"/>
-                                          </p:val>
-                                        </p:tav>
-                                      </p:tavLst>
-                                    </p:anim>
-                                    <p:anim calcmode="lin" valueType="num">
-                                      <p:cBhvr additive="base">
-                                        <p:cTn id="32" dur="500" fill="hold"/>
-                                        <p:tgtEl>
-                                          <p:spTgt spid="2">
-                                            <p:txEl>
-                                              <p:pRg st="4" end="4"/>
-                                            </p:txEl>
-                                          </p:spTgt>
-                                        </p:tgtEl>
-                                        <p:attrNameLst>
-                                          <p:attrName>ppt_y</p:attrName>
-                                        </p:attrNameLst>
-                                      </p:cBhvr>
-                                      <p:tavLst>
-                                        <p:tav tm="0">
-                                          <p:val>
-                                            <p:strVal val="1+#ppt_h/2"/>
-                                          </p:val>
-                                        </p:tav>
-                                        <p:tav tm="100000">
-                                          <p:val>
-                                            <p:strVal val="#ppt_y"/>
-                                          </p:val>
-                                        </p:tav>
-                                      </p:tavLst>
-                                    </p:anim>
-                                  </p:childTnLst>
-                                </p:cTn>
-                              </p:par>
-                            </p:childTnLst>
-                          </p:cTn>
-                        </p:par>
-                      </p:childTnLst>
-                    </p:cTn>
-                  </p:par>
-                  <p:par>
-                    <p:cTn id="33" fill="hold">
-                      <p:stCondLst>
-                        <p:cond delay="indefinite"/>
-                      </p:stCondLst>
-                      <p:childTnLst>
-                        <p:par>
-                          <p:cTn id="34" fill="hold">
-                            <p:stCondLst>
-                              <p:cond delay="0"/>
-                            </p:stCondLst>
-                            <p:childTnLst>
-                              <p:par>
-                                <p:cTn id="35" presetID="2" presetClass="entr" presetSubtype="4" fill="hold" nodeType="clickEffect">
-                                  <p:stCondLst>
-                                    <p:cond delay="0"/>
-                                  </p:stCondLst>
-                                  <p:childTnLst>
-                                    <p:set>
-                                      <p:cBhvr>
-                                        <p:cTn id="36" dur="1" fill="hold">
-                                          <p:stCondLst>
-                                            <p:cond delay="0"/>
-                                          </p:stCondLst>
-                                        </p:cTn>
-                                        <p:tgtEl>
-                                          <p:spTgt spid="2">
-                                            <p:txEl>
-                                              <p:pRg st="5" end="5"/>
-                                            </p:txEl>
-                                          </p:spTgt>
-                                        </p:tgtEl>
-                                        <p:attrNameLst>
-                                          <p:attrName>style.visibility</p:attrName>
-                                        </p:attrNameLst>
-                                      </p:cBhvr>
-                                      <p:to>
-                                        <p:strVal val="visible"/>
-                                      </p:to>
-                                    </p:set>
-                                    <p:anim calcmode="lin" valueType="num">
-                                      <p:cBhvr additive="base">
-                                        <p:cTn id="37" dur="500" fill="hold"/>
-                                        <p:tgtEl>
-                                          <p:spTgt spid="2">
-                                            <p:txEl>
-                                              <p:pRg st="5" end="5"/>
-                                            </p:txEl>
-                                          </p:spTgt>
-                                        </p:tgtEl>
-                                        <p:attrNameLst>
-                                          <p:attrName>ppt_x</p:attrName>
-                                        </p:attrNameLst>
-                                      </p:cBhvr>
-                                      <p:tavLst>
-                                        <p:tav tm="0">
-                                          <p:val>
-                                            <p:strVal val="#ppt_x"/>
-                                          </p:val>
-                                        </p:tav>
-                                        <p:tav tm="100000">
-                                          <p:val>
-                                            <p:strVal val="#ppt_x"/>
-                                          </p:val>
-                                        </p:tav>
-                                      </p:tavLst>
-                                    </p:anim>
-                                    <p:anim calcmode="lin" valueType="num">
-                                      <p:cBhvr additive="base">
-                                        <p:cTn id="38" dur="500" fill="hold"/>
-                                        <p:tgtEl>
-                                          <p:spTgt spid="2">
-                                            <p:txEl>
-                                              <p:pRg st="5" end="5"/>
-                                            </p:txEl>
-                                          </p:spTgt>
+                                          <p:spTgt spid="4"/>
                                         </p:tgtEl>
                                         <p:attrNameLst>
                                           <p:attrName>ppt_y</p:attrName>
@@ -6208,11 +6346,6 @@
         </p:txBody>
       </p:sp>
     </p:spTree>
-    <p:extLst>
-      <p:ext uri="{BB962C8B-B14F-4D97-AF65-F5344CB8AC3E}">
-        <p14:creationId xmlns:p14="http://schemas.microsoft.com/office/powerpoint/2010/main" val="276331027"/>
-      </p:ext>
-    </p:extLst>
   </p:cSld>
   <p:clrMapOvr>
     <a:masterClrMapping/>
@@ -6402,11 +6535,6 @@
         </p:txBody>
       </p:sp>
     </p:spTree>
-    <p:extLst>
-      <p:ext uri="{BB962C8B-B14F-4D97-AF65-F5344CB8AC3E}">
-        <p14:creationId xmlns:p14="http://schemas.microsoft.com/office/powerpoint/2010/main" val="1729869460"/>
-      </p:ext>
-    </p:extLst>
   </p:cSld>
   <p:clrMapOvr>
     <a:masterClrMapping/>
@@ -6546,11 +6674,6 @@
         </p:txBody>
       </p:sp>
     </p:spTree>
-    <p:extLst>
-      <p:ext uri="{BB962C8B-B14F-4D97-AF65-F5344CB8AC3E}">
-        <p14:creationId xmlns:p14="http://schemas.microsoft.com/office/powerpoint/2010/main" val="3055598518"/>
-      </p:ext>
-    </p:extLst>
   </p:cSld>
   <p:clrMapOvr>
     <a:masterClrMapping/>
@@ -6662,11 +6785,6 @@
         </p:txBody>
       </p:sp>
     </p:spTree>
-    <p:extLst>
-      <p:ext uri="{BB962C8B-B14F-4D97-AF65-F5344CB8AC3E}">
-        <p14:creationId xmlns:p14="http://schemas.microsoft.com/office/powerpoint/2010/main" val="669329688"/>
-      </p:ext>
-    </p:extLst>
   </p:cSld>
   <p:clrMapOvr>
     <a:masterClrMapping/>
@@ -7130,11 +7248,6 @@
         </p:spPr>
       </p:pic>
     </p:spTree>
-    <p:extLst>
-      <p:ext uri="{BB962C8B-B14F-4D97-AF65-F5344CB8AC3E}">
-        <p14:creationId xmlns:p14="http://schemas.microsoft.com/office/powerpoint/2010/main" val="1205924547"/>
-      </p:ext>
-    </p:extLst>
   </p:cSld>
   <p:clrMapOvr>
     <a:masterClrMapping/>
@@ -7266,11 +7379,6 @@
         </p:spPr>
       </p:pic>
     </p:spTree>
-    <p:extLst>
-      <p:ext uri="{BB962C8B-B14F-4D97-AF65-F5344CB8AC3E}">
-        <p14:creationId xmlns:p14="http://schemas.microsoft.com/office/powerpoint/2010/main" val="2042619177"/>
-      </p:ext>
-    </p:extLst>
   </p:cSld>
   <p:clrMapOvr>
     <a:masterClrMapping/>
@@ -7424,11 +7532,6 @@
         </p:spPr>
       </p:pic>
     </p:spTree>
-    <p:extLst>
-      <p:ext uri="{BB962C8B-B14F-4D97-AF65-F5344CB8AC3E}">
-        <p14:creationId xmlns:p14="http://schemas.microsoft.com/office/powerpoint/2010/main" val="2578706182"/>
-      </p:ext>
-    </p:extLst>
   </p:cSld>
   <p:clrMapOvr>
     <a:masterClrMapping/>
@@ -7667,15 +7770,13 @@
         </p:txBody>
       </p:sp>
     </p:spTree>
-    <p:extLst>
-      <p:ext uri="{BB962C8B-B14F-4D97-AF65-F5344CB8AC3E}">
-        <p14:creationId xmlns:p14="http://schemas.microsoft.com/office/powerpoint/2010/main" val="3406747324"/>
-      </p:ext>
-    </p:extLst>
   </p:cSld>
   <p:clrMapOvr>
     <a:masterClrMapping/>
   </p:clrMapOvr>
+  <p:transition>
+    <p:blinds dir="vert"/>
+  </p:transition>
   <p:timing>
     <p:tnLst>
       <p:par>
@@ -7833,11 +7934,6 @@
         </p:txBody>
       </p:sp>
     </p:spTree>
-    <p:extLst>
-      <p:ext uri="{BB962C8B-B14F-4D97-AF65-F5344CB8AC3E}">
-        <p14:creationId xmlns:p14="http://schemas.microsoft.com/office/powerpoint/2010/main" val="2903263816"/>
-      </p:ext>
-    </p:extLst>
   </p:cSld>
   <p:clrMapOvr>
     <a:masterClrMapping/>
@@ -7970,15 +8066,13 @@
         </p:txBody>
       </p:sp>
     </p:spTree>
-    <p:extLst>
-      <p:ext uri="{BB962C8B-B14F-4D97-AF65-F5344CB8AC3E}">
-        <p14:creationId xmlns:p14="http://schemas.microsoft.com/office/powerpoint/2010/main" val="1120093815"/>
-      </p:ext>
-    </p:extLst>
   </p:cSld>
   <p:clrMapOvr>
     <a:masterClrMapping/>
   </p:clrMapOvr>
+  <p:transition>
+    <p:blinds dir="vert"/>
+  </p:transition>
   <p:timing>
     <p:tnLst>
       <p:par>
@@ -8076,11 +8170,6 @@
         </p:txBody>
       </p:sp>
     </p:spTree>
-    <p:extLst>
-      <p:ext uri="{BB962C8B-B14F-4D97-AF65-F5344CB8AC3E}">
-        <p14:creationId xmlns:p14="http://schemas.microsoft.com/office/powerpoint/2010/main" val="1305225141"/>
-      </p:ext>
-    </p:extLst>
   </p:cSld>
   <p:clrMapOvr>
     <a:masterClrMapping/>
@@ -8191,11 +8280,6 @@
         </p:txBody>
       </p:sp>
     </p:spTree>
-    <p:extLst>
-      <p:ext uri="{BB962C8B-B14F-4D97-AF65-F5344CB8AC3E}">
-        <p14:creationId xmlns:p14="http://schemas.microsoft.com/office/powerpoint/2010/main" val="140597152"/>
-      </p:ext>
-    </p:extLst>
   </p:cSld>
   <p:clrMapOvr>
     <a:masterClrMapping/>
@@ -8266,92 +8350,92 @@
                 <a:gd name="connsiteY2" fmla="*/ 215029 h 215029"/>
                 <a:gd name="connsiteX3" fmla="*/ 0 w 628650"/>
                 <a:gd name="connsiteY3" fmla="*/ 215029 h 215029"/>
-                <a:gd name="connsiteX0" fmla="*/ 14287 w 642937"/>
-                <a:gd name="connsiteY0" fmla="*/ 186454 h 186454"/>
-                <a:gd name="connsiteX1" fmla="*/ 0 w 642937"/>
-                <a:gd name="connsiteY1" fmla="*/ 0 h 186454"/>
-                <a:gd name="connsiteX2" fmla="*/ 642937 w 642937"/>
-                <a:gd name="connsiteY2" fmla="*/ 186454 h 186454"/>
-                <a:gd name="connsiteX3" fmla="*/ 14287 w 642937"/>
-                <a:gd name="connsiteY3" fmla="*/ 186454 h 186454"/>
-                <a:gd name="connsiteX0" fmla="*/ 14287 w 995362"/>
-                <a:gd name="connsiteY0" fmla="*/ 186454 h 641273"/>
-                <a:gd name="connsiteX1" fmla="*/ 0 w 995362"/>
-                <a:gd name="connsiteY1" fmla="*/ 0 h 641273"/>
-                <a:gd name="connsiteX2" fmla="*/ 995362 w 995362"/>
-                <a:gd name="connsiteY2" fmla="*/ 641273 h 641273"/>
-                <a:gd name="connsiteX3" fmla="*/ 14287 w 995362"/>
-                <a:gd name="connsiteY3" fmla="*/ 186454 h 641273"/>
-                <a:gd name="connsiteX0" fmla="*/ 0 w 1245394"/>
-                <a:gd name="connsiteY0" fmla="*/ 203123 h 641273"/>
-                <a:gd name="connsiteX1" fmla="*/ 250032 w 1245394"/>
-                <a:gd name="connsiteY1" fmla="*/ 0 h 641273"/>
-                <a:gd name="connsiteX2" fmla="*/ 1245394 w 1245394"/>
-                <a:gd name="connsiteY2" fmla="*/ 641273 h 641273"/>
-                <a:gd name="connsiteX3" fmla="*/ 0 w 1245394"/>
-                <a:gd name="connsiteY3" fmla="*/ 203123 h 641273"/>
-                <a:gd name="connsiteX0" fmla="*/ 0 w 1774032"/>
-                <a:gd name="connsiteY0" fmla="*/ 112635 h 641273"/>
-                <a:gd name="connsiteX1" fmla="*/ 778670 w 1774032"/>
-                <a:gd name="connsiteY1" fmla="*/ 0 h 641273"/>
-                <a:gd name="connsiteX2" fmla="*/ 1774032 w 1774032"/>
-                <a:gd name="connsiteY2" fmla="*/ 641273 h 641273"/>
-                <a:gd name="connsiteX3" fmla="*/ 0 w 1774032"/>
-                <a:gd name="connsiteY3" fmla="*/ 112635 h 641273"/>
-                <a:gd name="connsiteX0" fmla="*/ 0 w 1774032"/>
-                <a:gd name="connsiteY0" fmla="*/ 181691 h 710329"/>
-                <a:gd name="connsiteX1" fmla="*/ 1147764 w 1774032"/>
-                <a:gd name="connsiteY1" fmla="*/ 0 h 710329"/>
-                <a:gd name="connsiteX2" fmla="*/ 1774032 w 1774032"/>
-                <a:gd name="connsiteY2" fmla="*/ 710329 h 710329"/>
-                <a:gd name="connsiteX3" fmla="*/ 0 w 1774032"/>
-                <a:gd name="connsiteY3" fmla="*/ 181691 h 710329"/>
-                <a:gd name="connsiteX0" fmla="*/ 0 w 1147764"/>
-                <a:gd name="connsiteY0" fmla="*/ 181691 h 348379"/>
-                <a:gd name="connsiteX1" fmla="*/ 1147764 w 1147764"/>
-                <a:gd name="connsiteY1" fmla="*/ 0 h 348379"/>
-                <a:gd name="connsiteX2" fmla="*/ 547688 w 1147764"/>
-                <a:gd name="connsiteY2" fmla="*/ 348379 h 348379"/>
-                <a:gd name="connsiteX3" fmla="*/ 0 w 1147764"/>
-                <a:gd name="connsiteY3" fmla="*/ 181691 h 348379"/>
-                <a:gd name="connsiteX0" fmla="*/ 452437 w 1600201"/>
-                <a:gd name="connsiteY0" fmla="*/ 181691 h 732554"/>
-                <a:gd name="connsiteX1" fmla="*/ 1600201 w 1600201"/>
-                <a:gd name="connsiteY1" fmla="*/ 0 h 732554"/>
-                <a:gd name="connsiteX2" fmla="*/ 0 w 1600201"/>
-                <a:gd name="connsiteY2" fmla="*/ 732554 h 732554"/>
-                <a:gd name="connsiteX3" fmla="*/ 452437 w 1600201"/>
-                <a:gd name="connsiteY3" fmla="*/ 181691 h 732554"/>
-                <a:gd name="connsiteX0" fmla="*/ 547687 w 1600201"/>
-                <a:gd name="connsiteY0" fmla="*/ 0 h 957263"/>
-                <a:gd name="connsiteX1" fmla="*/ 1600201 w 1600201"/>
-                <a:gd name="connsiteY1" fmla="*/ 224709 h 957263"/>
-                <a:gd name="connsiteX2" fmla="*/ 0 w 1600201"/>
-                <a:gd name="connsiteY2" fmla="*/ 957263 h 957263"/>
-                <a:gd name="connsiteX3" fmla="*/ 547687 w 1600201"/>
-                <a:gd name="connsiteY3" fmla="*/ 0 h 957263"/>
-                <a:gd name="connsiteX0" fmla="*/ 547687 w 1162051"/>
-                <a:gd name="connsiteY0" fmla="*/ 349966 h 1307229"/>
-                <a:gd name="connsiteX1" fmla="*/ 1162051 w 1162051"/>
-                <a:gd name="connsiteY1" fmla="*/ 0 h 1307229"/>
-                <a:gd name="connsiteX2" fmla="*/ 0 w 1162051"/>
-                <a:gd name="connsiteY2" fmla="*/ 1307229 h 1307229"/>
-                <a:gd name="connsiteX3" fmla="*/ 547687 w 1162051"/>
-                <a:gd name="connsiteY3" fmla="*/ 349966 h 1307229"/>
+                <a:gd name="connsiteX0-1" fmla="*/ 14287 w 642937"/>
+                <a:gd name="connsiteY0-2" fmla="*/ 186454 h 186454"/>
+                <a:gd name="connsiteX1-3" fmla="*/ 0 w 642937"/>
+                <a:gd name="connsiteY1-4" fmla="*/ 0 h 186454"/>
+                <a:gd name="connsiteX2-5" fmla="*/ 642937 w 642937"/>
+                <a:gd name="connsiteY2-6" fmla="*/ 186454 h 186454"/>
+                <a:gd name="connsiteX3-7" fmla="*/ 14287 w 642937"/>
+                <a:gd name="connsiteY3-8" fmla="*/ 186454 h 186454"/>
+                <a:gd name="connsiteX0-9" fmla="*/ 14287 w 995362"/>
+                <a:gd name="connsiteY0-10" fmla="*/ 186454 h 641273"/>
+                <a:gd name="connsiteX1-11" fmla="*/ 0 w 995362"/>
+                <a:gd name="connsiteY1-12" fmla="*/ 0 h 641273"/>
+                <a:gd name="connsiteX2-13" fmla="*/ 995362 w 995362"/>
+                <a:gd name="connsiteY2-14" fmla="*/ 641273 h 641273"/>
+                <a:gd name="connsiteX3-15" fmla="*/ 14287 w 995362"/>
+                <a:gd name="connsiteY3-16" fmla="*/ 186454 h 641273"/>
+                <a:gd name="connsiteX0-17" fmla="*/ 0 w 1245394"/>
+                <a:gd name="connsiteY0-18" fmla="*/ 203123 h 641273"/>
+                <a:gd name="connsiteX1-19" fmla="*/ 250032 w 1245394"/>
+                <a:gd name="connsiteY1-20" fmla="*/ 0 h 641273"/>
+                <a:gd name="connsiteX2-21" fmla="*/ 1245394 w 1245394"/>
+                <a:gd name="connsiteY2-22" fmla="*/ 641273 h 641273"/>
+                <a:gd name="connsiteX3-23" fmla="*/ 0 w 1245394"/>
+                <a:gd name="connsiteY3-24" fmla="*/ 203123 h 641273"/>
+                <a:gd name="connsiteX0-25" fmla="*/ 0 w 1774032"/>
+                <a:gd name="connsiteY0-26" fmla="*/ 112635 h 641273"/>
+                <a:gd name="connsiteX1-27" fmla="*/ 778670 w 1774032"/>
+                <a:gd name="connsiteY1-28" fmla="*/ 0 h 641273"/>
+                <a:gd name="connsiteX2-29" fmla="*/ 1774032 w 1774032"/>
+                <a:gd name="connsiteY2-30" fmla="*/ 641273 h 641273"/>
+                <a:gd name="connsiteX3-31" fmla="*/ 0 w 1774032"/>
+                <a:gd name="connsiteY3-32" fmla="*/ 112635 h 641273"/>
+                <a:gd name="connsiteX0-33" fmla="*/ 0 w 1774032"/>
+                <a:gd name="connsiteY0-34" fmla="*/ 181691 h 710329"/>
+                <a:gd name="connsiteX1-35" fmla="*/ 1147764 w 1774032"/>
+                <a:gd name="connsiteY1-36" fmla="*/ 0 h 710329"/>
+                <a:gd name="connsiteX2-37" fmla="*/ 1774032 w 1774032"/>
+                <a:gd name="connsiteY2-38" fmla="*/ 710329 h 710329"/>
+                <a:gd name="connsiteX3-39" fmla="*/ 0 w 1774032"/>
+                <a:gd name="connsiteY3-40" fmla="*/ 181691 h 710329"/>
+                <a:gd name="connsiteX0-41" fmla="*/ 0 w 1147764"/>
+                <a:gd name="connsiteY0-42" fmla="*/ 181691 h 348379"/>
+                <a:gd name="connsiteX1-43" fmla="*/ 1147764 w 1147764"/>
+                <a:gd name="connsiteY1-44" fmla="*/ 0 h 348379"/>
+                <a:gd name="connsiteX2-45" fmla="*/ 547688 w 1147764"/>
+                <a:gd name="connsiteY2-46" fmla="*/ 348379 h 348379"/>
+                <a:gd name="connsiteX3-47" fmla="*/ 0 w 1147764"/>
+                <a:gd name="connsiteY3-48" fmla="*/ 181691 h 348379"/>
+                <a:gd name="connsiteX0-49" fmla="*/ 452437 w 1600201"/>
+                <a:gd name="connsiteY0-50" fmla="*/ 181691 h 732554"/>
+                <a:gd name="connsiteX1-51" fmla="*/ 1600201 w 1600201"/>
+                <a:gd name="connsiteY1-52" fmla="*/ 0 h 732554"/>
+                <a:gd name="connsiteX2-53" fmla="*/ 0 w 1600201"/>
+                <a:gd name="connsiteY2-54" fmla="*/ 732554 h 732554"/>
+                <a:gd name="connsiteX3-55" fmla="*/ 452437 w 1600201"/>
+                <a:gd name="connsiteY3-56" fmla="*/ 181691 h 732554"/>
+                <a:gd name="connsiteX0-57" fmla="*/ 547687 w 1600201"/>
+                <a:gd name="connsiteY0-58" fmla="*/ 0 h 957263"/>
+                <a:gd name="connsiteX1-59" fmla="*/ 1600201 w 1600201"/>
+                <a:gd name="connsiteY1-60" fmla="*/ 224709 h 957263"/>
+                <a:gd name="connsiteX2-61" fmla="*/ 0 w 1600201"/>
+                <a:gd name="connsiteY2-62" fmla="*/ 957263 h 957263"/>
+                <a:gd name="connsiteX3-63" fmla="*/ 547687 w 1600201"/>
+                <a:gd name="connsiteY3-64" fmla="*/ 0 h 957263"/>
+                <a:gd name="connsiteX0-65" fmla="*/ 547687 w 1162051"/>
+                <a:gd name="connsiteY0-66" fmla="*/ 349966 h 1307229"/>
+                <a:gd name="connsiteX1-67" fmla="*/ 1162051 w 1162051"/>
+                <a:gd name="connsiteY1-68" fmla="*/ 0 h 1307229"/>
+                <a:gd name="connsiteX2-69" fmla="*/ 0 w 1162051"/>
+                <a:gd name="connsiteY2-70" fmla="*/ 1307229 h 1307229"/>
+                <a:gd name="connsiteX3-71" fmla="*/ 547687 w 1162051"/>
+                <a:gd name="connsiteY3-72" fmla="*/ 349966 h 1307229"/>
               </a:gdLst>
               <a:ahLst/>
               <a:cxnLst>
                 <a:cxn ang="0">
-                  <a:pos x="connsiteX0" y="connsiteY0"/>
+                  <a:pos x="connsiteX0-1" y="connsiteY0-2"/>
                 </a:cxn>
                 <a:cxn ang="0">
-                  <a:pos x="connsiteX1" y="connsiteY1"/>
+                  <a:pos x="connsiteX1-3" y="connsiteY1-4"/>
                 </a:cxn>
                 <a:cxn ang="0">
-                  <a:pos x="connsiteX2" y="connsiteY2"/>
+                  <a:pos x="connsiteX2-5" y="connsiteY2-6"/>
                 </a:cxn>
                 <a:cxn ang="0">
-                  <a:pos x="connsiteX3" y="connsiteY3"/>
+                  <a:pos x="connsiteX3-7" y="connsiteY3-8"/>
                 </a:cxn>
               </a:cxnLst>
               <a:rect l="l" t="t" r="r" b="b"/>
@@ -8429,44 +8513,44 @@
                 <a:gd name="connsiteY2" fmla="*/ 877762 h 877762"/>
                 <a:gd name="connsiteX3" fmla="*/ 0 w 1141417"/>
                 <a:gd name="connsiteY3" fmla="*/ 877762 h 877762"/>
-                <a:gd name="connsiteX0" fmla="*/ 0 w 1833567"/>
-                <a:gd name="connsiteY0" fmla="*/ 877762 h 877762"/>
-                <a:gd name="connsiteX1" fmla="*/ 570709 w 1833567"/>
-                <a:gd name="connsiteY1" fmla="*/ 0 h 877762"/>
-                <a:gd name="connsiteX2" fmla="*/ 1833567 w 1833567"/>
-                <a:gd name="connsiteY2" fmla="*/ 433262 h 877762"/>
-                <a:gd name="connsiteX3" fmla="*/ 0 w 1833567"/>
-                <a:gd name="connsiteY3" fmla="*/ 877762 h 877762"/>
-                <a:gd name="connsiteX0" fmla="*/ 0 w 1268417"/>
-                <a:gd name="connsiteY0" fmla="*/ 426912 h 433262"/>
-                <a:gd name="connsiteX1" fmla="*/ 5559 w 1268417"/>
-                <a:gd name="connsiteY1" fmla="*/ 0 h 433262"/>
-                <a:gd name="connsiteX2" fmla="*/ 1268417 w 1268417"/>
-                <a:gd name="connsiteY2" fmla="*/ 433262 h 433262"/>
-                <a:gd name="connsiteX3" fmla="*/ 0 w 1268417"/>
-                <a:gd name="connsiteY3" fmla="*/ 426912 h 433262"/>
-                <a:gd name="connsiteX0" fmla="*/ 0 w 1474792"/>
-                <a:gd name="connsiteY0" fmla="*/ 557087 h 557087"/>
-                <a:gd name="connsiteX1" fmla="*/ 211934 w 1474792"/>
-                <a:gd name="connsiteY1" fmla="*/ 0 h 557087"/>
-                <a:gd name="connsiteX2" fmla="*/ 1474792 w 1474792"/>
-                <a:gd name="connsiteY2" fmla="*/ 433262 h 557087"/>
-                <a:gd name="connsiteX3" fmla="*/ 0 w 1474792"/>
-                <a:gd name="connsiteY3" fmla="*/ 557087 h 557087"/>
+                <a:gd name="connsiteX0-1" fmla="*/ 0 w 1833567"/>
+                <a:gd name="connsiteY0-2" fmla="*/ 877762 h 877762"/>
+                <a:gd name="connsiteX1-3" fmla="*/ 570709 w 1833567"/>
+                <a:gd name="connsiteY1-4" fmla="*/ 0 h 877762"/>
+                <a:gd name="connsiteX2-5" fmla="*/ 1833567 w 1833567"/>
+                <a:gd name="connsiteY2-6" fmla="*/ 433262 h 877762"/>
+                <a:gd name="connsiteX3-7" fmla="*/ 0 w 1833567"/>
+                <a:gd name="connsiteY3-8" fmla="*/ 877762 h 877762"/>
+                <a:gd name="connsiteX0-9" fmla="*/ 0 w 1268417"/>
+                <a:gd name="connsiteY0-10" fmla="*/ 426912 h 433262"/>
+                <a:gd name="connsiteX1-11" fmla="*/ 5559 w 1268417"/>
+                <a:gd name="connsiteY1-12" fmla="*/ 0 h 433262"/>
+                <a:gd name="connsiteX2-13" fmla="*/ 1268417 w 1268417"/>
+                <a:gd name="connsiteY2-14" fmla="*/ 433262 h 433262"/>
+                <a:gd name="connsiteX3-15" fmla="*/ 0 w 1268417"/>
+                <a:gd name="connsiteY3-16" fmla="*/ 426912 h 433262"/>
+                <a:gd name="connsiteX0-17" fmla="*/ 0 w 1474792"/>
+                <a:gd name="connsiteY0-18" fmla="*/ 557087 h 557087"/>
+                <a:gd name="connsiteX1-19" fmla="*/ 211934 w 1474792"/>
+                <a:gd name="connsiteY1-20" fmla="*/ 0 h 557087"/>
+                <a:gd name="connsiteX2-21" fmla="*/ 1474792 w 1474792"/>
+                <a:gd name="connsiteY2-22" fmla="*/ 433262 h 557087"/>
+                <a:gd name="connsiteX3-23" fmla="*/ 0 w 1474792"/>
+                <a:gd name="connsiteY3-24" fmla="*/ 557087 h 557087"/>
               </a:gdLst>
               <a:ahLst/>
               <a:cxnLst>
                 <a:cxn ang="0">
-                  <a:pos x="connsiteX0" y="connsiteY0"/>
+                  <a:pos x="connsiteX0-1" y="connsiteY0-2"/>
                 </a:cxn>
                 <a:cxn ang="0">
-                  <a:pos x="connsiteX1" y="connsiteY1"/>
+                  <a:pos x="connsiteX1-3" y="connsiteY1-4"/>
                 </a:cxn>
                 <a:cxn ang="0">
-                  <a:pos x="connsiteX2" y="connsiteY2"/>
+                  <a:pos x="connsiteX2-5" y="connsiteY2-6"/>
                 </a:cxn>
                 <a:cxn ang="0">
-                  <a:pos x="connsiteX3" y="connsiteY3"/>
+                  <a:pos x="connsiteX3-7" y="connsiteY3-8"/>
                 </a:cxn>
               </a:cxnLst>
               <a:rect l="l" t="t" r="r" b="b"/>
@@ -8544,44 +8628,44 @@
                 <a:gd name="connsiteY2" fmla="*/ 215029 h 215029"/>
                 <a:gd name="connsiteX3" fmla="*/ 0 w 628650"/>
                 <a:gd name="connsiteY3" fmla="*/ 215029 h 215029"/>
-                <a:gd name="connsiteX0" fmla="*/ 14287 w 642937"/>
-                <a:gd name="connsiteY0" fmla="*/ 186454 h 186454"/>
-                <a:gd name="connsiteX1" fmla="*/ 0 w 642937"/>
-                <a:gd name="connsiteY1" fmla="*/ 0 h 186454"/>
-                <a:gd name="connsiteX2" fmla="*/ 642937 w 642937"/>
-                <a:gd name="connsiteY2" fmla="*/ 186454 h 186454"/>
-                <a:gd name="connsiteX3" fmla="*/ 14287 w 642937"/>
-                <a:gd name="connsiteY3" fmla="*/ 186454 h 186454"/>
-                <a:gd name="connsiteX0" fmla="*/ 14287 w 995362"/>
-                <a:gd name="connsiteY0" fmla="*/ 186454 h 641273"/>
-                <a:gd name="connsiteX1" fmla="*/ 0 w 995362"/>
-                <a:gd name="connsiteY1" fmla="*/ 0 h 641273"/>
-                <a:gd name="connsiteX2" fmla="*/ 995362 w 995362"/>
-                <a:gd name="connsiteY2" fmla="*/ 641273 h 641273"/>
-                <a:gd name="connsiteX3" fmla="*/ 14287 w 995362"/>
-                <a:gd name="connsiteY3" fmla="*/ 186454 h 641273"/>
-                <a:gd name="connsiteX0" fmla="*/ 0 w 1245394"/>
-                <a:gd name="connsiteY0" fmla="*/ 203123 h 641273"/>
-                <a:gd name="connsiteX1" fmla="*/ 250032 w 1245394"/>
-                <a:gd name="connsiteY1" fmla="*/ 0 h 641273"/>
-                <a:gd name="connsiteX2" fmla="*/ 1245394 w 1245394"/>
-                <a:gd name="connsiteY2" fmla="*/ 641273 h 641273"/>
-                <a:gd name="connsiteX3" fmla="*/ 0 w 1245394"/>
-                <a:gd name="connsiteY3" fmla="*/ 203123 h 641273"/>
+                <a:gd name="connsiteX0-1" fmla="*/ 14287 w 642937"/>
+                <a:gd name="connsiteY0-2" fmla="*/ 186454 h 186454"/>
+                <a:gd name="connsiteX1-3" fmla="*/ 0 w 642937"/>
+                <a:gd name="connsiteY1-4" fmla="*/ 0 h 186454"/>
+                <a:gd name="connsiteX2-5" fmla="*/ 642937 w 642937"/>
+                <a:gd name="connsiteY2-6" fmla="*/ 186454 h 186454"/>
+                <a:gd name="connsiteX3-7" fmla="*/ 14287 w 642937"/>
+                <a:gd name="connsiteY3-8" fmla="*/ 186454 h 186454"/>
+                <a:gd name="connsiteX0-9" fmla="*/ 14287 w 995362"/>
+                <a:gd name="connsiteY0-10" fmla="*/ 186454 h 641273"/>
+                <a:gd name="connsiteX1-11" fmla="*/ 0 w 995362"/>
+                <a:gd name="connsiteY1-12" fmla="*/ 0 h 641273"/>
+                <a:gd name="connsiteX2-13" fmla="*/ 995362 w 995362"/>
+                <a:gd name="connsiteY2-14" fmla="*/ 641273 h 641273"/>
+                <a:gd name="connsiteX3-15" fmla="*/ 14287 w 995362"/>
+                <a:gd name="connsiteY3-16" fmla="*/ 186454 h 641273"/>
+                <a:gd name="connsiteX0-17" fmla="*/ 0 w 1245394"/>
+                <a:gd name="connsiteY0-18" fmla="*/ 203123 h 641273"/>
+                <a:gd name="connsiteX1-19" fmla="*/ 250032 w 1245394"/>
+                <a:gd name="connsiteY1-20" fmla="*/ 0 h 641273"/>
+                <a:gd name="connsiteX2-21" fmla="*/ 1245394 w 1245394"/>
+                <a:gd name="connsiteY2-22" fmla="*/ 641273 h 641273"/>
+                <a:gd name="connsiteX3-23" fmla="*/ 0 w 1245394"/>
+                <a:gd name="connsiteY3-24" fmla="*/ 203123 h 641273"/>
               </a:gdLst>
               <a:ahLst/>
               <a:cxnLst>
                 <a:cxn ang="0">
-                  <a:pos x="connsiteX0" y="connsiteY0"/>
+                  <a:pos x="connsiteX0-1" y="connsiteY0-2"/>
                 </a:cxn>
                 <a:cxn ang="0">
-                  <a:pos x="connsiteX1" y="connsiteY1"/>
+                  <a:pos x="connsiteX1-3" y="connsiteY1-4"/>
                 </a:cxn>
                 <a:cxn ang="0">
-                  <a:pos x="connsiteX2" y="connsiteY2"/>
+                  <a:pos x="connsiteX2-5" y="connsiteY2-6"/>
                 </a:cxn>
                 <a:cxn ang="0">
-                  <a:pos x="connsiteX3" y="connsiteY3"/>
+                  <a:pos x="connsiteX3-7" y="connsiteY3-8"/>
                 </a:cxn>
               </a:cxnLst>
               <a:rect l="l" t="t" r="r" b="b"/>
@@ -8659,44 +8743,44 @@
                 <a:gd name="connsiteY2" fmla="*/ 702844 h 702844"/>
                 <a:gd name="connsiteX3" fmla="*/ 0 w 1634073"/>
                 <a:gd name="connsiteY3" fmla="*/ 702844 h 702844"/>
-                <a:gd name="connsiteX0" fmla="*/ 0 w 1767688"/>
-                <a:gd name="connsiteY0" fmla="*/ 807522 h 807522"/>
-                <a:gd name="connsiteX1" fmla="*/ 546153 w 1767688"/>
-                <a:gd name="connsiteY1" fmla="*/ 0 h 807522"/>
-                <a:gd name="connsiteX2" fmla="*/ 1767688 w 1767688"/>
-                <a:gd name="connsiteY2" fmla="*/ 702844 h 807522"/>
-                <a:gd name="connsiteX3" fmla="*/ 0 w 1767688"/>
-                <a:gd name="connsiteY3" fmla="*/ 807522 h 807522"/>
-                <a:gd name="connsiteX0" fmla="*/ 0 w 1793112"/>
-                <a:gd name="connsiteY0" fmla="*/ 807522 h 807522"/>
-                <a:gd name="connsiteX1" fmla="*/ 546153 w 1793112"/>
-                <a:gd name="connsiteY1" fmla="*/ 0 h 807522"/>
-                <a:gd name="connsiteX2" fmla="*/ 1793112 w 1793112"/>
-                <a:gd name="connsiteY2" fmla="*/ 802128 h 807522"/>
-                <a:gd name="connsiteX3" fmla="*/ 0 w 1793112"/>
-                <a:gd name="connsiteY3" fmla="*/ 807522 h 807522"/>
-                <a:gd name="connsiteX0" fmla="*/ 0 w 1793112"/>
-                <a:gd name="connsiteY0" fmla="*/ 804826 h 804826"/>
-                <a:gd name="connsiteX1" fmla="*/ 466633 w 1793112"/>
-                <a:gd name="connsiteY1" fmla="*/ 0 h 804826"/>
-                <a:gd name="connsiteX2" fmla="*/ 1793112 w 1793112"/>
-                <a:gd name="connsiteY2" fmla="*/ 799432 h 804826"/>
-                <a:gd name="connsiteX3" fmla="*/ 0 w 1793112"/>
-                <a:gd name="connsiteY3" fmla="*/ 804826 h 804826"/>
+                <a:gd name="connsiteX0-1" fmla="*/ 0 w 1767688"/>
+                <a:gd name="connsiteY0-2" fmla="*/ 807522 h 807522"/>
+                <a:gd name="connsiteX1-3" fmla="*/ 546153 w 1767688"/>
+                <a:gd name="connsiteY1-4" fmla="*/ 0 h 807522"/>
+                <a:gd name="connsiteX2-5" fmla="*/ 1767688 w 1767688"/>
+                <a:gd name="connsiteY2-6" fmla="*/ 702844 h 807522"/>
+                <a:gd name="connsiteX3-7" fmla="*/ 0 w 1767688"/>
+                <a:gd name="connsiteY3-8" fmla="*/ 807522 h 807522"/>
+                <a:gd name="connsiteX0-9" fmla="*/ 0 w 1793112"/>
+                <a:gd name="connsiteY0-10" fmla="*/ 807522 h 807522"/>
+                <a:gd name="connsiteX1-11" fmla="*/ 546153 w 1793112"/>
+                <a:gd name="connsiteY1-12" fmla="*/ 0 h 807522"/>
+                <a:gd name="connsiteX2-13" fmla="*/ 1793112 w 1793112"/>
+                <a:gd name="connsiteY2-14" fmla="*/ 802128 h 807522"/>
+                <a:gd name="connsiteX3-15" fmla="*/ 0 w 1793112"/>
+                <a:gd name="connsiteY3-16" fmla="*/ 807522 h 807522"/>
+                <a:gd name="connsiteX0-17" fmla="*/ 0 w 1793112"/>
+                <a:gd name="connsiteY0-18" fmla="*/ 804826 h 804826"/>
+                <a:gd name="connsiteX1-19" fmla="*/ 466633 w 1793112"/>
+                <a:gd name="connsiteY1-20" fmla="*/ 0 h 804826"/>
+                <a:gd name="connsiteX2-21" fmla="*/ 1793112 w 1793112"/>
+                <a:gd name="connsiteY2-22" fmla="*/ 799432 h 804826"/>
+                <a:gd name="connsiteX3-23" fmla="*/ 0 w 1793112"/>
+                <a:gd name="connsiteY3-24" fmla="*/ 804826 h 804826"/>
               </a:gdLst>
               <a:ahLst/>
               <a:cxnLst>
                 <a:cxn ang="0">
-                  <a:pos x="connsiteX0" y="connsiteY0"/>
+                  <a:pos x="connsiteX0-1" y="connsiteY0-2"/>
                 </a:cxn>
                 <a:cxn ang="0">
-                  <a:pos x="connsiteX1" y="connsiteY1"/>
+                  <a:pos x="connsiteX1-3" y="connsiteY1-4"/>
                 </a:cxn>
                 <a:cxn ang="0">
-                  <a:pos x="connsiteX2" y="connsiteY2"/>
+                  <a:pos x="connsiteX2-5" y="connsiteY2-6"/>
                 </a:cxn>
                 <a:cxn ang="0">
-                  <a:pos x="connsiteX3" y="connsiteY3"/>
+                  <a:pos x="connsiteX3-7" y="connsiteY3-8"/>
                 </a:cxn>
               </a:cxnLst>
               <a:rect l="l" t="t" r="r" b="b"/>
@@ -9224,76 +9308,76 @@
                 <a:gd name="connsiteY2" fmla="*/ 877762 h 877762"/>
                 <a:gd name="connsiteX3" fmla="*/ 0 w 1141417"/>
                 <a:gd name="connsiteY3" fmla="*/ 877762 h 877762"/>
-                <a:gd name="connsiteX0" fmla="*/ 0 w 1833567"/>
-                <a:gd name="connsiteY0" fmla="*/ 877762 h 877762"/>
-                <a:gd name="connsiteX1" fmla="*/ 570709 w 1833567"/>
-                <a:gd name="connsiteY1" fmla="*/ 0 h 877762"/>
-                <a:gd name="connsiteX2" fmla="*/ 1833567 w 1833567"/>
-                <a:gd name="connsiteY2" fmla="*/ 433262 h 877762"/>
-                <a:gd name="connsiteX3" fmla="*/ 0 w 1833567"/>
-                <a:gd name="connsiteY3" fmla="*/ 877762 h 877762"/>
-                <a:gd name="connsiteX0" fmla="*/ 0 w 1268417"/>
-                <a:gd name="connsiteY0" fmla="*/ 426912 h 433262"/>
-                <a:gd name="connsiteX1" fmla="*/ 5559 w 1268417"/>
-                <a:gd name="connsiteY1" fmla="*/ 0 h 433262"/>
-                <a:gd name="connsiteX2" fmla="*/ 1268417 w 1268417"/>
-                <a:gd name="connsiteY2" fmla="*/ 433262 h 433262"/>
-                <a:gd name="connsiteX3" fmla="*/ 0 w 1268417"/>
-                <a:gd name="connsiteY3" fmla="*/ 426912 h 433262"/>
-                <a:gd name="connsiteX0" fmla="*/ 0 w 1474792"/>
-                <a:gd name="connsiteY0" fmla="*/ 557087 h 557087"/>
-                <a:gd name="connsiteX1" fmla="*/ 211934 w 1474792"/>
-                <a:gd name="connsiteY1" fmla="*/ 0 h 557087"/>
-                <a:gd name="connsiteX2" fmla="*/ 1474792 w 1474792"/>
-                <a:gd name="connsiteY2" fmla="*/ 433262 h 557087"/>
-                <a:gd name="connsiteX3" fmla="*/ 0 w 1474792"/>
-                <a:gd name="connsiteY3" fmla="*/ 557087 h 557087"/>
-                <a:gd name="connsiteX0" fmla="*/ 0 w 579442"/>
-                <a:gd name="connsiteY0" fmla="*/ 557087 h 557087"/>
-                <a:gd name="connsiteX1" fmla="*/ 211934 w 579442"/>
-                <a:gd name="connsiteY1" fmla="*/ 0 h 557087"/>
-                <a:gd name="connsiteX2" fmla="*/ 579442 w 579442"/>
-                <a:gd name="connsiteY2" fmla="*/ 273719 h 557087"/>
-                <a:gd name="connsiteX3" fmla="*/ 0 w 579442"/>
-                <a:gd name="connsiteY3" fmla="*/ 557087 h 557087"/>
-                <a:gd name="connsiteX0" fmla="*/ 0 w 758036"/>
-                <a:gd name="connsiteY0" fmla="*/ 557087 h 557087"/>
-                <a:gd name="connsiteX1" fmla="*/ 211934 w 758036"/>
-                <a:gd name="connsiteY1" fmla="*/ 0 h 557087"/>
-                <a:gd name="connsiteX2" fmla="*/ 758036 w 758036"/>
-                <a:gd name="connsiteY2" fmla="*/ 164181 h 557087"/>
-                <a:gd name="connsiteX3" fmla="*/ 0 w 758036"/>
-                <a:gd name="connsiteY3" fmla="*/ 557087 h 557087"/>
-                <a:gd name="connsiteX0" fmla="*/ 0 w 569917"/>
-                <a:gd name="connsiteY0" fmla="*/ 1145256 h 1145256"/>
-                <a:gd name="connsiteX1" fmla="*/ 23815 w 569917"/>
-                <a:gd name="connsiteY1" fmla="*/ 0 h 1145256"/>
-                <a:gd name="connsiteX2" fmla="*/ 569917 w 569917"/>
-                <a:gd name="connsiteY2" fmla="*/ 164181 h 1145256"/>
-                <a:gd name="connsiteX3" fmla="*/ 0 w 569917"/>
-                <a:gd name="connsiteY3" fmla="*/ 1145256 h 1145256"/>
-                <a:gd name="connsiteX0" fmla="*/ 0 w 560392"/>
-                <a:gd name="connsiteY0" fmla="*/ 1135731 h 1135731"/>
-                <a:gd name="connsiteX1" fmla="*/ 14290 w 560392"/>
-                <a:gd name="connsiteY1" fmla="*/ 0 h 1135731"/>
-                <a:gd name="connsiteX2" fmla="*/ 560392 w 560392"/>
-                <a:gd name="connsiteY2" fmla="*/ 164181 h 1135731"/>
-                <a:gd name="connsiteX3" fmla="*/ 0 w 560392"/>
-                <a:gd name="connsiteY3" fmla="*/ 1135731 h 1135731"/>
+                <a:gd name="connsiteX0-1" fmla="*/ 0 w 1833567"/>
+                <a:gd name="connsiteY0-2" fmla="*/ 877762 h 877762"/>
+                <a:gd name="connsiteX1-3" fmla="*/ 570709 w 1833567"/>
+                <a:gd name="connsiteY1-4" fmla="*/ 0 h 877762"/>
+                <a:gd name="connsiteX2-5" fmla="*/ 1833567 w 1833567"/>
+                <a:gd name="connsiteY2-6" fmla="*/ 433262 h 877762"/>
+                <a:gd name="connsiteX3-7" fmla="*/ 0 w 1833567"/>
+                <a:gd name="connsiteY3-8" fmla="*/ 877762 h 877762"/>
+                <a:gd name="connsiteX0-9" fmla="*/ 0 w 1268417"/>
+                <a:gd name="connsiteY0-10" fmla="*/ 426912 h 433262"/>
+                <a:gd name="connsiteX1-11" fmla="*/ 5559 w 1268417"/>
+                <a:gd name="connsiteY1-12" fmla="*/ 0 h 433262"/>
+                <a:gd name="connsiteX2-13" fmla="*/ 1268417 w 1268417"/>
+                <a:gd name="connsiteY2-14" fmla="*/ 433262 h 433262"/>
+                <a:gd name="connsiteX3-15" fmla="*/ 0 w 1268417"/>
+                <a:gd name="connsiteY3-16" fmla="*/ 426912 h 433262"/>
+                <a:gd name="connsiteX0-17" fmla="*/ 0 w 1474792"/>
+                <a:gd name="connsiteY0-18" fmla="*/ 557087 h 557087"/>
+                <a:gd name="connsiteX1-19" fmla="*/ 211934 w 1474792"/>
+                <a:gd name="connsiteY1-20" fmla="*/ 0 h 557087"/>
+                <a:gd name="connsiteX2-21" fmla="*/ 1474792 w 1474792"/>
+                <a:gd name="connsiteY2-22" fmla="*/ 433262 h 557087"/>
+                <a:gd name="connsiteX3-23" fmla="*/ 0 w 1474792"/>
+                <a:gd name="connsiteY3-24" fmla="*/ 557087 h 557087"/>
+                <a:gd name="connsiteX0-25" fmla="*/ 0 w 579442"/>
+                <a:gd name="connsiteY0-26" fmla="*/ 557087 h 557087"/>
+                <a:gd name="connsiteX1-27" fmla="*/ 211934 w 579442"/>
+                <a:gd name="connsiteY1-28" fmla="*/ 0 h 557087"/>
+                <a:gd name="connsiteX2-29" fmla="*/ 579442 w 579442"/>
+                <a:gd name="connsiteY2-30" fmla="*/ 273719 h 557087"/>
+                <a:gd name="connsiteX3-31" fmla="*/ 0 w 579442"/>
+                <a:gd name="connsiteY3-32" fmla="*/ 557087 h 557087"/>
+                <a:gd name="connsiteX0-33" fmla="*/ 0 w 758036"/>
+                <a:gd name="connsiteY0-34" fmla="*/ 557087 h 557087"/>
+                <a:gd name="connsiteX1-35" fmla="*/ 211934 w 758036"/>
+                <a:gd name="connsiteY1-36" fmla="*/ 0 h 557087"/>
+                <a:gd name="connsiteX2-37" fmla="*/ 758036 w 758036"/>
+                <a:gd name="connsiteY2-38" fmla="*/ 164181 h 557087"/>
+                <a:gd name="connsiteX3-39" fmla="*/ 0 w 758036"/>
+                <a:gd name="connsiteY3-40" fmla="*/ 557087 h 557087"/>
+                <a:gd name="connsiteX0-41" fmla="*/ 0 w 569917"/>
+                <a:gd name="connsiteY0-42" fmla="*/ 1145256 h 1145256"/>
+                <a:gd name="connsiteX1-43" fmla="*/ 23815 w 569917"/>
+                <a:gd name="connsiteY1-44" fmla="*/ 0 h 1145256"/>
+                <a:gd name="connsiteX2-45" fmla="*/ 569917 w 569917"/>
+                <a:gd name="connsiteY2-46" fmla="*/ 164181 h 1145256"/>
+                <a:gd name="connsiteX3-47" fmla="*/ 0 w 569917"/>
+                <a:gd name="connsiteY3-48" fmla="*/ 1145256 h 1145256"/>
+                <a:gd name="connsiteX0-49" fmla="*/ 0 w 560392"/>
+                <a:gd name="connsiteY0-50" fmla="*/ 1135731 h 1135731"/>
+                <a:gd name="connsiteX1-51" fmla="*/ 14290 w 560392"/>
+                <a:gd name="connsiteY1-52" fmla="*/ 0 h 1135731"/>
+                <a:gd name="connsiteX2-53" fmla="*/ 560392 w 560392"/>
+                <a:gd name="connsiteY2-54" fmla="*/ 164181 h 1135731"/>
+                <a:gd name="connsiteX3-55" fmla="*/ 0 w 560392"/>
+                <a:gd name="connsiteY3-56" fmla="*/ 1135731 h 1135731"/>
               </a:gdLst>
               <a:ahLst/>
               <a:cxnLst>
                 <a:cxn ang="0">
-                  <a:pos x="connsiteX0" y="connsiteY0"/>
+                  <a:pos x="connsiteX0-1" y="connsiteY0-2"/>
                 </a:cxn>
                 <a:cxn ang="0">
-                  <a:pos x="connsiteX1" y="connsiteY1"/>
+                  <a:pos x="connsiteX1-3" y="connsiteY1-4"/>
                 </a:cxn>
                 <a:cxn ang="0">
-                  <a:pos x="connsiteX2" y="connsiteY2"/>
+                  <a:pos x="connsiteX2-5" y="connsiteY2-6"/>
                 </a:cxn>
                 <a:cxn ang="0">
-                  <a:pos x="connsiteX3" y="connsiteY3"/>
+                  <a:pos x="connsiteX3-7" y="connsiteY3-8"/>
                 </a:cxn>
               </a:cxnLst>
               <a:rect l="l" t="t" r="r" b="b"/>
@@ -9419,68 +9503,68 @@
                 <a:gd name="connsiteY2" fmla="*/ 215029 h 215029"/>
                 <a:gd name="connsiteX3" fmla="*/ 0 w 628650"/>
                 <a:gd name="connsiteY3" fmla="*/ 215029 h 215029"/>
-                <a:gd name="connsiteX0" fmla="*/ 14287 w 642937"/>
-                <a:gd name="connsiteY0" fmla="*/ 186454 h 186454"/>
-                <a:gd name="connsiteX1" fmla="*/ 0 w 642937"/>
-                <a:gd name="connsiteY1" fmla="*/ 0 h 186454"/>
-                <a:gd name="connsiteX2" fmla="*/ 642937 w 642937"/>
-                <a:gd name="connsiteY2" fmla="*/ 186454 h 186454"/>
-                <a:gd name="connsiteX3" fmla="*/ 14287 w 642937"/>
-                <a:gd name="connsiteY3" fmla="*/ 186454 h 186454"/>
-                <a:gd name="connsiteX0" fmla="*/ 14287 w 995362"/>
-                <a:gd name="connsiteY0" fmla="*/ 186454 h 641273"/>
-                <a:gd name="connsiteX1" fmla="*/ 0 w 995362"/>
-                <a:gd name="connsiteY1" fmla="*/ 0 h 641273"/>
-                <a:gd name="connsiteX2" fmla="*/ 995362 w 995362"/>
-                <a:gd name="connsiteY2" fmla="*/ 641273 h 641273"/>
-                <a:gd name="connsiteX3" fmla="*/ 14287 w 995362"/>
-                <a:gd name="connsiteY3" fmla="*/ 186454 h 641273"/>
-                <a:gd name="connsiteX0" fmla="*/ 0 w 1245394"/>
-                <a:gd name="connsiteY0" fmla="*/ 203123 h 641273"/>
-                <a:gd name="connsiteX1" fmla="*/ 250032 w 1245394"/>
-                <a:gd name="connsiteY1" fmla="*/ 0 h 641273"/>
-                <a:gd name="connsiteX2" fmla="*/ 1245394 w 1245394"/>
-                <a:gd name="connsiteY2" fmla="*/ 641273 h 641273"/>
-                <a:gd name="connsiteX3" fmla="*/ 0 w 1245394"/>
-                <a:gd name="connsiteY3" fmla="*/ 203123 h 641273"/>
-                <a:gd name="connsiteX0" fmla="*/ 0 w 1774032"/>
-                <a:gd name="connsiteY0" fmla="*/ 112635 h 641273"/>
-                <a:gd name="connsiteX1" fmla="*/ 778670 w 1774032"/>
-                <a:gd name="connsiteY1" fmla="*/ 0 h 641273"/>
-                <a:gd name="connsiteX2" fmla="*/ 1774032 w 1774032"/>
-                <a:gd name="connsiteY2" fmla="*/ 641273 h 641273"/>
-                <a:gd name="connsiteX3" fmla="*/ 0 w 1774032"/>
-                <a:gd name="connsiteY3" fmla="*/ 112635 h 641273"/>
-                <a:gd name="connsiteX0" fmla="*/ 0 w 1774032"/>
-                <a:gd name="connsiteY0" fmla="*/ 181691 h 710329"/>
-                <a:gd name="connsiteX1" fmla="*/ 1147764 w 1774032"/>
-                <a:gd name="connsiteY1" fmla="*/ 0 h 710329"/>
-                <a:gd name="connsiteX2" fmla="*/ 1774032 w 1774032"/>
-                <a:gd name="connsiteY2" fmla="*/ 710329 h 710329"/>
-                <a:gd name="connsiteX3" fmla="*/ 0 w 1774032"/>
-                <a:gd name="connsiteY3" fmla="*/ 181691 h 710329"/>
-                <a:gd name="connsiteX0" fmla="*/ 0 w 1147764"/>
-                <a:gd name="connsiteY0" fmla="*/ 181691 h 348379"/>
-                <a:gd name="connsiteX1" fmla="*/ 1147764 w 1147764"/>
-                <a:gd name="connsiteY1" fmla="*/ 0 h 348379"/>
-                <a:gd name="connsiteX2" fmla="*/ 547688 w 1147764"/>
-                <a:gd name="connsiteY2" fmla="*/ 348379 h 348379"/>
-                <a:gd name="connsiteX3" fmla="*/ 0 w 1147764"/>
-                <a:gd name="connsiteY3" fmla="*/ 181691 h 348379"/>
+                <a:gd name="connsiteX0-1" fmla="*/ 14287 w 642937"/>
+                <a:gd name="connsiteY0-2" fmla="*/ 186454 h 186454"/>
+                <a:gd name="connsiteX1-3" fmla="*/ 0 w 642937"/>
+                <a:gd name="connsiteY1-4" fmla="*/ 0 h 186454"/>
+                <a:gd name="connsiteX2-5" fmla="*/ 642937 w 642937"/>
+                <a:gd name="connsiteY2-6" fmla="*/ 186454 h 186454"/>
+                <a:gd name="connsiteX3-7" fmla="*/ 14287 w 642937"/>
+                <a:gd name="connsiteY3-8" fmla="*/ 186454 h 186454"/>
+                <a:gd name="connsiteX0-9" fmla="*/ 14287 w 995362"/>
+                <a:gd name="connsiteY0-10" fmla="*/ 186454 h 641273"/>
+                <a:gd name="connsiteX1-11" fmla="*/ 0 w 995362"/>
+                <a:gd name="connsiteY1-12" fmla="*/ 0 h 641273"/>
+                <a:gd name="connsiteX2-13" fmla="*/ 995362 w 995362"/>
+                <a:gd name="connsiteY2-14" fmla="*/ 641273 h 641273"/>
+                <a:gd name="connsiteX3-15" fmla="*/ 14287 w 995362"/>
+                <a:gd name="connsiteY3-16" fmla="*/ 186454 h 641273"/>
+                <a:gd name="connsiteX0-17" fmla="*/ 0 w 1245394"/>
+                <a:gd name="connsiteY0-18" fmla="*/ 203123 h 641273"/>
+                <a:gd name="connsiteX1-19" fmla="*/ 250032 w 1245394"/>
+                <a:gd name="connsiteY1-20" fmla="*/ 0 h 641273"/>
+                <a:gd name="connsiteX2-21" fmla="*/ 1245394 w 1245394"/>
+                <a:gd name="connsiteY2-22" fmla="*/ 641273 h 641273"/>
+                <a:gd name="connsiteX3-23" fmla="*/ 0 w 1245394"/>
+                <a:gd name="connsiteY3-24" fmla="*/ 203123 h 641273"/>
+                <a:gd name="connsiteX0-25" fmla="*/ 0 w 1774032"/>
+                <a:gd name="connsiteY0-26" fmla="*/ 112635 h 641273"/>
+                <a:gd name="connsiteX1-27" fmla="*/ 778670 w 1774032"/>
+                <a:gd name="connsiteY1-28" fmla="*/ 0 h 641273"/>
+                <a:gd name="connsiteX2-29" fmla="*/ 1774032 w 1774032"/>
+                <a:gd name="connsiteY2-30" fmla="*/ 641273 h 641273"/>
+                <a:gd name="connsiteX3-31" fmla="*/ 0 w 1774032"/>
+                <a:gd name="connsiteY3-32" fmla="*/ 112635 h 641273"/>
+                <a:gd name="connsiteX0-33" fmla="*/ 0 w 1774032"/>
+                <a:gd name="connsiteY0-34" fmla="*/ 181691 h 710329"/>
+                <a:gd name="connsiteX1-35" fmla="*/ 1147764 w 1774032"/>
+                <a:gd name="connsiteY1-36" fmla="*/ 0 h 710329"/>
+                <a:gd name="connsiteX2-37" fmla="*/ 1774032 w 1774032"/>
+                <a:gd name="connsiteY2-38" fmla="*/ 710329 h 710329"/>
+                <a:gd name="connsiteX3-39" fmla="*/ 0 w 1774032"/>
+                <a:gd name="connsiteY3-40" fmla="*/ 181691 h 710329"/>
+                <a:gd name="connsiteX0-41" fmla="*/ 0 w 1147764"/>
+                <a:gd name="connsiteY0-42" fmla="*/ 181691 h 348379"/>
+                <a:gd name="connsiteX1-43" fmla="*/ 1147764 w 1147764"/>
+                <a:gd name="connsiteY1-44" fmla="*/ 0 h 348379"/>
+                <a:gd name="connsiteX2-45" fmla="*/ 547688 w 1147764"/>
+                <a:gd name="connsiteY2-46" fmla="*/ 348379 h 348379"/>
+                <a:gd name="connsiteX3-47" fmla="*/ 0 w 1147764"/>
+                <a:gd name="connsiteY3-48" fmla="*/ 181691 h 348379"/>
               </a:gdLst>
               <a:ahLst/>
               <a:cxnLst>
                 <a:cxn ang="0">
-                  <a:pos x="connsiteX0" y="connsiteY0"/>
+                  <a:pos x="connsiteX0-1" y="connsiteY0-2"/>
                 </a:cxn>
                 <a:cxn ang="0">
-                  <a:pos x="connsiteX1" y="connsiteY1"/>
+                  <a:pos x="connsiteX1-3" y="connsiteY1-4"/>
                 </a:cxn>
                 <a:cxn ang="0">
-                  <a:pos x="connsiteX2" y="connsiteY2"/>
+                  <a:pos x="connsiteX2-5" y="connsiteY2-6"/>
                 </a:cxn>
                 <a:cxn ang="0">
-                  <a:pos x="connsiteX3" y="connsiteY3"/>
+                  <a:pos x="connsiteX3-7" y="connsiteY3-8"/>
                 </a:cxn>
               </a:cxnLst>
               <a:rect l="l" t="t" r="r" b="b"/>
@@ -9787,11 +9871,6 @@
         </p:txBody>
       </p:sp>
     </p:spTree>
-    <p:extLst>
-      <p:ext uri="{BB962C8B-B14F-4D97-AF65-F5344CB8AC3E}">
-        <p14:creationId xmlns:p14="http://schemas.microsoft.com/office/powerpoint/2010/main" val="2053996078"/>
-      </p:ext>
-    </p:extLst>
   </p:cSld>
   <p:clrMapOvr>
     <a:masterClrMapping/>
@@ -10047,11 +10126,6 @@
         </p:txBody>
       </p:sp>
     </p:spTree>
-    <p:extLst>
-      <p:ext uri="{BB962C8B-B14F-4D97-AF65-F5344CB8AC3E}">
-        <p14:creationId xmlns:p14="http://schemas.microsoft.com/office/powerpoint/2010/main" val="3564554923"/>
-      </p:ext>
-    </p:extLst>
   </p:cSld>
   <p:clrMapOvr>
     <a:masterClrMapping/>
@@ -10991,11 +11065,6 @@
         </p:txBody>
       </p:sp>
     </p:spTree>
-    <p:extLst>
-      <p:ext uri="{BB962C8B-B14F-4D97-AF65-F5344CB8AC3E}">
-        <p14:creationId xmlns:p14="http://schemas.microsoft.com/office/powerpoint/2010/main" val="2336518485"/>
-      </p:ext>
-    </p:extLst>
   </p:cSld>
   <p:clrMapOvr>
     <a:masterClrMapping/>
@@ -11769,15 +11838,13 @@
         </p:txBody>
       </p:sp>
     </p:spTree>
-    <p:extLst>
-      <p:ext uri="{BB962C8B-B14F-4D97-AF65-F5344CB8AC3E}">
-        <p14:creationId xmlns:p14="http://schemas.microsoft.com/office/powerpoint/2010/main" val="3847284818"/>
-      </p:ext>
-    </p:extLst>
   </p:cSld>
   <p:clrMapOvr>
     <a:masterClrMapping/>
   </p:clrMapOvr>
+  <p:transition>
+    <p:blinds dir="vert"/>
+  </p:transition>
   <p:timing>
     <p:tnLst>
       <p:par>
@@ -11980,11 +12047,6 @@
         </p:txBody>
       </p:sp>
     </p:spTree>
-    <p:extLst>
-      <p:ext uri="{BB962C8B-B14F-4D97-AF65-F5344CB8AC3E}">
-        <p14:creationId xmlns:p14="http://schemas.microsoft.com/office/powerpoint/2010/main" val="464412605"/>
-      </p:ext>
-    </p:extLst>
   </p:cSld>
   <p:clrMapOvr>
     <a:masterClrMapping/>
@@ -12533,11 +12595,6 @@
         </p:txBody>
       </p:sp>
     </p:spTree>
-    <p:extLst>
-      <p:ext uri="{BB962C8B-B14F-4D97-AF65-F5344CB8AC3E}">
-        <p14:creationId xmlns:p14="http://schemas.microsoft.com/office/powerpoint/2010/main" val="4244488815"/>
-      </p:ext>
-    </p:extLst>
   </p:cSld>
   <p:clrMapOvr>
     <a:masterClrMapping/>
@@ -13168,11 +13225,6 @@
         </p:txBody>
       </p:sp>
     </p:spTree>
-    <p:extLst>
-      <p:ext uri="{BB962C8B-B14F-4D97-AF65-F5344CB8AC3E}">
-        <p14:creationId xmlns:p14="http://schemas.microsoft.com/office/powerpoint/2010/main" val="219233842"/>
-      </p:ext>
-    </p:extLst>
   </p:cSld>
   <p:clrMapOvr>
     <a:masterClrMapping/>
@@ -13283,11 +13335,7 @@
             <a:pPr lvl="1"/>
             <a:r>
               <a:rPr lang="zh-CN" altLang="zh-CN" dirty="0" smtClean="0"/>
-              <a:t>是否存在错误</a:t>
-            </a:r>
-            <a:r>
-              <a:rPr lang="zh-CN" altLang="zh-CN" dirty="0" smtClean="0"/>
-              <a:t>的</a:t>
+              <a:t>是否存在错误的</a:t>
             </a:r>
             <a:r>
               <a:rPr lang="zh-CN" altLang="en-US" dirty="0"/>
@@ -13295,11 +13343,7 @@
             </a:r>
             <a:r>
               <a:rPr lang="zh-CN" altLang="zh-CN" dirty="0" smtClean="0"/>
-              <a:t>运算符</a:t>
-            </a:r>
-            <a:r>
-              <a:rPr lang="zh-CN" altLang="zh-CN" dirty="0" smtClean="0"/>
-              <a:t>或优先次序</a:t>
+              <a:t>运算符或优先次序</a:t>
             </a:r>
           </a:p>
           <a:p>
@@ -13319,11 +13363,6 @@
         </p:txBody>
       </p:sp>
     </p:spTree>
-    <p:extLst>
-      <p:ext uri="{BB962C8B-B14F-4D97-AF65-F5344CB8AC3E}">
-        <p14:creationId xmlns:p14="http://schemas.microsoft.com/office/powerpoint/2010/main" val="3813995881"/>
-      </p:ext>
-    </p:extLst>
   </p:cSld>
   <p:clrMapOvr>
     <a:masterClrMapping/>
@@ -14677,6 +14716,11 @@
       <a:clrMap bg1="lt1" tx1="dk1" bg2="lt2" tx2="dk2" accent1="accent1" accent2="accent2" accent3="accent3" accent4="accent4" accent5="accent5" accent6="accent6" hlink="hlink" folHlink="folHlink"/>
     </a:extraClrScheme>
   </a:extraClrSchemeLst>
+  <a:extLst>
+    <a:ext uri="{05A4C25C-085E-4340-85A3-A5531E510DB2}">
+      <thm15:themeFamily xmlns:thm15="http://schemas.microsoft.com/office/thememl/2012/main" xmlns="" name="Office Theme" id="{62F939B6-93AF-4DB8-9C6B-D6C7DFDC589F}" vid="{4A3C46E8-61CC-4603-A589-7422A47A8E4A}"/>
+    </a:ext>
+  </a:extLst>
 </a:theme>
 </file>
 
@@ -14960,6 +15004,11 @@
   </a:themeElements>
   <a:objectDefaults/>
   <a:extraClrSchemeLst/>
+  <a:extLst>
+    <a:ext uri="{05A4C25C-085E-4340-85A3-A5531E510DB2}">
+      <thm15:themeFamily xmlns:thm15="http://schemas.microsoft.com/office/thememl/2012/main" xmlns="" name="Office Theme" id="{62F939B6-93AF-4DB8-9C6B-D6C7DFDC589F}" vid="{4A3C46E8-61CC-4603-A589-7422A47A8E4A}"/>
+    </a:ext>
+  </a:extLst>
 </a:theme>
 </file>
 
@@ -15243,5 +15292,10 @@
   </a:themeElements>
   <a:objectDefaults/>
   <a:extraClrSchemeLst/>
+  <a:extLst>
+    <a:ext uri="{05A4C25C-085E-4340-85A3-A5531E510DB2}">
+      <thm15:themeFamily xmlns:thm15="http://schemas.microsoft.com/office/thememl/2012/main" xmlns="" name="Office Theme" id="{62F939B6-93AF-4DB8-9C6B-D6C7DFDC589F}" vid="{4A3C46E8-61CC-4603-A589-7422A47A8E4A}"/>
+    </a:ext>
+  </a:extLst>
 </a:theme>
 </file>